--- a/Apresentacao.pptx
+++ b/Apresentacao.pptx
@@ -2609,6 +2609,13 @@
         </dgm:presLayoutVars>
       </dgm:prSet>
       <dgm:spPr/>
+      <dgm:t>
+        <a:bodyPr/>
+        <a:lstStyle/>
+        <a:p>
+          <a:endParaRPr lang="pt-BR"/>
+        </a:p>
+      </dgm:t>
     </dgm:pt>
     <dgm:pt modelId="{AF0D05FB-D0F7-4CE7-A4A0-BD289485EE79}" type="pres">
       <dgm:prSet presAssocID="{B3D1AC36-ADB9-40BC-B5BC-401E8DA75CD2}" presName="dummyMaxCanvas" presStyleCnt="0">
@@ -2623,6 +2630,13 @@
         </dgm:presLayoutVars>
       </dgm:prSet>
       <dgm:spPr/>
+      <dgm:t>
+        <a:bodyPr/>
+        <a:lstStyle/>
+        <a:p>
+          <a:endParaRPr lang="pt-BR"/>
+        </a:p>
+      </dgm:t>
     </dgm:pt>
     <dgm:pt modelId="{8413CC00-8A5B-4BCF-B839-87AEAB7EFA9E}" type="pres">
       <dgm:prSet presAssocID="{B3D1AC36-ADB9-40BC-B5BC-401E8DA75CD2}" presName="FiveNodes_2" presStyleLbl="node1" presStyleIdx="1" presStyleCnt="5">
@@ -2631,6 +2645,13 @@
         </dgm:presLayoutVars>
       </dgm:prSet>
       <dgm:spPr/>
+      <dgm:t>
+        <a:bodyPr/>
+        <a:lstStyle/>
+        <a:p>
+          <a:endParaRPr lang="pt-BR"/>
+        </a:p>
+      </dgm:t>
     </dgm:pt>
     <dgm:pt modelId="{E1871E04-B93D-4B16-B959-94B55AAC5ABB}" type="pres">
       <dgm:prSet presAssocID="{B3D1AC36-ADB9-40BC-B5BC-401E8DA75CD2}" presName="FiveNodes_3" presStyleLbl="node1" presStyleIdx="2" presStyleCnt="5">
@@ -2639,6 +2660,13 @@
         </dgm:presLayoutVars>
       </dgm:prSet>
       <dgm:spPr/>
+      <dgm:t>
+        <a:bodyPr/>
+        <a:lstStyle/>
+        <a:p>
+          <a:endParaRPr lang="pt-BR"/>
+        </a:p>
+      </dgm:t>
     </dgm:pt>
     <dgm:pt modelId="{EBFB4198-1EA2-43AA-8706-BD6FF891507A}" type="pres">
       <dgm:prSet presAssocID="{B3D1AC36-ADB9-40BC-B5BC-401E8DA75CD2}" presName="FiveNodes_4" presStyleLbl="node1" presStyleIdx="3" presStyleCnt="5">
@@ -2677,6 +2705,13 @@
         </dgm:presLayoutVars>
       </dgm:prSet>
       <dgm:spPr/>
+      <dgm:t>
+        <a:bodyPr/>
+        <a:lstStyle/>
+        <a:p>
+          <a:endParaRPr lang="pt-BR"/>
+        </a:p>
+      </dgm:t>
     </dgm:pt>
     <dgm:pt modelId="{6AD50F06-FD06-415F-9FB0-FD0879FC3528}" type="pres">
       <dgm:prSet presAssocID="{B3D1AC36-ADB9-40BC-B5BC-401E8DA75CD2}" presName="FiveConn_2-3" presStyleLbl="fgAccFollowNode1" presStyleIdx="1" presStyleCnt="4">
@@ -2685,6 +2720,13 @@
         </dgm:presLayoutVars>
       </dgm:prSet>
       <dgm:spPr/>
+      <dgm:t>
+        <a:bodyPr/>
+        <a:lstStyle/>
+        <a:p>
+          <a:endParaRPr lang="pt-BR"/>
+        </a:p>
+      </dgm:t>
     </dgm:pt>
     <dgm:pt modelId="{31D978D9-AF01-4997-ADD0-48C42DD73FF6}" type="pres">
       <dgm:prSet presAssocID="{B3D1AC36-ADB9-40BC-B5BC-401E8DA75CD2}" presName="FiveConn_3-4" presStyleLbl="fgAccFollowNode1" presStyleIdx="2" presStyleCnt="4">
@@ -2693,6 +2735,13 @@
         </dgm:presLayoutVars>
       </dgm:prSet>
       <dgm:spPr/>
+      <dgm:t>
+        <a:bodyPr/>
+        <a:lstStyle/>
+        <a:p>
+          <a:endParaRPr lang="pt-BR"/>
+        </a:p>
+      </dgm:t>
     </dgm:pt>
     <dgm:pt modelId="{F10344A3-D5FB-4A33-867D-BB896676605F}" type="pres">
       <dgm:prSet presAssocID="{B3D1AC36-ADB9-40BC-B5BC-401E8DA75CD2}" presName="FiveConn_4-5" presStyleLbl="fgAccFollowNode1" presStyleIdx="3" presStyleCnt="4">
@@ -2701,6 +2750,13 @@
         </dgm:presLayoutVars>
       </dgm:prSet>
       <dgm:spPr/>
+      <dgm:t>
+        <a:bodyPr/>
+        <a:lstStyle/>
+        <a:p>
+          <a:endParaRPr lang="pt-BR"/>
+        </a:p>
+      </dgm:t>
     </dgm:pt>
     <dgm:pt modelId="{B8E0166C-CC39-473F-9ED8-38BDC3F1E7BC}" type="pres">
       <dgm:prSet presAssocID="{B3D1AC36-ADB9-40BC-B5BC-401E8DA75CD2}" presName="FiveNodes_1_text" presStyleLbl="node1" presStyleIdx="4" presStyleCnt="5">
@@ -2709,6 +2765,13 @@
         </dgm:presLayoutVars>
       </dgm:prSet>
       <dgm:spPr/>
+      <dgm:t>
+        <a:bodyPr/>
+        <a:lstStyle/>
+        <a:p>
+          <a:endParaRPr lang="pt-BR"/>
+        </a:p>
+      </dgm:t>
     </dgm:pt>
     <dgm:pt modelId="{A6A0483D-17B8-4734-86A9-44E302674D4E}" type="pres">
       <dgm:prSet presAssocID="{B3D1AC36-ADB9-40BC-B5BC-401E8DA75CD2}" presName="FiveNodes_2_text" presStyleLbl="node1" presStyleIdx="4" presStyleCnt="5">
@@ -2717,6 +2780,13 @@
         </dgm:presLayoutVars>
       </dgm:prSet>
       <dgm:spPr/>
+      <dgm:t>
+        <a:bodyPr/>
+        <a:lstStyle/>
+        <a:p>
+          <a:endParaRPr lang="pt-BR"/>
+        </a:p>
+      </dgm:t>
     </dgm:pt>
     <dgm:pt modelId="{76E4B384-8F55-46EF-9DDF-80179A91A470}" type="pres">
       <dgm:prSet presAssocID="{B3D1AC36-ADB9-40BC-B5BC-401E8DA75CD2}" presName="FiveNodes_3_text" presStyleLbl="node1" presStyleIdx="4" presStyleCnt="5">
@@ -2725,6 +2795,13 @@
         </dgm:presLayoutVars>
       </dgm:prSet>
       <dgm:spPr/>
+      <dgm:t>
+        <a:bodyPr/>
+        <a:lstStyle/>
+        <a:p>
+          <a:endParaRPr lang="pt-BR"/>
+        </a:p>
+      </dgm:t>
     </dgm:pt>
     <dgm:pt modelId="{231936AE-BE90-4D35-AEC0-17C495E035E0}" type="pres">
       <dgm:prSet presAssocID="{B3D1AC36-ADB9-40BC-B5BC-401E8DA75CD2}" presName="FiveNodes_4_text" presStyleLbl="node1" presStyleIdx="4" presStyleCnt="5">
@@ -3032,6 +3109,13 @@
         </dgm:presLayoutVars>
       </dgm:prSet>
       <dgm:spPr/>
+      <dgm:t>
+        <a:bodyPr/>
+        <a:lstStyle/>
+        <a:p>
+          <a:endParaRPr lang="pt-BR"/>
+        </a:p>
+      </dgm:t>
     </dgm:pt>
     <dgm:pt modelId="{AF0D05FB-D0F7-4CE7-A4A0-BD289485EE79}" type="pres">
       <dgm:prSet presAssocID="{B3D1AC36-ADB9-40BC-B5BC-401E8DA75CD2}" presName="dummyMaxCanvas" presStyleCnt="0">
@@ -3046,6 +3130,13 @@
         </dgm:presLayoutVars>
       </dgm:prSet>
       <dgm:spPr/>
+      <dgm:t>
+        <a:bodyPr/>
+        <a:lstStyle/>
+        <a:p>
+          <a:endParaRPr lang="pt-BR"/>
+        </a:p>
+      </dgm:t>
     </dgm:pt>
     <dgm:pt modelId="{8413CC00-8A5B-4BCF-B839-87AEAB7EFA9E}" type="pres">
       <dgm:prSet presAssocID="{B3D1AC36-ADB9-40BC-B5BC-401E8DA75CD2}" presName="FiveNodes_2" presStyleLbl="node1" presStyleIdx="1" presStyleCnt="5">
@@ -3054,6 +3145,13 @@
         </dgm:presLayoutVars>
       </dgm:prSet>
       <dgm:spPr/>
+      <dgm:t>
+        <a:bodyPr/>
+        <a:lstStyle/>
+        <a:p>
+          <a:endParaRPr lang="pt-BR"/>
+        </a:p>
+      </dgm:t>
     </dgm:pt>
     <dgm:pt modelId="{E1871E04-B93D-4B16-B959-94B55AAC5ABB}" type="pres">
       <dgm:prSet presAssocID="{B3D1AC36-ADB9-40BC-B5BC-401E8DA75CD2}" presName="FiveNodes_3" presStyleLbl="node1" presStyleIdx="2" presStyleCnt="5">
@@ -3062,6 +3160,13 @@
         </dgm:presLayoutVars>
       </dgm:prSet>
       <dgm:spPr/>
+      <dgm:t>
+        <a:bodyPr/>
+        <a:lstStyle/>
+        <a:p>
+          <a:endParaRPr lang="pt-BR"/>
+        </a:p>
+      </dgm:t>
     </dgm:pt>
     <dgm:pt modelId="{EBFB4198-1EA2-43AA-8706-BD6FF891507A}" type="pres">
       <dgm:prSet presAssocID="{B3D1AC36-ADB9-40BC-B5BC-401E8DA75CD2}" presName="FiveNodes_4" presStyleLbl="node1" presStyleIdx="3" presStyleCnt="5">
@@ -3100,6 +3205,13 @@
         </dgm:presLayoutVars>
       </dgm:prSet>
       <dgm:spPr/>
+      <dgm:t>
+        <a:bodyPr/>
+        <a:lstStyle/>
+        <a:p>
+          <a:endParaRPr lang="pt-BR"/>
+        </a:p>
+      </dgm:t>
     </dgm:pt>
     <dgm:pt modelId="{6AD50F06-FD06-415F-9FB0-FD0879FC3528}" type="pres">
       <dgm:prSet presAssocID="{B3D1AC36-ADB9-40BC-B5BC-401E8DA75CD2}" presName="FiveConn_2-3" presStyleLbl="fgAccFollowNode1" presStyleIdx="1" presStyleCnt="4">
@@ -3108,6 +3220,13 @@
         </dgm:presLayoutVars>
       </dgm:prSet>
       <dgm:spPr/>
+      <dgm:t>
+        <a:bodyPr/>
+        <a:lstStyle/>
+        <a:p>
+          <a:endParaRPr lang="pt-BR"/>
+        </a:p>
+      </dgm:t>
     </dgm:pt>
     <dgm:pt modelId="{31D978D9-AF01-4997-ADD0-48C42DD73FF6}" type="pres">
       <dgm:prSet presAssocID="{B3D1AC36-ADB9-40BC-B5BC-401E8DA75CD2}" presName="FiveConn_3-4" presStyleLbl="fgAccFollowNode1" presStyleIdx="2" presStyleCnt="4">
@@ -3116,6 +3235,13 @@
         </dgm:presLayoutVars>
       </dgm:prSet>
       <dgm:spPr/>
+      <dgm:t>
+        <a:bodyPr/>
+        <a:lstStyle/>
+        <a:p>
+          <a:endParaRPr lang="pt-BR"/>
+        </a:p>
+      </dgm:t>
     </dgm:pt>
     <dgm:pt modelId="{F10344A3-D5FB-4A33-867D-BB896676605F}" type="pres">
       <dgm:prSet presAssocID="{B3D1AC36-ADB9-40BC-B5BC-401E8DA75CD2}" presName="FiveConn_4-5" presStyleLbl="fgAccFollowNode1" presStyleIdx="3" presStyleCnt="4">
@@ -3124,6 +3250,13 @@
         </dgm:presLayoutVars>
       </dgm:prSet>
       <dgm:spPr/>
+      <dgm:t>
+        <a:bodyPr/>
+        <a:lstStyle/>
+        <a:p>
+          <a:endParaRPr lang="pt-BR"/>
+        </a:p>
+      </dgm:t>
     </dgm:pt>
     <dgm:pt modelId="{B8E0166C-CC39-473F-9ED8-38BDC3F1E7BC}" type="pres">
       <dgm:prSet presAssocID="{B3D1AC36-ADB9-40BC-B5BC-401E8DA75CD2}" presName="FiveNodes_1_text" presStyleLbl="node1" presStyleIdx="4" presStyleCnt="5">
@@ -3132,6 +3265,13 @@
         </dgm:presLayoutVars>
       </dgm:prSet>
       <dgm:spPr/>
+      <dgm:t>
+        <a:bodyPr/>
+        <a:lstStyle/>
+        <a:p>
+          <a:endParaRPr lang="pt-BR"/>
+        </a:p>
+      </dgm:t>
     </dgm:pt>
     <dgm:pt modelId="{A6A0483D-17B8-4734-86A9-44E302674D4E}" type="pres">
       <dgm:prSet presAssocID="{B3D1AC36-ADB9-40BC-B5BC-401E8DA75CD2}" presName="FiveNodes_2_text" presStyleLbl="node1" presStyleIdx="4" presStyleCnt="5">
@@ -3140,6 +3280,13 @@
         </dgm:presLayoutVars>
       </dgm:prSet>
       <dgm:spPr/>
+      <dgm:t>
+        <a:bodyPr/>
+        <a:lstStyle/>
+        <a:p>
+          <a:endParaRPr lang="pt-BR"/>
+        </a:p>
+      </dgm:t>
     </dgm:pt>
     <dgm:pt modelId="{76E4B384-8F55-46EF-9DDF-80179A91A470}" type="pres">
       <dgm:prSet presAssocID="{B3D1AC36-ADB9-40BC-B5BC-401E8DA75CD2}" presName="FiveNodes_3_text" presStyleLbl="node1" presStyleIdx="4" presStyleCnt="5">
@@ -3148,6 +3295,13 @@
         </dgm:presLayoutVars>
       </dgm:prSet>
       <dgm:spPr/>
+      <dgm:t>
+        <a:bodyPr/>
+        <a:lstStyle/>
+        <a:p>
+          <a:endParaRPr lang="pt-BR"/>
+        </a:p>
+      </dgm:t>
     </dgm:pt>
     <dgm:pt modelId="{231936AE-BE90-4D35-AEC0-17C495E035E0}" type="pres">
       <dgm:prSet presAssocID="{B3D1AC36-ADB9-40BC-B5BC-401E8DA75CD2}" presName="FiveNodes_4_text" presStyleLbl="node1" presStyleIdx="4" presStyleCnt="5">
@@ -3181,26 +3335,26 @@
     </dgm:pt>
   </dgm:ptLst>
   <dgm:cxnLst>
+    <dgm:cxn modelId="{C5732CA2-1681-44F5-AD15-939E70C84744}" type="presOf" srcId="{BBCB4013-F0B9-41D9-BD2E-E766E6C5FBA1}" destId="{231936AE-BE90-4D35-AEC0-17C495E035E0}" srcOrd="1" destOrd="0" presId="urn:microsoft.com/office/officeart/2005/8/layout/vProcess5"/>
+    <dgm:cxn modelId="{39A7D420-9203-4593-AA77-7EA5C9754616}" type="presOf" srcId="{8BB94378-A22A-482F-9EA5-4C0EC7F2279F}" destId="{C36FF432-0BC8-4323-BA15-94BA34DB5CC1}" srcOrd="0" destOrd="0" presId="urn:microsoft.com/office/officeart/2005/8/layout/vProcess5"/>
+    <dgm:cxn modelId="{C3E5090A-B9C4-4183-ACAC-EBAE4510075B}" type="presOf" srcId="{BBCB4013-F0B9-41D9-BD2E-E766E6C5FBA1}" destId="{EBFB4198-1EA2-43AA-8706-BD6FF891507A}" srcOrd="0" destOrd="0" presId="urn:microsoft.com/office/officeart/2005/8/layout/vProcess5"/>
+    <dgm:cxn modelId="{5ADC306D-199C-4A8F-BBFC-76FD2B655B23}" srcId="{B3D1AC36-ADB9-40BC-B5BC-401E8DA75CD2}" destId="{1215FF01-D7D7-41C7-ABD3-4C480E2291C3}" srcOrd="2" destOrd="0" parTransId="{3FBF961F-8E72-4A6A-875D-DEB5B23EA3FE}" sibTransId="{BA46A00B-4260-4786-88C5-B21FD11C026A}"/>
+    <dgm:cxn modelId="{F6D31469-7377-4F55-8848-C919443C1579}" srcId="{B3D1AC36-ADB9-40BC-B5BC-401E8DA75CD2}" destId="{A449FC4B-320B-454F-8F3D-4C0A756C134F}" srcOrd="1" destOrd="0" parTransId="{BD36B0A4-BFD4-4BF7-AB7B-783C835404A4}" sibTransId="{A0DD3576-D886-4CED-98B2-77CB191B9593}"/>
+    <dgm:cxn modelId="{775E79F7-ADE2-4F54-A16B-D4E954DDE44C}" type="presOf" srcId="{B3D1AC36-ADB9-40BC-B5BC-401E8DA75CD2}" destId="{8D1C080D-6ED3-4E65-B82B-136A31CF6FA3}" srcOrd="0" destOrd="0" presId="urn:microsoft.com/office/officeart/2005/8/layout/vProcess5"/>
+    <dgm:cxn modelId="{5E70FEB7-E82A-4268-A3DD-92C85092A3F9}" type="presOf" srcId="{A0DD3576-D886-4CED-98B2-77CB191B9593}" destId="{6AD50F06-FD06-415F-9FB0-FD0879FC3528}" srcOrd="0" destOrd="0" presId="urn:microsoft.com/office/officeart/2005/8/layout/vProcess5"/>
+    <dgm:cxn modelId="{542CD867-7F80-4530-B71C-4D513F221F65}" type="presOf" srcId="{E530CFD0-55F3-4E62-BD84-2358C6481E5D}" destId="{B8E0166C-CC39-473F-9ED8-38BDC3F1E7BC}" srcOrd="1" destOrd="0" presId="urn:microsoft.com/office/officeart/2005/8/layout/vProcess5"/>
     <dgm:cxn modelId="{3A43EED5-F98C-4048-9706-0C7D461E9400}" type="presOf" srcId="{A449FC4B-320B-454F-8F3D-4C0A756C134F}" destId="{8413CC00-8A5B-4BCF-B839-87AEAB7EFA9E}" srcOrd="0" destOrd="0" presId="urn:microsoft.com/office/officeart/2005/8/layout/vProcess5"/>
+    <dgm:cxn modelId="{2E94DBA2-3C3D-4BE0-849C-7C61810B5560}" type="presOf" srcId="{E41E3EAC-FA68-4D63-9FEF-9EDAA3B960D2}" destId="{F10344A3-D5FB-4A33-867D-BB896676605F}" srcOrd="0" destOrd="0" presId="urn:microsoft.com/office/officeart/2005/8/layout/vProcess5"/>
     <dgm:cxn modelId="{A82B5AC9-BB2F-478B-9278-0E57A8FE36B3}" type="presOf" srcId="{1215FF01-D7D7-41C7-ABD3-4C480E2291C3}" destId="{76E4B384-8F55-46EF-9DDF-80179A91A470}" srcOrd="1" destOrd="0" presId="urn:microsoft.com/office/officeart/2005/8/layout/vProcess5"/>
-    <dgm:cxn modelId="{542CD867-7F80-4530-B71C-4D513F221F65}" type="presOf" srcId="{E530CFD0-55F3-4E62-BD84-2358C6481E5D}" destId="{B8E0166C-CC39-473F-9ED8-38BDC3F1E7BC}" srcOrd="1" destOrd="0" presId="urn:microsoft.com/office/officeart/2005/8/layout/vProcess5"/>
+    <dgm:cxn modelId="{C0979EE8-123D-46CE-B520-5B9DDA43988C}" type="presOf" srcId="{BA46A00B-4260-4786-88C5-B21FD11C026A}" destId="{31D978D9-AF01-4997-ADD0-48C42DD73FF6}" srcOrd="0" destOrd="0" presId="urn:microsoft.com/office/officeart/2005/8/layout/vProcess5"/>
+    <dgm:cxn modelId="{37A37A43-CC1A-48DF-ACC9-D26EABC04EB7}" type="presOf" srcId="{E530CFD0-55F3-4E62-BD84-2358C6481E5D}" destId="{FEB8B2B1-005D-4392-9327-2F08AFCBF153}" srcOrd="0" destOrd="0" presId="urn:microsoft.com/office/officeart/2005/8/layout/vProcess5"/>
+    <dgm:cxn modelId="{3F66E258-9081-4EC9-8E16-7B69F6A7B9E9}" srcId="{B3D1AC36-ADB9-40BC-B5BC-401E8DA75CD2}" destId="{E530CFD0-55F3-4E62-BD84-2358C6481E5D}" srcOrd="0" destOrd="0" parTransId="{4EEB3398-5253-4E70-B421-D146C5C0E92D}" sibTransId="{8BB94378-A22A-482F-9EA5-4C0EC7F2279F}"/>
+    <dgm:cxn modelId="{854C56DF-2DE4-4285-97D1-B68261090390}" srcId="{B3D1AC36-ADB9-40BC-B5BC-401E8DA75CD2}" destId="{CAD50634-69BF-41C9-A9C0-B4B3ACE60990}" srcOrd="4" destOrd="0" parTransId="{6B6E5F31-E935-453B-8DAD-A7A71E4BBE5D}" sibTransId="{0AA8E771-4A97-4A37-9ED7-959F488F59B1}"/>
+    <dgm:cxn modelId="{BE9308FD-619D-4BB2-B2A1-F7EA0E3B9C12}" type="presOf" srcId="{A449FC4B-320B-454F-8F3D-4C0A756C134F}" destId="{A6A0483D-17B8-4734-86A9-44E302674D4E}" srcOrd="1" destOrd="0" presId="urn:microsoft.com/office/officeart/2005/8/layout/vProcess5"/>
     <dgm:cxn modelId="{4EBC142A-AC4C-4916-9538-3FB2F40AB729}" type="presOf" srcId="{CAD50634-69BF-41C9-A9C0-B4B3ACE60990}" destId="{A304F91C-97BD-4D49-86CB-BDF5405659B6}" srcOrd="0" destOrd="0" presId="urn:microsoft.com/office/officeart/2005/8/layout/vProcess5"/>
-    <dgm:cxn modelId="{C3E5090A-B9C4-4183-ACAC-EBAE4510075B}" type="presOf" srcId="{BBCB4013-F0B9-41D9-BD2E-E766E6C5FBA1}" destId="{EBFB4198-1EA2-43AA-8706-BD6FF891507A}" srcOrd="0" destOrd="0" presId="urn:microsoft.com/office/officeart/2005/8/layout/vProcess5"/>
-    <dgm:cxn modelId="{5E70FEB7-E82A-4268-A3DD-92C85092A3F9}" type="presOf" srcId="{A0DD3576-D886-4CED-98B2-77CB191B9593}" destId="{6AD50F06-FD06-415F-9FB0-FD0879FC3528}" srcOrd="0" destOrd="0" presId="urn:microsoft.com/office/officeart/2005/8/layout/vProcess5"/>
-    <dgm:cxn modelId="{BE9308FD-619D-4BB2-B2A1-F7EA0E3B9C12}" type="presOf" srcId="{A449FC4B-320B-454F-8F3D-4C0A756C134F}" destId="{A6A0483D-17B8-4734-86A9-44E302674D4E}" srcOrd="1" destOrd="0" presId="urn:microsoft.com/office/officeart/2005/8/layout/vProcess5"/>
-    <dgm:cxn modelId="{775E79F7-ADE2-4F54-A16B-D4E954DDE44C}" type="presOf" srcId="{B3D1AC36-ADB9-40BC-B5BC-401E8DA75CD2}" destId="{8D1C080D-6ED3-4E65-B82B-136A31CF6FA3}" srcOrd="0" destOrd="0" presId="urn:microsoft.com/office/officeart/2005/8/layout/vProcess5"/>
-    <dgm:cxn modelId="{F6D31469-7377-4F55-8848-C919443C1579}" srcId="{B3D1AC36-ADB9-40BC-B5BC-401E8DA75CD2}" destId="{A449FC4B-320B-454F-8F3D-4C0A756C134F}" srcOrd="1" destOrd="0" parTransId="{BD36B0A4-BFD4-4BF7-AB7B-783C835404A4}" sibTransId="{A0DD3576-D886-4CED-98B2-77CB191B9593}"/>
-    <dgm:cxn modelId="{C5732CA2-1681-44F5-AD15-939E70C84744}" type="presOf" srcId="{BBCB4013-F0B9-41D9-BD2E-E766E6C5FBA1}" destId="{231936AE-BE90-4D35-AEC0-17C495E035E0}" srcOrd="1" destOrd="0" presId="urn:microsoft.com/office/officeart/2005/8/layout/vProcess5"/>
-    <dgm:cxn modelId="{C0979EE8-123D-46CE-B520-5B9DDA43988C}" type="presOf" srcId="{BA46A00B-4260-4786-88C5-B21FD11C026A}" destId="{31D978D9-AF01-4997-ADD0-48C42DD73FF6}" srcOrd="0" destOrd="0" presId="urn:microsoft.com/office/officeart/2005/8/layout/vProcess5"/>
-    <dgm:cxn modelId="{3F66E258-9081-4EC9-8E16-7B69F6A7B9E9}" srcId="{B3D1AC36-ADB9-40BC-B5BC-401E8DA75CD2}" destId="{E530CFD0-55F3-4E62-BD84-2358C6481E5D}" srcOrd="0" destOrd="0" parTransId="{4EEB3398-5253-4E70-B421-D146C5C0E92D}" sibTransId="{8BB94378-A22A-482F-9EA5-4C0EC7F2279F}"/>
-    <dgm:cxn modelId="{37A37A43-CC1A-48DF-ACC9-D26EABC04EB7}" type="presOf" srcId="{E530CFD0-55F3-4E62-BD84-2358C6481E5D}" destId="{FEB8B2B1-005D-4392-9327-2F08AFCBF153}" srcOrd="0" destOrd="0" presId="urn:microsoft.com/office/officeart/2005/8/layout/vProcess5"/>
+    <dgm:cxn modelId="{0520615E-D547-47C3-BC96-F73D2AB4286F}" srcId="{B3D1AC36-ADB9-40BC-B5BC-401E8DA75CD2}" destId="{BBCB4013-F0B9-41D9-BD2E-E766E6C5FBA1}" srcOrd="3" destOrd="0" parTransId="{A189B584-468A-4DB0-A6DF-065927096B66}" sibTransId="{E41E3EAC-FA68-4D63-9FEF-9EDAA3B960D2}"/>
+    <dgm:cxn modelId="{2C43B9D7-143D-4B8D-A8D1-586A3E572711}" type="presOf" srcId="{1215FF01-D7D7-41C7-ABD3-4C480E2291C3}" destId="{E1871E04-B93D-4B16-B959-94B55AAC5ABB}" srcOrd="0" destOrd="0" presId="urn:microsoft.com/office/officeart/2005/8/layout/vProcess5"/>
     <dgm:cxn modelId="{A5F77FFD-26E8-452E-8F16-4513E73A0E0E}" type="presOf" srcId="{CAD50634-69BF-41C9-A9C0-B4B3ACE60990}" destId="{8FB39AF3-00BA-499E-B2F5-C8C4AC2F93AC}" srcOrd="1" destOrd="0" presId="urn:microsoft.com/office/officeart/2005/8/layout/vProcess5"/>
-    <dgm:cxn modelId="{2C43B9D7-143D-4B8D-A8D1-586A3E572711}" type="presOf" srcId="{1215FF01-D7D7-41C7-ABD3-4C480E2291C3}" destId="{E1871E04-B93D-4B16-B959-94B55AAC5ABB}" srcOrd="0" destOrd="0" presId="urn:microsoft.com/office/officeart/2005/8/layout/vProcess5"/>
-    <dgm:cxn modelId="{39A7D420-9203-4593-AA77-7EA5C9754616}" type="presOf" srcId="{8BB94378-A22A-482F-9EA5-4C0EC7F2279F}" destId="{C36FF432-0BC8-4323-BA15-94BA34DB5CC1}" srcOrd="0" destOrd="0" presId="urn:microsoft.com/office/officeart/2005/8/layout/vProcess5"/>
-    <dgm:cxn modelId="{0520615E-D547-47C3-BC96-F73D2AB4286F}" srcId="{B3D1AC36-ADB9-40BC-B5BC-401E8DA75CD2}" destId="{BBCB4013-F0B9-41D9-BD2E-E766E6C5FBA1}" srcOrd="3" destOrd="0" parTransId="{A189B584-468A-4DB0-A6DF-065927096B66}" sibTransId="{E41E3EAC-FA68-4D63-9FEF-9EDAA3B960D2}"/>
-    <dgm:cxn modelId="{5ADC306D-199C-4A8F-BBFC-76FD2B655B23}" srcId="{B3D1AC36-ADB9-40BC-B5BC-401E8DA75CD2}" destId="{1215FF01-D7D7-41C7-ABD3-4C480E2291C3}" srcOrd="2" destOrd="0" parTransId="{3FBF961F-8E72-4A6A-875D-DEB5B23EA3FE}" sibTransId="{BA46A00B-4260-4786-88C5-B21FD11C026A}"/>
-    <dgm:cxn modelId="{854C56DF-2DE4-4285-97D1-B68261090390}" srcId="{B3D1AC36-ADB9-40BC-B5BC-401E8DA75CD2}" destId="{CAD50634-69BF-41C9-A9C0-B4B3ACE60990}" srcOrd="4" destOrd="0" parTransId="{6B6E5F31-E935-453B-8DAD-A7A71E4BBE5D}" sibTransId="{0AA8E771-4A97-4A37-9ED7-959F488F59B1}"/>
-    <dgm:cxn modelId="{2E94DBA2-3C3D-4BE0-849C-7C61810B5560}" type="presOf" srcId="{E41E3EAC-FA68-4D63-9FEF-9EDAA3B960D2}" destId="{F10344A3-D5FB-4A33-867D-BB896676605F}" srcOrd="0" destOrd="0" presId="urn:microsoft.com/office/officeart/2005/8/layout/vProcess5"/>
     <dgm:cxn modelId="{7A38C0CC-F3B8-4BCD-845D-A260DCAFFE02}" type="presParOf" srcId="{8D1C080D-6ED3-4E65-B82B-136A31CF6FA3}" destId="{AF0D05FB-D0F7-4CE7-A4A0-BD289485EE79}" srcOrd="0" destOrd="0" presId="urn:microsoft.com/office/officeart/2005/8/layout/vProcess5"/>
     <dgm:cxn modelId="{E4C69970-F438-4105-A4AF-8AE1D6B788EE}" type="presParOf" srcId="{8D1C080D-6ED3-4E65-B82B-136A31CF6FA3}" destId="{FEB8B2B1-005D-4392-9327-2F08AFCBF153}" srcOrd="1" destOrd="0" presId="urn:microsoft.com/office/officeart/2005/8/layout/vProcess5"/>
     <dgm:cxn modelId="{AA41476D-D90F-4410-91A2-FD5F5242CD81}" type="presParOf" srcId="{8D1C080D-6ED3-4E65-B82B-136A31CF6FA3}" destId="{8413CC00-8A5B-4BCF-B839-87AEAB7EFA9E}" srcOrd="2" destOrd="0" presId="urn:microsoft.com/office/officeart/2005/8/layout/vProcess5"/>
@@ -3286,18 +3440,18 @@
         <a:lstStyle/>
         <a:p>
           <a:r>
-            <a:rPr lang="pt-BR" sz="2000" dirty="0" smtClean="0"/>
+            <a:rPr lang="pt-BR" sz="3200" dirty="0" smtClean="0"/>
             <a:t>Web </a:t>
           </a:r>
           <a:r>
-            <a:rPr lang="pt-BR" sz="2000" dirty="0" err="1" smtClean="0"/>
+            <a:rPr lang="pt-BR" sz="3200" dirty="0" err="1" smtClean="0"/>
             <a:t>scrapping</a:t>
           </a:r>
           <a:r>
-            <a:rPr lang="pt-BR" sz="2000" dirty="0" smtClean="0"/>
+            <a:rPr lang="pt-BR" sz="3200" dirty="0" smtClean="0"/>
             <a:t>.</a:t>
           </a:r>
-          <a:endParaRPr lang="pt-BR" sz="2000" dirty="0"/>
+          <a:endParaRPr lang="pt-BR" sz="3200" dirty="0"/>
         </a:p>
       </dgm:t>
     </dgm:pt>
@@ -3502,10 +3656,10 @@
         <a:lstStyle/>
         <a:p>
           <a:r>
-            <a:rPr lang="pt-BR" sz="2000" dirty="0" smtClean="0"/>
+            <a:rPr lang="pt-BR" sz="3200" dirty="0" smtClean="0"/>
             <a:t>CSV</a:t>
           </a:r>
-          <a:endParaRPr lang="pt-BR" sz="2000" dirty="0"/>
+          <a:endParaRPr lang="pt-BR" sz="3200" dirty="0"/>
         </a:p>
       </dgm:t>
     </dgm:pt>
@@ -3539,10 +3693,10 @@
         <a:lstStyle/>
         <a:p>
           <a:r>
-            <a:rPr lang="pt-BR" sz="2000" dirty="0" err="1" smtClean="0"/>
+            <a:rPr lang="pt-BR" sz="3200" dirty="0" err="1" smtClean="0"/>
             <a:t>RData</a:t>
           </a:r>
-          <a:endParaRPr lang="pt-BR" sz="2000" dirty="0"/>
+          <a:endParaRPr lang="pt-BR" sz="3200" dirty="0"/>
         </a:p>
       </dgm:t>
     </dgm:pt>
@@ -3618,6 +3772,13 @@
         </dgm:presLayoutVars>
       </dgm:prSet>
       <dgm:spPr/>
+      <dgm:t>
+        <a:bodyPr/>
+        <a:lstStyle/>
+        <a:p>
+          <a:endParaRPr lang="pt-BR"/>
+        </a:p>
+      </dgm:t>
     </dgm:pt>
     <dgm:pt modelId="{9BE391FD-9F18-47D8-AD9A-03C49115B4F9}" type="pres">
       <dgm:prSet presAssocID="{CC29FB27-801D-4615-BF44-5B37D21B8658}" presName="boxAndChildren" presStyleCnt="0"/>
@@ -3626,10 +3787,24 @@
     <dgm:pt modelId="{1D530850-5046-4191-AB1F-DDB3A09C5929}" type="pres">
       <dgm:prSet presAssocID="{CC29FB27-801D-4615-BF44-5B37D21B8658}" presName="parentTextBox" presStyleLbl="node1" presStyleIdx="0" presStyleCnt="3"/>
       <dgm:spPr/>
+      <dgm:t>
+        <a:bodyPr/>
+        <a:lstStyle/>
+        <a:p>
+          <a:endParaRPr lang="pt-BR"/>
+        </a:p>
+      </dgm:t>
     </dgm:pt>
     <dgm:pt modelId="{F81ECD18-CAC6-494A-8E1B-B3C59EE70C41}" type="pres">
       <dgm:prSet presAssocID="{CC29FB27-801D-4615-BF44-5B37D21B8658}" presName="entireBox" presStyleLbl="node1" presStyleIdx="0" presStyleCnt="3" custScaleY="58298"/>
       <dgm:spPr/>
+      <dgm:t>
+        <a:bodyPr/>
+        <a:lstStyle/>
+        <a:p>
+          <a:endParaRPr lang="pt-BR"/>
+        </a:p>
+      </dgm:t>
     </dgm:pt>
     <dgm:pt modelId="{40751FC8-DA5D-42F7-9BDF-AA9783A83B03}" type="pres">
       <dgm:prSet presAssocID="{CC29FB27-801D-4615-BF44-5B37D21B8658}" presName="descendantBox" presStyleCnt="0"/>
@@ -3642,6 +3817,13 @@
         </dgm:presLayoutVars>
       </dgm:prSet>
       <dgm:spPr/>
+      <dgm:t>
+        <a:bodyPr/>
+        <a:lstStyle/>
+        <a:p>
+          <a:endParaRPr lang="pt-BR"/>
+        </a:p>
+      </dgm:t>
     </dgm:pt>
     <dgm:pt modelId="{D84BFB0D-7348-418C-B724-C81701A81BB3}" type="pres">
       <dgm:prSet presAssocID="{CA14F749-5715-480B-9606-D3D8B3632EED}" presName="childTextBox" presStyleLbl="fgAccFollowNode1" presStyleIdx="1" presStyleCnt="6">
@@ -3650,6 +3832,13 @@
         </dgm:presLayoutVars>
       </dgm:prSet>
       <dgm:spPr/>
+      <dgm:t>
+        <a:bodyPr/>
+        <a:lstStyle/>
+        <a:p>
+          <a:endParaRPr lang="pt-BR"/>
+        </a:p>
+      </dgm:t>
     </dgm:pt>
     <dgm:pt modelId="{CA502E1D-7D9C-423B-9741-C63F4EAB0A83}" type="pres">
       <dgm:prSet presAssocID="{F5DABC24-D83D-4B40-A931-2379D1066AE6}" presName="sp" presStyleCnt="0"/>
@@ -3662,10 +3851,24 @@
     <dgm:pt modelId="{E592439C-9851-4C51-99DD-8207B1FDA48C}" type="pres">
       <dgm:prSet presAssocID="{BF625EC9-D0AF-47E7-B9B5-DF551A01A827}" presName="parentTextArrow" presStyleLbl="node1" presStyleIdx="0" presStyleCnt="3"/>
       <dgm:spPr/>
+      <dgm:t>
+        <a:bodyPr/>
+        <a:lstStyle/>
+        <a:p>
+          <a:endParaRPr lang="pt-BR"/>
+        </a:p>
+      </dgm:t>
     </dgm:pt>
     <dgm:pt modelId="{76468D4D-272C-4E12-9AAC-C152AE1F805E}" type="pres">
       <dgm:prSet presAssocID="{BF625EC9-D0AF-47E7-B9B5-DF551A01A827}" presName="arrow" presStyleLbl="node1" presStyleIdx="1" presStyleCnt="3" custScaleY="130064"/>
       <dgm:spPr/>
+      <dgm:t>
+        <a:bodyPr/>
+        <a:lstStyle/>
+        <a:p>
+          <a:endParaRPr lang="pt-BR"/>
+        </a:p>
+      </dgm:t>
     </dgm:pt>
     <dgm:pt modelId="{0B1926A5-3458-4BE3-B807-7A5155C8FF07}" type="pres">
       <dgm:prSet presAssocID="{BF625EC9-D0AF-47E7-B9B5-DF551A01A827}" presName="descendantArrow" presStyleCnt="0"/>
@@ -3727,10 +3930,24 @@
     <dgm:pt modelId="{A9EF60D8-6614-41DD-8F2D-8610EFFCEECF}" type="pres">
       <dgm:prSet presAssocID="{D35E786E-C192-4329-B36A-CBA9CFE78347}" presName="parentTextArrow" presStyleLbl="node1" presStyleIdx="1" presStyleCnt="3"/>
       <dgm:spPr/>
+      <dgm:t>
+        <a:bodyPr/>
+        <a:lstStyle/>
+        <a:p>
+          <a:endParaRPr lang="pt-BR"/>
+        </a:p>
+      </dgm:t>
     </dgm:pt>
     <dgm:pt modelId="{AFD52694-81E0-4F5E-AF9E-C5B6446FE244}" type="pres">
       <dgm:prSet presAssocID="{D35E786E-C192-4329-B36A-CBA9CFE78347}" presName="arrow" presStyleLbl="node1" presStyleIdx="2" presStyleCnt="3"/>
       <dgm:spPr/>
+      <dgm:t>
+        <a:bodyPr/>
+        <a:lstStyle/>
+        <a:p>
+          <a:endParaRPr lang="pt-BR"/>
+        </a:p>
+      </dgm:t>
     </dgm:pt>
     <dgm:pt modelId="{7A0F4BE4-3183-4B8F-A459-C6156DD71A8C}" type="pres">
       <dgm:prSet presAssocID="{D35E786E-C192-4329-B36A-CBA9CFE78347}" presName="descendantArrow" presStyleCnt="0"/>
@@ -3761,15 +3978,15 @@
     <dgm:cxn modelId="{52B2CB6F-D371-4D3A-917F-049054690E46}" srcId="{BF625EC9-D0AF-47E7-B9B5-DF551A01A827}" destId="{9E62AEEB-8359-4FC8-98C0-CBCC2967B6B7}" srcOrd="2" destOrd="0" parTransId="{92572EA2-A87D-4A3F-BFB3-0BB53A09EEDD}" sibTransId="{33BE2A37-38C0-4905-9246-480B1BBDFD44}"/>
     <dgm:cxn modelId="{C7E514B2-7280-40D9-889B-B3E65EC18D05}" type="presOf" srcId="{BF625EC9-D0AF-47E7-B9B5-DF551A01A827}" destId="{E592439C-9851-4C51-99DD-8207B1FDA48C}" srcOrd="0" destOrd="0" presId="urn:microsoft.com/office/officeart/2005/8/layout/process4"/>
     <dgm:cxn modelId="{3C9ED8F8-2BFF-4745-96AC-7D7FBED19488}" srcId="{D35E786E-C192-4329-B36A-CBA9CFE78347}" destId="{ABB28A4A-887F-43B8-8E7D-8CB2A742293F}" srcOrd="0" destOrd="0" parTransId="{681DB487-19BC-4B1F-8B99-AFA5797442E5}" sibTransId="{CC74FFDA-B896-4DE9-8FAC-2FEB39E4C4D4}"/>
+    <dgm:cxn modelId="{825E9650-AB92-45B2-BC14-C174DF1183D8}" type="presOf" srcId="{CA14F749-5715-480B-9606-D3D8B3632EED}" destId="{D84BFB0D-7348-418C-B724-C81701A81BB3}" srcOrd="0" destOrd="0" presId="urn:microsoft.com/office/officeart/2005/8/layout/process4"/>
     <dgm:cxn modelId="{11369BDD-7A69-4157-9007-E086C82AF6F5}" type="presOf" srcId="{D35E786E-C192-4329-B36A-CBA9CFE78347}" destId="{A9EF60D8-6614-41DD-8F2D-8610EFFCEECF}" srcOrd="0" destOrd="0" presId="urn:microsoft.com/office/officeart/2005/8/layout/process4"/>
     <dgm:cxn modelId="{CCC0DEB8-7579-4890-815B-A6B9AACDA8F3}" srcId="{1332B820-E88C-4D9F-A56A-EF9835D373F5}" destId="{D35E786E-C192-4329-B36A-CBA9CFE78347}" srcOrd="0" destOrd="0" parTransId="{5D0ED6C6-9BB1-423B-A1A3-BF00DF4EC54A}" sibTransId="{D668D7E1-ED1B-48FB-B09A-3FF63915992F}"/>
-    <dgm:cxn modelId="{825E9650-AB92-45B2-BC14-C174DF1183D8}" type="presOf" srcId="{CA14F749-5715-480B-9606-D3D8B3632EED}" destId="{D84BFB0D-7348-418C-B724-C81701A81BB3}" srcOrd="0" destOrd="0" presId="urn:microsoft.com/office/officeart/2005/8/layout/process4"/>
     <dgm:cxn modelId="{708752E5-1CED-404C-B4E7-DB4B487A6960}" type="presOf" srcId="{BF625EC9-D0AF-47E7-B9B5-DF551A01A827}" destId="{76468D4D-272C-4E12-9AAC-C152AE1F805E}" srcOrd="1" destOrd="0" presId="urn:microsoft.com/office/officeart/2005/8/layout/process4"/>
     <dgm:cxn modelId="{B2D03EC0-5D85-4E4A-9264-FDA83B47D3A4}" type="presOf" srcId="{CC29FB27-801D-4615-BF44-5B37D21B8658}" destId="{1D530850-5046-4191-AB1F-DDB3A09C5929}" srcOrd="0" destOrd="0" presId="urn:microsoft.com/office/officeart/2005/8/layout/process4"/>
     <dgm:cxn modelId="{FE32A588-B15D-46B0-9DE4-8EFB4A182DCB}" type="presOf" srcId="{D35E786E-C192-4329-B36A-CBA9CFE78347}" destId="{AFD52694-81E0-4F5E-AF9E-C5B6446FE244}" srcOrd="1" destOrd="0" presId="urn:microsoft.com/office/officeart/2005/8/layout/process4"/>
     <dgm:cxn modelId="{1BB74DF7-6A97-400C-A2C2-E23477738DB6}" srcId="{BF625EC9-D0AF-47E7-B9B5-DF551A01A827}" destId="{25715C7B-CB12-4BB8-9D97-CE3A4B49E980}" srcOrd="1" destOrd="0" parTransId="{A7BF8442-4D39-4C55-BA3E-CD29B690D0E7}" sibTransId="{D6391988-C4B9-40D0-A89C-775A11B616C5}"/>
+    <dgm:cxn modelId="{83CD17A3-85AD-4611-9ACE-5426B422E569}" type="presOf" srcId="{1332B820-E88C-4D9F-A56A-EF9835D373F5}" destId="{989FECC1-0CAB-4D0C-AEA4-DFD538157EB2}" srcOrd="0" destOrd="0" presId="urn:microsoft.com/office/officeart/2005/8/layout/process4"/>
     <dgm:cxn modelId="{A8BF9951-0E48-47B8-BBEF-36B92B593A05}" type="presOf" srcId="{ABB28A4A-887F-43B8-8E7D-8CB2A742293F}" destId="{31424058-0D60-4BE6-8544-9EAE971FA707}" srcOrd="0" destOrd="0" presId="urn:microsoft.com/office/officeart/2005/8/layout/process4"/>
-    <dgm:cxn modelId="{83CD17A3-85AD-4611-9ACE-5426B422E569}" type="presOf" srcId="{1332B820-E88C-4D9F-A56A-EF9835D373F5}" destId="{989FECC1-0CAB-4D0C-AEA4-DFD538157EB2}" srcOrd="0" destOrd="0" presId="urn:microsoft.com/office/officeart/2005/8/layout/process4"/>
     <dgm:cxn modelId="{A507CEF8-A689-4F87-B72E-60F93E88EA08}" srcId="{1332B820-E88C-4D9F-A56A-EF9835D373F5}" destId="{CC29FB27-801D-4615-BF44-5B37D21B8658}" srcOrd="2" destOrd="0" parTransId="{7041274B-2C6F-4500-BBA4-CC22DCADC42A}" sibTransId="{D4A335D4-5A0E-471B-BC3A-F4C6F2DC0776}"/>
     <dgm:cxn modelId="{0F111E57-8B95-431F-9511-3F9527416C94}" srcId="{BF625EC9-D0AF-47E7-B9B5-DF551A01A827}" destId="{0EBF81F7-3BE6-4B65-831C-5F4E6095E8BD}" srcOrd="0" destOrd="0" parTransId="{51D87DD1-3A34-45E9-8AF1-37E6543A3567}" sibTransId="{56E6250E-6B0C-4A48-82B1-B3A7A70A9025}"/>
     <dgm:cxn modelId="{9C814E33-6017-4762-808D-4332D4A91054}" type="presOf" srcId="{9E62AEEB-8359-4FC8-98C0-CBCC2967B6B7}" destId="{FF1E22EF-B774-4580-971B-5DC6153C9006}" srcOrd="0" destOrd="0" presId="urn:microsoft.com/office/officeart/2005/8/layout/process4"/>
@@ -5548,12 +5765,12 @@
         <a:fontRef idx="minor"/>
       </dsp:style>
       <dsp:txBody>
-        <a:bodyPr spcFirstLastPara="0" vert="horz" wrap="square" lIns="142240" tIns="25400" rIns="142240" bIns="25400" numCol="1" spcCol="1270" anchor="ctr" anchorCtr="0">
+        <a:bodyPr spcFirstLastPara="0" vert="horz" wrap="square" lIns="227584" tIns="40640" rIns="227584" bIns="40640" numCol="1" spcCol="1270" anchor="ctr" anchorCtr="0">
           <a:noAutofit/>
         </a:bodyPr>
         <a:lstStyle/>
         <a:p>
-          <a:pPr lvl="0" algn="ctr" defTabSz="889000">
+          <a:pPr lvl="0" algn="ctr" defTabSz="1422400">
             <a:lnSpc>
               <a:spcPct val="90000"/>
             </a:lnSpc>
@@ -5565,10 +5782,10 @@
             </a:spcAft>
           </a:pPr>
           <a:r>
-            <a:rPr lang="pt-BR" sz="2000" kern="1200" dirty="0" smtClean="0"/>
+            <a:rPr lang="pt-BR" sz="3200" kern="1200" dirty="0" smtClean="0"/>
             <a:t>CSV</a:t>
           </a:r>
-          <a:endParaRPr lang="pt-BR" sz="2000" kern="1200" dirty="0"/>
+          <a:endParaRPr lang="pt-BR" sz="3200" kern="1200" dirty="0"/>
         </a:p>
       </dsp:txBody>
       <dsp:txXfrm>
@@ -5629,12 +5846,12 @@
         <a:fontRef idx="minor"/>
       </dsp:style>
       <dsp:txBody>
-        <a:bodyPr spcFirstLastPara="0" vert="horz" wrap="square" lIns="142240" tIns="25400" rIns="142240" bIns="25400" numCol="1" spcCol="1270" anchor="ctr" anchorCtr="0">
+        <a:bodyPr spcFirstLastPara="0" vert="horz" wrap="square" lIns="227584" tIns="40640" rIns="227584" bIns="40640" numCol="1" spcCol="1270" anchor="ctr" anchorCtr="0">
           <a:noAutofit/>
         </a:bodyPr>
         <a:lstStyle/>
         <a:p>
-          <a:pPr lvl="0" algn="ctr" defTabSz="889000">
+          <a:pPr lvl="0" algn="ctr" defTabSz="1422400">
             <a:lnSpc>
               <a:spcPct val="90000"/>
             </a:lnSpc>
@@ -5646,10 +5863,10 @@
             </a:spcAft>
           </a:pPr>
           <a:r>
-            <a:rPr lang="pt-BR" sz="2000" kern="1200" dirty="0" err="1" smtClean="0"/>
+            <a:rPr lang="pt-BR" sz="3200" kern="1200" dirty="0" err="1" smtClean="0"/>
             <a:t>RData</a:t>
           </a:r>
-          <a:endParaRPr lang="pt-BR" sz="2000" kern="1200" dirty="0"/>
+          <a:endParaRPr lang="pt-BR" sz="3200" kern="1200" dirty="0"/>
         </a:p>
       </dsp:txBody>
       <dsp:txXfrm>
@@ -6154,12 +6371,12 @@
         <a:fontRef idx="minor"/>
       </dsp:style>
       <dsp:txBody>
-        <a:bodyPr spcFirstLastPara="0" vert="horz" wrap="square" lIns="142240" tIns="25400" rIns="142240" bIns="25400" numCol="1" spcCol="1270" anchor="ctr" anchorCtr="0">
+        <a:bodyPr spcFirstLastPara="0" vert="horz" wrap="square" lIns="227584" tIns="40640" rIns="227584" bIns="40640" numCol="1" spcCol="1270" anchor="ctr" anchorCtr="0">
           <a:noAutofit/>
         </a:bodyPr>
         <a:lstStyle/>
         <a:p>
-          <a:pPr lvl="0" algn="ctr" defTabSz="889000">
+          <a:pPr lvl="0" algn="ctr" defTabSz="1422400">
             <a:lnSpc>
               <a:spcPct val="90000"/>
             </a:lnSpc>
@@ -6171,18 +6388,18 @@
             </a:spcAft>
           </a:pPr>
           <a:r>
-            <a:rPr lang="pt-BR" sz="2000" kern="1200" dirty="0" smtClean="0"/>
+            <a:rPr lang="pt-BR" sz="3200" kern="1200" dirty="0" smtClean="0"/>
             <a:t>Web </a:t>
           </a:r>
           <a:r>
-            <a:rPr lang="pt-BR" sz="2000" kern="1200" dirty="0" err="1" smtClean="0"/>
+            <a:rPr lang="pt-BR" sz="3200" kern="1200" dirty="0" err="1" smtClean="0"/>
             <a:t>scrapping</a:t>
           </a:r>
           <a:r>
-            <a:rPr lang="pt-BR" sz="2000" kern="1200" dirty="0" smtClean="0"/>
+            <a:rPr lang="pt-BR" sz="3200" kern="1200" dirty="0" smtClean="0"/>
             <a:t>.</a:t>
           </a:r>
-          <a:endParaRPr lang="pt-BR" sz="2000" kern="1200" dirty="0"/>
+          <a:endParaRPr lang="pt-BR" sz="3200" kern="1200" dirty="0"/>
         </a:p>
       </dsp:txBody>
       <dsp:txXfrm>
@@ -13184,7 +13401,7 @@
             <a:fld id="{E8717054-3C07-4347-826E-99521BF275F5}" type="datetimeFigureOut">
               <a:rPr lang="pt-BR" smtClean="0"/>
               <a:pPr/>
-              <a:t>22/02/2018</a:t>
+              <a:t>23/02/2018</a:t>
             </a:fld>
             <a:endParaRPr lang="pt-BR"/>
           </a:p>
@@ -13539,7 +13756,7 @@
             <a:fld id="{E8717054-3C07-4347-826E-99521BF275F5}" type="datetimeFigureOut">
               <a:rPr lang="pt-BR" smtClean="0"/>
               <a:pPr/>
-              <a:t>22/02/2018</a:t>
+              <a:t>23/02/2018</a:t>
             </a:fld>
             <a:endParaRPr lang="pt-BR"/>
           </a:p>
@@ -13716,7 +13933,7 @@
             <a:fld id="{E8717054-3C07-4347-826E-99521BF275F5}" type="datetimeFigureOut">
               <a:rPr lang="pt-BR" smtClean="0"/>
               <a:pPr/>
-              <a:t>22/02/2018</a:t>
+              <a:t>23/02/2018</a:t>
             </a:fld>
             <a:endParaRPr lang="pt-BR"/>
           </a:p>
@@ -13831,7 +14048,7 @@
             <a:fld id="{E8717054-3C07-4347-826E-99521BF275F5}" type="datetimeFigureOut">
               <a:rPr lang="pt-BR" smtClean="0"/>
               <a:pPr/>
-              <a:t>22/02/2018</a:t>
+              <a:t>23/02/2018</a:t>
             </a:fld>
             <a:endParaRPr lang="pt-BR"/>
           </a:p>
@@ -14191,7 +14408,7 @@
             <a:fld id="{E8717054-3C07-4347-826E-99521BF275F5}" type="datetimeFigureOut">
               <a:rPr lang="pt-BR" smtClean="0"/>
               <a:pPr/>
-              <a:t>22/02/2018</a:t>
+              <a:t>23/02/2018</a:t>
             </a:fld>
             <a:endParaRPr lang="pt-BR"/>
           </a:p>
@@ -14458,7 +14675,7 @@
             <a:fld id="{E8717054-3C07-4347-826E-99521BF275F5}" type="datetimeFigureOut">
               <a:rPr lang="pt-BR" smtClean="0"/>
               <a:pPr/>
-              <a:t>22/02/2018</a:t>
+              <a:t>23/02/2018</a:t>
             </a:fld>
             <a:endParaRPr lang="pt-BR"/>
           </a:p>
@@ -14822,7 +15039,7 @@
             <a:fld id="{E8717054-3C07-4347-826E-99521BF275F5}" type="datetimeFigureOut">
               <a:rPr lang="pt-BR" smtClean="0"/>
               <a:pPr/>
-              <a:t>22/02/2018</a:t>
+              <a:t>23/02/2018</a:t>
             </a:fld>
             <a:endParaRPr lang="pt-BR"/>
           </a:p>
@@ -15051,7 +15268,7 @@
             <a:fld id="{E8717054-3C07-4347-826E-99521BF275F5}" type="datetimeFigureOut">
               <a:rPr lang="pt-BR" smtClean="0"/>
               <a:pPr/>
-              <a:t>22/02/2018</a:t>
+              <a:t>23/02/2018</a:t>
             </a:fld>
             <a:endParaRPr lang="pt-BR"/>
           </a:p>
@@ -15143,7 +15360,7 @@
             <a:fld id="{E8717054-3C07-4347-826E-99521BF275F5}" type="datetimeFigureOut">
               <a:rPr lang="pt-BR" smtClean="0"/>
               <a:pPr/>
-              <a:t>22/02/2018</a:t>
+              <a:t>23/02/2018</a:t>
             </a:fld>
             <a:endParaRPr lang="pt-BR"/>
           </a:p>
@@ -15412,7 +15629,7 @@
             <a:fld id="{E8717054-3C07-4347-826E-99521BF275F5}" type="datetimeFigureOut">
               <a:rPr lang="pt-BR" smtClean="0"/>
               <a:pPr/>
-              <a:t>22/02/2018</a:t>
+              <a:t>23/02/2018</a:t>
             </a:fld>
             <a:endParaRPr lang="pt-BR"/>
           </a:p>
@@ -15642,7 +15859,7 @@
             <a:fld id="{E8717054-3C07-4347-826E-99521BF275F5}" type="datetimeFigureOut">
               <a:rPr lang="pt-BR" smtClean="0"/>
               <a:pPr/>
-              <a:t>22/02/2018</a:t>
+              <a:t>23/02/2018</a:t>
             </a:fld>
             <a:endParaRPr lang="pt-BR"/>
           </a:p>
@@ -16143,7 +16360,7 @@
             <a:fld id="{E8717054-3C07-4347-826E-99521BF275F5}" type="datetimeFigureOut">
               <a:rPr lang="pt-BR" smtClean="0"/>
               <a:pPr/>
-              <a:t>22/02/2018</a:t>
+              <a:t>23/02/2018</a:t>
             </a:fld>
             <a:endParaRPr lang="pt-BR"/>
           </a:p>
@@ -18203,7 +18420,6 @@
               <a:rPr lang="pt-BR" sz="2800" dirty="0" smtClean="0"/>
               <a:t>.</a:t>
             </a:r>
-            <a:endParaRPr lang="pt-BR" sz="2800" dirty="0" smtClean="0"/>
           </a:p>
           <a:p>
             <a:pPr>
@@ -18266,13 +18482,8 @@
             </a:pPr>
             <a:r>
               <a:rPr lang="pt-BR" sz="2800" dirty="0" smtClean="0"/>
-              <a:t>Conversão: data</a:t>
+              <a:t>Conversão: data.</a:t>
             </a:r>
-            <a:r>
-              <a:rPr lang="pt-BR" sz="2800" dirty="0" smtClean="0"/>
-              <a:t>.</a:t>
-            </a:r>
-            <a:endParaRPr lang="pt-BR" sz="2800" dirty="0" smtClean="0"/>
           </a:p>
         </p:txBody>
       </p:sp>
@@ -18810,11 +19021,7 @@
             </a:pPr>
             <a:r>
               <a:rPr lang="pt-BR" sz="2700" b="1" dirty="0" smtClean="0"/>
-              <a:t>Vagas de emprego</a:t>
-            </a:r>
-            <a:r>
-              <a:rPr lang="pt-BR" sz="2700" b="1" dirty="0" smtClean="0"/>
-              <a:t>:</a:t>
+              <a:t>Vagas de emprego:</a:t>
             </a:r>
           </a:p>
           <a:p>
@@ -19006,7 +19213,6 @@
               <a:rPr lang="pt-BR" sz="2700" dirty="0" smtClean="0"/>
               <a:t>Site.</a:t>
             </a:r>
-            <a:endParaRPr lang="pt-BR" sz="2700" dirty="0" smtClean="0"/>
           </a:p>
         </p:txBody>
       </p:sp>
@@ -19458,52 +19664,7 @@
                   <a:reflection blurRad="12700" stA="28000" endPos="45000" dist="1000" dir="5400000" sy="-100000" algn="bl" rotWithShape="0"/>
                 </a:effectLst>
               </a:rPr>
-              <a:t>Visão </a:t>
-            </a:r>
-            <a:r>
-              <a:rPr lang="pt-BR" b="1" cap="all" dirty="0" smtClean="0">
-                <a:ln w="9000" cmpd="sng">
-                  <a:solidFill>
-                    <a:schemeClr val="accent4">
-                      <a:shade val="50000"/>
-                      <a:satMod val="120000"/>
-                    </a:schemeClr>
-                  </a:solidFill>
-                  <a:prstDash val="solid"/>
-                </a:ln>
-                <a:gradFill>
-                  <a:gsLst>
-                    <a:gs pos="0">
-                      <a:schemeClr val="accent4">
-                        <a:shade val="20000"/>
-                        <a:satMod val="245000"/>
-                      </a:schemeClr>
-                    </a:gs>
-                    <a:gs pos="43000">
-                      <a:schemeClr val="accent4">
-                        <a:satMod val="255000"/>
-                      </a:schemeClr>
-                    </a:gs>
-                    <a:gs pos="48000">
-                      <a:schemeClr val="accent4">
-                        <a:shade val="85000"/>
-                        <a:satMod val="255000"/>
-                      </a:schemeClr>
-                    </a:gs>
-                    <a:gs pos="100000">
-                      <a:schemeClr val="accent4">
-                        <a:shade val="20000"/>
-                        <a:satMod val="245000"/>
-                      </a:schemeClr>
-                    </a:gs>
-                  </a:gsLst>
-                  <a:lin ang="5400000"/>
-                </a:gradFill>
-                <a:effectLst>
-                  <a:reflection blurRad="12700" stA="28000" endPos="45000" dist="1000" dir="5400000" sy="-100000" algn="bl" rotWithShape="0"/>
-                </a:effectLst>
-              </a:rPr>
-              <a:t>Geral</a:t>
+              <a:t>Visão Geral</a:t>
             </a:r>
             <a:br>
               <a:rPr lang="pt-BR" b="1" cap="all" dirty="0" smtClean="0">
@@ -19880,8 +20041,8 @@
         </p:nvSpPr>
         <p:spPr>
           <a:xfrm>
-            <a:off x="914400" y="1447800"/>
-            <a:ext cx="7772400" cy="4933528"/>
+            <a:off x="914400" y="1556792"/>
+            <a:ext cx="3225552" cy="4824536"/>
           </a:xfrm>
         </p:spPr>
         <p:txBody>
@@ -19896,12 +20057,8 @@
               </a:lnSpc>
             </a:pPr>
             <a:r>
-              <a:rPr lang="pt-BR" sz="2400" b="1" dirty="0" smtClean="0"/>
-              <a:t>Cluster</a:t>
-            </a:r>
-            <a:r>
-              <a:rPr lang="pt-BR" sz="2400" b="1" dirty="0" smtClean="0"/>
-              <a:t>:</a:t>
+              <a:rPr lang="pt-BR" sz="2800" b="1" dirty="0" smtClean="0"/>
+              <a:t>Cluster:</a:t>
             </a:r>
           </a:p>
           <a:p>
@@ -19911,11 +20068,11 @@
               </a:lnSpc>
             </a:pPr>
             <a:r>
-              <a:rPr lang="pt-BR" dirty="0" err="1" smtClean="0"/>
+              <a:rPr lang="pt-BR" sz="2800" dirty="0" err="1" smtClean="0"/>
               <a:t>State</a:t>
             </a:r>
             <a:r>
-              <a:rPr lang="pt-BR" dirty="0" smtClean="0"/>
+              <a:rPr lang="pt-BR" sz="2800" dirty="0" smtClean="0"/>
               <a:t>;</a:t>
             </a:r>
           </a:p>
@@ -19926,11 +20083,11 @@
               </a:lnSpc>
             </a:pPr>
             <a:r>
-              <a:rPr lang="pt-BR" dirty="0" err="1" smtClean="0"/>
+              <a:rPr lang="pt-BR" sz="2800" dirty="0" err="1" smtClean="0"/>
               <a:t>Skills</a:t>
             </a:r>
             <a:r>
-              <a:rPr lang="pt-BR" dirty="0" smtClean="0"/>
+              <a:rPr lang="pt-BR" sz="2800" dirty="0" smtClean="0"/>
               <a:t>;</a:t>
             </a:r>
           </a:p>
@@ -19941,11 +20098,11 @@
               </a:lnSpc>
             </a:pPr>
             <a:r>
-              <a:rPr lang="pt-BR" dirty="0" err="1" smtClean="0"/>
+              <a:rPr lang="pt-BR" sz="2800" dirty="0" err="1" smtClean="0"/>
               <a:t>Education</a:t>
             </a:r>
             <a:r>
-              <a:rPr lang="pt-BR" dirty="0" smtClean="0"/>
+              <a:rPr lang="pt-BR" sz="2800" dirty="0" smtClean="0"/>
               <a:t>;</a:t>
             </a:r>
           </a:p>
@@ -19956,60 +20113,185 @@
               </a:lnSpc>
             </a:pPr>
             <a:r>
-              <a:rPr lang="pt-BR" dirty="0" err="1" smtClean="0"/>
+              <a:rPr lang="pt-BR" sz="2800" dirty="0" err="1" smtClean="0"/>
               <a:t>Language</a:t>
             </a:r>
             <a:r>
-              <a:rPr lang="pt-BR" dirty="0" smtClean="0"/>
+              <a:rPr lang="pt-BR" sz="2800" dirty="0" smtClean="0"/>
               <a:t>.</a:t>
             </a:r>
-            <a:endParaRPr lang="pt-BR" dirty="0" smtClean="0"/>
-          </a:p>
-          <a:p>
-            <a:pPr>
+          </a:p>
+        </p:txBody>
+      </p:sp>
+      <p:sp>
+        <p:nvSpPr>
+          <p:cNvPr id="4" name="Espaço Reservado para Conteúdo 27"/>
+          <p:cNvSpPr txBox="1">
+            <a:spLocks/>
+          </p:cNvSpPr>
+          <p:nvPr/>
+        </p:nvSpPr>
+        <p:spPr>
+          <a:xfrm>
+            <a:off x="4139952" y="1484784"/>
+            <a:ext cx="4737720" cy="4933528"/>
+          </a:xfrm>
+          <a:prstGeom prst="rect">
+            <a:avLst/>
+          </a:prstGeom>
+        </p:spPr>
+        <p:txBody>
+          <a:bodyPr vert="horz">
+            <a:noAutofit/>
+          </a:bodyPr>
+          <a:lstStyle/>
+          <a:p>
+            <a:pPr marL="274320" marR="0" lvl="0" indent="-274320" algn="l" defTabSz="914400" rtl="0" eaLnBrk="1" fontAlgn="auto" latinLnBrk="0" hangingPunct="1">
               <a:lnSpc>
                 <a:spcPct val="150000"/>
               </a:lnSpc>
+              <a:spcBef>
+                <a:spcPts val="580"/>
+              </a:spcBef>
+              <a:spcAft>
+                <a:spcPts val="0"/>
+              </a:spcAft>
+              <a:buClr>
+                <a:schemeClr val="accent1"/>
+              </a:buClr>
+              <a:buSzPct val="85000"/>
+              <a:buFont typeface="Wingdings 2"/>
+              <a:buChar char=""/>
+              <a:tabLst/>
+              <a:defRPr/>
             </a:pPr>
             <a:r>
-              <a:rPr lang="pt-BR" sz="2400" b="1" dirty="0" smtClean="0"/>
-              <a:t>Classificação</a:t>
+              <a:rPr kumimoji="0" lang="pt-BR" sz="2800" b="1" i="0" u="none" strike="noStrike" kern="1200" cap="none" spc="0" normalizeH="0" baseline="0" noProof="0" dirty="0" smtClean="0">
+                <a:ln>
+                  <a:noFill/>
+                </a:ln>
+                <a:solidFill>
+                  <a:schemeClr val="tx1"/>
+                </a:solidFill>
+                <a:effectLst/>
+                <a:uLnTx/>
+                <a:uFillTx/>
+                <a:latin typeface="+mn-lt"/>
+                <a:ea typeface="+mn-ea"/>
+                <a:cs typeface="+mn-cs"/>
+              </a:rPr>
+              <a:t>Classificação:</a:t>
             </a:r>
-            <a:r>
-              <a:rPr lang="pt-BR" sz="2400" b="1" dirty="0" smtClean="0"/>
-              <a:t>:</a:t>
-            </a:r>
-          </a:p>
-          <a:p>
-            <a:pPr lvl="1">
+          </a:p>
+          <a:p>
+            <a:pPr marL="548640" marR="0" lvl="1" indent="-228600" algn="l" defTabSz="914400" rtl="0" eaLnBrk="1" fontAlgn="auto" latinLnBrk="0" hangingPunct="1">
               <a:lnSpc>
                 <a:spcPct val="150000"/>
               </a:lnSpc>
+              <a:spcBef>
+                <a:spcPts val="370"/>
+              </a:spcBef>
+              <a:spcAft>
+                <a:spcPts val="0"/>
+              </a:spcAft>
+              <a:buClr>
+                <a:schemeClr val="accent2"/>
+              </a:buClr>
+              <a:buSzPct val="85000"/>
+              <a:buFont typeface="Wingdings 2"/>
+              <a:buChar char=""/>
+              <a:tabLst/>
+              <a:defRPr/>
             </a:pPr>
             <a:r>
-              <a:rPr lang="pt-BR" dirty="0" err="1" smtClean="0"/>
+              <a:rPr kumimoji="0" lang="pt-BR" sz="2800" b="0" i="0" u="none" strike="noStrike" kern="1200" cap="none" spc="0" normalizeH="0" baseline="0" noProof="0" dirty="0" err="1" smtClean="0">
+                <a:ln>
+                  <a:noFill/>
+                </a:ln>
+                <a:solidFill>
+                  <a:schemeClr val="tx1"/>
+                </a:solidFill>
+                <a:effectLst/>
+                <a:uLnTx/>
+                <a:uFillTx/>
+                <a:latin typeface="+mn-lt"/>
+                <a:ea typeface="+mn-ea"/>
+                <a:cs typeface="+mn-cs"/>
+              </a:rPr>
               <a:t>Title</a:t>
             </a:r>
             <a:r>
-              <a:rPr lang="pt-BR" dirty="0" smtClean="0"/>
+              <a:rPr kumimoji="0" lang="pt-BR" sz="2800" b="0" i="0" u="none" strike="noStrike" kern="1200" cap="none" spc="0" normalizeH="0" baseline="0" noProof="0" dirty="0" smtClean="0">
+                <a:ln>
+                  <a:noFill/>
+                </a:ln>
+                <a:solidFill>
+                  <a:schemeClr val="tx1"/>
+                </a:solidFill>
+                <a:effectLst/>
+                <a:uLnTx/>
+                <a:uFillTx/>
+                <a:latin typeface="+mn-lt"/>
+                <a:ea typeface="+mn-ea"/>
+                <a:cs typeface="+mn-cs"/>
+              </a:rPr>
               <a:t> (Variável independente);</a:t>
             </a:r>
           </a:p>
           <a:p>
-            <a:pPr lvl="1">
+            <a:pPr marL="548640" marR="0" lvl="1" indent="-228600" algn="l" defTabSz="914400" rtl="0" eaLnBrk="1" fontAlgn="auto" latinLnBrk="0" hangingPunct="1">
               <a:lnSpc>
                 <a:spcPct val="150000"/>
               </a:lnSpc>
+              <a:spcBef>
+                <a:spcPts val="370"/>
+              </a:spcBef>
+              <a:spcAft>
+                <a:spcPts val="0"/>
+              </a:spcAft>
+              <a:buClr>
+                <a:schemeClr val="accent2"/>
+              </a:buClr>
+              <a:buSzPct val="85000"/>
+              <a:buFont typeface="Wingdings 2"/>
+              <a:buChar char=""/>
+              <a:tabLst/>
+              <a:defRPr/>
             </a:pPr>
             <a:r>
-              <a:rPr lang="pt-BR" dirty="0" err="1" smtClean="0"/>
+              <a:rPr kumimoji="0" lang="pt-BR" sz="2800" b="0" i="0" u="none" strike="noStrike" kern="1200" cap="none" spc="0" normalizeH="0" baseline="0" noProof="0" dirty="0" err="1" smtClean="0">
+                <a:ln>
+                  <a:noFill/>
+                </a:ln>
+                <a:solidFill>
+                  <a:schemeClr val="tx1"/>
+                </a:solidFill>
+                <a:effectLst/>
+                <a:uLnTx/>
+                <a:uFillTx/>
+                <a:latin typeface="+mn-lt"/>
+                <a:ea typeface="+mn-ea"/>
+                <a:cs typeface="+mn-cs"/>
+              </a:rPr>
               <a:t>Recommend</a:t>
             </a:r>
             <a:r>
-              <a:rPr lang="pt-BR" dirty="0" smtClean="0"/>
+              <a:rPr kumimoji="0" lang="pt-BR" sz="2800" b="0" i="0" u="none" strike="noStrike" kern="1200" cap="none" spc="0" normalizeH="0" baseline="0" noProof="0" dirty="0" smtClean="0">
+                <a:ln>
+                  <a:noFill/>
+                </a:ln>
+                <a:solidFill>
+                  <a:schemeClr val="tx1"/>
+                </a:solidFill>
+                <a:effectLst/>
+                <a:uLnTx/>
+                <a:uFillTx/>
+                <a:latin typeface="+mn-lt"/>
+                <a:ea typeface="+mn-ea"/>
+                <a:cs typeface="+mn-cs"/>
+              </a:rPr>
               <a:t> (Variável dependente).</a:t>
             </a:r>
-            <a:endParaRPr lang="pt-BR" dirty="0" smtClean="0"/>
           </a:p>
         </p:txBody>
       </p:sp>
@@ -20174,12 +20456,8 @@
               </a:lnSpc>
             </a:pPr>
             <a:r>
-              <a:rPr lang="pt-BR" sz="2800" b="1" dirty="0" smtClean="0"/>
-              <a:t>Visualização</a:t>
-            </a:r>
-            <a:r>
-              <a:rPr lang="pt-BR" sz="2800" b="1" dirty="0" smtClean="0"/>
-              <a:t>:</a:t>
+              <a:rPr lang="pt-BR" sz="3200" b="1" dirty="0" smtClean="0"/>
+              <a:t>Visualização:</a:t>
             </a:r>
           </a:p>
           <a:p>
@@ -20189,7 +20467,7 @@
               </a:lnSpc>
             </a:pPr>
             <a:r>
-              <a:rPr lang="pt-BR" dirty="0" smtClean="0"/>
+              <a:rPr lang="pt-BR" sz="2800" dirty="0" smtClean="0"/>
               <a:t>Date;</a:t>
             </a:r>
           </a:p>
@@ -20200,7 +20478,7 @@
               </a:lnSpc>
             </a:pPr>
             <a:r>
-              <a:rPr lang="pt-BR" dirty="0" smtClean="0"/>
+              <a:rPr lang="pt-BR" sz="2800" dirty="0" smtClean="0"/>
               <a:t>City;</a:t>
             </a:r>
           </a:p>
@@ -20211,11 +20489,11 @@
               </a:lnSpc>
             </a:pPr>
             <a:r>
-              <a:rPr lang="pt-BR" dirty="0" err="1" smtClean="0"/>
+              <a:rPr lang="pt-BR" sz="2800" dirty="0" err="1" smtClean="0"/>
               <a:t>State</a:t>
             </a:r>
             <a:r>
-              <a:rPr lang="pt-BR" dirty="0" smtClean="0"/>
+              <a:rPr lang="pt-BR" sz="2800" dirty="0" smtClean="0"/>
               <a:t>;</a:t>
             </a:r>
           </a:p>
@@ -20226,11 +20504,11 @@
               </a:lnSpc>
             </a:pPr>
             <a:r>
-              <a:rPr lang="pt-BR" dirty="0" err="1" smtClean="0"/>
+              <a:rPr lang="pt-BR" sz="2800" dirty="0" err="1" smtClean="0"/>
               <a:t>Skills</a:t>
             </a:r>
             <a:r>
-              <a:rPr lang="pt-BR" dirty="0" smtClean="0"/>
+              <a:rPr lang="pt-BR" sz="2800" dirty="0" smtClean="0"/>
               <a:t>;</a:t>
             </a:r>
           </a:p>
@@ -20241,11 +20519,11 @@
               </a:lnSpc>
             </a:pPr>
             <a:r>
-              <a:rPr lang="pt-BR" dirty="0" err="1" smtClean="0"/>
+              <a:rPr lang="pt-BR" sz="2800" dirty="0" err="1" smtClean="0"/>
               <a:t>Language</a:t>
             </a:r>
             <a:r>
-              <a:rPr lang="pt-BR" dirty="0" smtClean="0"/>
+              <a:rPr lang="pt-BR" sz="2800" dirty="0" smtClean="0"/>
               <a:t>;</a:t>
             </a:r>
           </a:p>
@@ -20256,11 +20534,11 @@
               </a:lnSpc>
             </a:pPr>
             <a:r>
-              <a:rPr lang="pt-BR" dirty="0" err="1" smtClean="0"/>
+              <a:rPr lang="pt-BR" sz="2800" dirty="0" err="1" smtClean="0"/>
               <a:t>Education</a:t>
             </a:r>
             <a:r>
-              <a:rPr lang="pt-BR" dirty="0" smtClean="0"/>
+              <a:rPr lang="pt-BR" sz="2800" dirty="0" smtClean="0"/>
               <a:t>;</a:t>
             </a:r>
           </a:p>
@@ -20271,7 +20549,7 @@
               </a:lnSpc>
             </a:pPr>
             <a:r>
-              <a:rPr lang="pt-BR" dirty="0" smtClean="0"/>
+              <a:rPr lang="pt-BR" sz="2800" dirty="0" smtClean="0"/>
               <a:t>Cluster;</a:t>
             </a:r>
           </a:p>
@@ -20282,11 +20560,11 @@
               </a:lnSpc>
             </a:pPr>
             <a:r>
-              <a:rPr lang="pt-BR" dirty="0" err="1" smtClean="0"/>
+              <a:rPr lang="pt-BR" sz="2800" dirty="0" err="1" smtClean="0"/>
               <a:t>Comments</a:t>
             </a:r>
             <a:r>
-              <a:rPr lang="pt-BR" dirty="0" smtClean="0"/>
+              <a:rPr lang="pt-BR" sz="2800" dirty="0" smtClean="0"/>
               <a:t>.</a:t>
             </a:r>
           </a:p>
@@ -20525,11 +20803,7 @@
             </a:pPr>
             <a:r>
               <a:rPr lang="pt-BR" sz="2800" dirty="0" smtClean="0"/>
-              <a:t>K </a:t>
-            </a:r>
-            <a:r>
-              <a:rPr lang="pt-BR" sz="2800" dirty="0" smtClean="0"/>
-              <a:t>= 4;</a:t>
+              <a:t>K = 4;</a:t>
             </a:r>
           </a:p>
           <a:p>
@@ -20954,17 +21228,8 @@
             </a:r>
             <a:r>
               <a:rPr lang="pt-BR" sz="2800" dirty="0" smtClean="0"/>
-              <a:t> mais exigidos, cidades com tendência de ter mais vagas entre </a:t>
+              <a:t> mais exigidos, cidades com tendência de ter mais vagas entre outros.</a:t>
             </a:r>
-            <a:r>
-              <a:rPr lang="pt-BR" sz="2800" dirty="0" smtClean="0"/>
-              <a:t>outros</a:t>
-            </a:r>
-            <a:r>
-              <a:rPr lang="pt-BR" sz="2800" dirty="0" smtClean="0"/>
-              <a:t>.</a:t>
-            </a:r>
-            <a:endParaRPr lang="pt-BR" sz="2800" dirty="0" smtClean="0"/>
           </a:p>
         </p:txBody>
       </p:sp>
@@ -21130,11 +21395,7 @@
             </a:pPr>
             <a:r>
               <a:rPr lang="pt-BR" sz="2800" b="1" dirty="0" smtClean="0"/>
-              <a:t>Modelo </a:t>
-            </a:r>
-            <a:r>
-              <a:rPr lang="pt-BR" sz="2800" b="1" dirty="0" smtClean="0"/>
-              <a:t>de classificação:</a:t>
+              <a:t>Modelo de classificação:</a:t>
             </a:r>
           </a:p>
           <a:p>

--- a/Apresentacao.pptx
+++ b/Apresentacao.pptx
@@ -27,10 +27,12 @@
     <p:sldId id="264" r:id="rId21"/>
     <p:sldId id="279" r:id="rId22"/>
     <p:sldId id="265" r:id="rId23"/>
-    <p:sldId id="266" r:id="rId24"/>
-    <p:sldId id="267" r:id="rId25"/>
-    <p:sldId id="280" r:id="rId26"/>
-    <p:sldId id="268" r:id="rId27"/>
+    <p:sldId id="284" r:id="rId24"/>
+    <p:sldId id="285" r:id="rId25"/>
+    <p:sldId id="266" r:id="rId26"/>
+    <p:sldId id="267" r:id="rId27"/>
+    <p:sldId id="280" r:id="rId28"/>
+    <p:sldId id="268" r:id="rId29"/>
   </p:sldIdLst>
   <p:sldSz cx="9144000" cy="6858000" type="screen4x3"/>
   <p:notesSz cx="6858000" cy="9144000"/>
@@ -2835,26 +2837,26 @@
     </dgm:pt>
   </dgm:ptLst>
   <dgm:cxnLst>
-    <dgm:cxn modelId="{F6D31469-7377-4F55-8848-C919443C1579}" srcId="{B3D1AC36-ADB9-40BC-B5BC-401E8DA75CD2}" destId="{A449FC4B-320B-454F-8F3D-4C0A756C134F}" srcOrd="1" destOrd="0" parTransId="{BD36B0A4-BFD4-4BF7-AB7B-783C835404A4}" sibTransId="{A0DD3576-D886-4CED-98B2-77CB191B9593}"/>
-    <dgm:cxn modelId="{5ADC306D-199C-4A8F-BBFC-76FD2B655B23}" srcId="{B3D1AC36-ADB9-40BC-B5BC-401E8DA75CD2}" destId="{1215FF01-D7D7-41C7-ABD3-4C480E2291C3}" srcOrd="2" destOrd="0" parTransId="{3FBF961F-8E72-4A6A-875D-DEB5B23EA3FE}" sibTransId="{BA46A00B-4260-4786-88C5-B21FD11C026A}"/>
-    <dgm:cxn modelId="{AFEF667A-6F45-4D95-B64E-7002432F3C13}" type="presOf" srcId="{8BB94378-A22A-482F-9EA5-4C0EC7F2279F}" destId="{C36FF432-0BC8-4323-BA15-94BA34DB5CC1}" srcOrd="0" destOrd="0" presId="urn:microsoft.com/office/officeart/2005/8/layout/vProcess5"/>
-    <dgm:cxn modelId="{03527DBD-7934-4E01-805B-0FB14237EF21}" type="presOf" srcId="{E530CFD0-55F3-4E62-BD84-2358C6481E5D}" destId="{B8E0166C-CC39-473F-9ED8-38BDC3F1E7BC}" srcOrd="1" destOrd="0" presId="urn:microsoft.com/office/officeart/2005/8/layout/vProcess5"/>
     <dgm:cxn modelId="{8A83E52E-1DB3-4364-800E-2BD775948F35}" type="presOf" srcId="{CAD50634-69BF-41C9-A9C0-B4B3ACE60990}" destId="{8FB39AF3-00BA-499E-B2F5-C8C4AC2F93AC}" srcOrd="1" destOrd="0" presId="urn:microsoft.com/office/officeart/2005/8/layout/vProcess5"/>
     <dgm:cxn modelId="{22BE00EB-62B2-4CD9-BDC6-5CF764C748CD}" type="presOf" srcId="{1215FF01-D7D7-41C7-ABD3-4C480E2291C3}" destId="{76E4B384-8F55-46EF-9DDF-80179A91A470}" srcOrd="1" destOrd="0" presId="urn:microsoft.com/office/officeart/2005/8/layout/vProcess5"/>
+    <dgm:cxn modelId="{AFEF667A-6F45-4D95-B64E-7002432F3C13}" type="presOf" srcId="{8BB94378-A22A-482F-9EA5-4C0EC7F2279F}" destId="{C36FF432-0BC8-4323-BA15-94BA34DB5CC1}" srcOrd="0" destOrd="0" presId="urn:microsoft.com/office/officeart/2005/8/layout/vProcess5"/>
+    <dgm:cxn modelId="{5ADC306D-199C-4A8F-BBFC-76FD2B655B23}" srcId="{B3D1AC36-ADB9-40BC-B5BC-401E8DA75CD2}" destId="{1215FF01-D7D7-41C7-ABD3-4C480E2291C3}" srcOrd="2" destOrd="0" parTransId="{3FBF961F-8E72-4A6A-875D-DEB5B23EA3FE}" sibTransId="{BA46A00B-4260-4786-88C5-B21FD11C026A}"/>
+    <dgm:cxn modelId="{94EE3B0A-97E9-4152-803C-D0D8F98F9828}" type="presOf" srcId="{A449FC4B-320B-454F-8F3D-4C0A756C134F}" destId="{A6A0483D-17B8-4734-86A9-44E302674D4E}" srcOrd="1" destOrd="0" presId="urn:microsoft.com/office/officeart/2005/8/layout/vProcess5"/>
+    <dgm:cxn modelId="{05EE2E74-FE7E-458B-9EFB-7170A5918D88}" type="presOf" srcId="{A0DD3576-D886-4CED-98B2-77CB191B9593}" destId="{6AD50F06-FD06-415F-9FB0-FD0879FC3528}" srcOrd="0" destOrd="0" presId="urn:microsoft.com/office/officeart/2005/8/layout/vProcess5"/>
+    <dgm:cxn modelId="{854C56DF-2DE4-4285-97D1-B68261090390}" srcId="{B3D1AC36-ADB9-40BC-B5BC-401E8DA75CD2}" destId="{CAD50634-69BF-41C9-A9C0-B4B3ACE60990}" srcOrd="4" destOrd="0" parTransId="{6B6E5F31-E935-453B-8DAD-A7A71E4BBE5D}" sibTransId="{0AA8E771-4A97-4A37-9ED7-959F488F59B1}"/>
+    <dgm:cxn modelId="{03527DBD-7934-4E01-805B-0FB14237EF21}" type="presOf" srcId="{E530CFD0-55F3-4E62-BD84-2358C6481E5D}" destId="{B8E0166C-CC39-473F-9ED8-38BDC3F1E7BC}" srcOrd="1" destOrd="0" presId="urn:microsoft.com/office/officeart/2005/8/layout/vProcess5"/>
+    <dgm:cxn modelId="{A759DA81-1121-4C75-A9DD-95DEA858D667}" type="presOf" srcId="{1215FF01-D7D7-41C7-ABD3-4C480E2291C3}" destId="{E1871E04-B93D-4B16-B959-94B55AAC5ABB}" srcOrd="0" destOrd="0" presId="urn:microsoft.com/office/officeart/2005/8/layout/vProcess5"/>
+    <dgm:cxn modelId="{F6D31469-7377-4F55-8848-C919443C1579}" srcId="{B3D1AC36-ADB9-40BC-B5BC-401E8DA75CD2}" destId="{A449FC4B-320B-454F-8F3D-4C0A756C134F}" srcOrd="1" destOrd="0" parTransId="{BD36B0A4-BFD4-4BF7-AB7B-783C835404A4}" sibTransId="{A0DD3576-D886-4CED-98B2-77CB191B9593}"/>
+    <dgm:cxn modelId="{0520615E-D547-47C3-BC96-F73D2AB4286F}" srcId="{B3D1AC36-ADB9-40BC-B5BC-401E8DA75CD2}" destId="{BBCB4013-F0B9-41D9-BD2E-E766E6C5FBA1}" srcOrd="3" destOrd="0" parTransId="{A189B584-468A-4DB0-A6DF-065927096B66}" sibTransId="{E41E3EAC-FA68-4D63-9FEF-9EDAA3B960D2}"/>
+    <dgm:cxn modelId="{150D6E73-4B74-46E5-B841-D6BACA4C2B26}" type="presOf" srcId="{CAD50634-69BF-41C9-A9C0-B4B3ACE60990}" destId="{A304F91C-97BD-4D49-86CB-BDF5405659B6}" srcOrd="0" destOrd="0" presId="urn:microsoft.com/office/officeart/2005/8/layout/vProcess5"/>
+    <dgm:cxn modelId="{BCF1141F-68D0-4AA4-9938-2FE905EF5C5D}" type="presOf" srcId="{BBCB4013-F0B9-41D9-BD2E-E766E6C5FBA1}" destId="{231936AE-BE90-4D35-AEC0-17C495E035E0}" srcOrd="1" destOrd="0" presId="urn:microsoft.com/office/officeart/2005/8/layout/vProcess5"/>
+    <dgm:cxn modelId="{3F66E258-9081-4EC9-8E16-7B69F6A7B9E9}" srcId="{B3D1AC36-ADB9-40BC-B5BC-401E8DA75CD2}" destId="{E530CFD0-55F3-4E62-BD84-2358C6481E5D}" srcOrd="0" destOrd="0" parTransId="{4EEB3398-5253-4E70-B421-D146C5C0E92D}" sibTransId="{8BB94378-A22A-482F-9EA5-4C0EC7F2279F}"/>
     <dgm:cxn modelId="{11B12B42-F099-4DD2-BD1F-2FF88C452440}" type="presOf" srcId="{E530CFD0-55F3-4E62-BD84-2358C6481E5D}" destId="{FEB8B2B1-005D-4392-9327-2F08AFCBF153}" srcOrd="0" destOrd="0" presId="urn:microsoft.com/office/officeart/2005/8/layout/vProcess5"/>
+    <dgm:cxn modelId="{4588490E-7068-4D8F-AC19-5D28AE015E58}" type="presOf" srcId="{A449FC4B-320B-454F-8F3D-4C0A756C134F}" destId="{8413CC00-8A5B-4BCF-B839-87AEAB7EFA9E}" srcOrd="0" destOrd="0" presId="urn:microsoft.com/office/officeart/2005/8/layout/vProcess5"/>
+    <dgm:cxn modelId="{A309E8EA-A93B-4313-99DD-94E7A7642936}" type="presOf" srcId="{BA46A00B-4260-4786-88C5-B21FD11C026A}" destId="{31D978D9-AF01-4997-ADD0-48C42DD73FF6}" srcOrd="0" destOrd="0" presId="urn:microsoft.com/office/officeart/2005/8/layout/vProcess5"/>
+    <dgm:cxn modelId="{9D3D7AFC-1B99-41C2-941F-F171520BCB59}" type="presOf" srcId="{BBCB4013-F0B9-41D9-BD2E-E766E6C5FBA1}" destId="{EBFB4198-1EA2-43AA-8706-BD6FF891507A}" srcOrd="0" destOrd="0" presId="urn:microsoft.com/office/officeart/2005/8/layout/vProcess5"/>
     <dgm:cxn modelId="{110181A1-15C6-4D56-8B6E-30F09ADD2F92}" type="presOf" srcId="{E41E3EAC-FA68-4D63-9FEF-9EDAA3B960D2}" destId="{F10344A3-D5FB-4A33-867D-BB896676605F}" srcOrd="0" destOrd="0" presId="urn:microsoft.com/office/officeart/2005/8/layout/vProcess5"/>
-    <dgm:cxn modelId="{05EE2E74-FE7E-458B-9EFB-7170A5918D88}" type="presOf" srcId="{A0DD3576-D886-4CED-98B2-77CB191B9593}" destId="{6AD50F06-FD06-415F-9FB0-FD0879FC3528}" srcOrd="0" destOrd="0" presId="urn:microsoft.com/office/officeart/2005/8/layout/vProcess5"/>
-    <dgm:cxn modelId="{150D6E73-4B74-46E5-B841-D6BACA4C2B26}" type="presOf" srcId="{CAD50634-69BF-41C9-A9C0-B4B3ACE60990}" destId="{A304F91C-97BD-4D49-86CB-BDF5405659B6}" srcOrd="0" destOrd="0" presId="urn:microsoft.com/office/officeart/2005/8/layout/vProcess5"/>
-    <dgm:cxn modelId="{A759DA81-1121-4C75-A9DD-95DEA858D667}" type="presOf" srcId="{1215FF01-D7D7-41C7-ABD3-4C480E2291C3}" destId="{E1871E04-B93D-4B16-B959-94B55AAC5ABB}" srcOrd="0" destOrd="0" presId="urn:microsoft.com/office/officeart/2005/8/layout/vProcess5"/>
     <dgm:cxn modelId="{29C7DB9C-0269-4DE2-9647-E88F7E098611}" type="presOf" srcId="{B3D1AC36-ADB9-40BC-B5BC-401E8DA75CD2}" destId="{8D1C080D-6ED3-4E65-B82B-136A31CF6FA3}" srcOrd="0" destOrd="0" presId="urn:microsoft.com/office/officeart/2005/8/layout/vProcess5"/>
-    <dgm:cxn modelId="{3F66E258-9081-4EC9-8E16-7B69F6A7B9E9}" srcId="{B3D1AC36-ADB9-40BC-B5BC-401E8DA75CD2}" destId="{E530CFD0-55F3-4E62-BD84-2358C6481E5D}" srcOrd="0" destOrd="0" parTransId="{4EEB3398-5253-4E70-B421-D146C5C0E92D}" sibTransId="{8BB94378-A22A-482F-9EA5-4C0EC7F2279F}"/>
-    <dgm:cxn modelId="{854C56DF-2DE4-4285-97D1-B68261090390}" srcId="{B3D1AC36-ADB9-40BC-B5BC-401E8DA75CD2}" destId="{CAD50634-69BF-41C9-A9C0-B4B3ACE60990}" srcOrd="4" destOrd="0" parTransId="{6B6E5F31-E935-453B-8DAD-A7A71E4BBE5D}" sibTransId="{0AA8E771-4A97-4A37-9ED7-959F488F59B1}"/>
-    <dgm:cxn modelId="{4588490E-7068-4D8F-AC19-5D28AE015E58}" type="presOf" srcId="{A449FC4B-320B-454F-8F3D-4C0A756C134F}" destId="{8413CC00-8A5B-4BCF-B839-87AEAB7EFA9E}" srcOrd="0" destOrd="0" presId="urn:microsoft.com/office/officeart/2005/8/layout/vProcess5"/>
-    <dgm:cxn modelId="{BCF1141F-68D0-4AA4-9938-2FE905EF5C5D}" type="presOf" srcId="{BBCB4013-F0B9-41D9-BD2E-E766E6C5FBA1}" destId="{231936AE-BE90-4D35-AEC0-17C495E035E0}" srcOrd="1" destOrd="0" presId="urn:microsoft.com/office/officeart/2005/8/layout/vProcess5"/>
-    <dgm:cxn modelId="{A309E8EA-A93B-4313-99DD-94E7A7642936}" type="presOf" srcId="{BA46A00B-4260-4786-88C5-B21FD11C026A}" destId="{31D978D9-AF01-4997-ADD0-48C42DD73FF6}" srcOrd="0" destOrd="0" presId="urn:microsoft.com/office/officeart/2005/8/layout/vProcess5"/>
-    <dgm:cxn modelId="{94EE3B0A-97E9-4152-803C-D0D8F98F9828}" type="presOf" srcId="{A449FC4B-320B-454F-8F3D-4C0A756C134F}" destId="{A6A0483D-17B8-4734-86A9-44E302674D4E}" srcOrd="1" destOrd="0" presId="urn:microsoft.com/office/officeart/2005/8/layout/vProcess5"/>
-    <dgm:cxn modelId="{9D3D7AFC-1B99-41C2-941F-F171520BCB59}" type="presOf" srcId="{BBCB4013-F0B9-41D9-BD2E-E766E6C5FBA1}" destId="{EBFB4198-1EA2-43AA-8706-BD6FF891507A}" srcOrd="0" destOrd="0" presId="urn:microsoft.com/office/officeart/2005/8/layout/vProcess5"/>
-    <dgm:cxn modelId="{0520615E-D547-47C3-BC96-F73D2AB4286F}" srcId="{B3D1AC36-ADB9-40BC-B5BC-401E8DA75CD2}" destId="{BBCB4013-F0B9-41D9-BD2E-E766E6C5FBA1}" srcOrd="3" destOrd="0" parTransId="{A189B584-468A-4DB0-A6DF-065927096B66}" sibTransId="{E41E3EAC-FA68-4D63-9FEF-9EDAA3B960D2}"/>
     <dgm:cxn modelId="{A70C71C5-CDDB-43E7-B62C-2237573F3092}" type="presParOf" srcId="{8D1C080D-6ED3-4E65-B82B-136A31CF6FA3}" destId="{AF0D05FB-D0F7-4CE7-A4A0-BD289485EE79}" srcOrd="0" destOrd="0" presId="urn:microsoft.com/office/officeart/2005/8/layout/vProcess5"/>
     <dgm:cxn modelId="{6053711B-EC41-4701-BC3C-E83DFBEC02DC}" type="presParOf" srcId="{8D1C080D-6ED3-4E65-B82B-136A31CF6FA3}" destId="{FEB8B2B1-005D-4392-9327-2F08AFCBF153}" srcOrd="1" destOrd="0" presId="urn:microsoft.com/office/officeart/2005/8/layout/vProcess5"/>
     <dgm:cxn modelId="{A1B0E965-AB64-4258-AF43-61995791B904}" type="presParOf" srcId="{8D1C080D-6ED3-4E65-B82B-136A31CF6FA3}" destId="{8413CC00-8A5B-4BCF-B839-87AEAB7EFA9E}" srcOrd="2" destOrd="0" presId="urn:microsoft.com/office/officeart/2005/8/layout/vProcess5"/>
@@ -2875,7 +2877,7 @@
   <dgm:whole/>
   <dgm:extLst>
     <a:ext uri="http://schemas.microsoft.com/office/drawing/2008/diagram">
-      <dsp:dataModelExt xmlns:dsp="http://schemas.microsoft.com/office/drawing/2008/diagram" xmlns="" relId="rId6" minVer="http://schemas.openxmlformats.org/drawingml/2006/diagram"/>
+      <dsp:dataModelExt xmlns:dsp="http://schemas.microsoft.com/office/drawing/2008/diagram" relId="rId6" minVer="http://schemas.openxmlformats.org/drawingml/2006/diagram"/>
     </a:ext>
   </dgm:extLst>
 </dgm:dataModel>
@@ -3335,26 +3337,26 @@
     </dgm:pt>
   </dgm:ptLst>
   <dgm:cxnLst>
+    <dgm:cxn modelId="{5ADC306D-199C-4A8F-BBFC-76FD2B655B23}" srcId="{B3D1AC36-ADB9-40BC-B5BC-401E8DA75CD2}" destId="{1215FF01-D7D7-41C7-ABD3-4C480E2291C3}" srcOrd="2" destOrd="0" parTransId="{3FBF961F-8E72-4A6A-875D-DEB5B23EA3FE}" sibTransId="{BA46A00B-4260-4786-88C5-B21FD11C026A}"/>
+    <dgm:cxn modelId="{4EBC142A-AC4C-4916-9538-3FB2F40AB729}" type="presOf" srcId="{CAD50634-69BF-41C9-A9C0-B4B3ACE60990}" destId="{A304F91C-97BD-4D49-86CB-BDF5405659B6}" srcOrd="0" destOrd="0" presId="urn:microsoft.com/office/officeart/2005/8/layout/vProcess5"/>
+    <dgm:cxn modelId="{A82B5AC9-BB2F-478B-9278-0E57A8FE36B3}" type="presOf" srcId="{1215FF01-D7D7-41C7-ABD3-4C480E2291C3}" destId="{76E4B384-8F55-46EF-9DDF-80179A91A470}" srcOrd="1" destOrd="0" presId="urn:microsoft.com/office/officeart/2005/8/layout/vProcess5"/>
+    <dgm:cxn modelId="{A5F77FFD-26E8-452E-8F16-4513E73A0E0E}" type="presOf" srcId="{CAD50634-69BF-41C9-A9C0-B4B3ACE60990}" destId="{8FB39AF3-00BA-499E-B2F5-C8C4AC2F93AC}" srcOrd="1" destOrd="0" presId="urn:microsoft.com/office/officeart/2005/8/layout/vProcess5"/>
+    <dgm:cxn modelId="{3F66E258-9081-4EC9-8E16-7B69F6A7B9E9}" srcId="{B3D1AC36-ADB9-40BC-B5BC-401E8DA75CD2}" destId="{E530CFD0-55F3-4E62-BD84-2358C6481E5D}" srcOrd="0" destOrd="0" parTransId="{4EEB3398-5253-4E70-B421-D146C5C0E92D}" sibTransId="{8BB94378-A22A-482F-9EA5-4C0EC7F2279F}"/>
+    <dgm:cxn modelId="{3A43EED5-F98C-4048-9706-0C7D461E9400}" type="presOf" srcId="{A449FC4B-320B-454F-8F3D-4C0A756C134F}" destId="{8413CC00-8A5B-4BCF-B839-87AEAB7EFA9E}" srcOrd="0" destOrd="0" presId="urn:microsoft.com/office/officeart/2005/8/layout/vProcess5"/>
+    <dgm:cxn modelId="{C0979EE8-123D-46CE-B520-5B9DDA43988C}" type="presOf" srcId="{BA46A00B-4260-4786-88C5-B21FD11C026A}" destId="{31D978D9-AF01-4997-ADD0-48C42DD73FF6}" srcOrd="0" destOrd="0" presId="urn:microsoft.com/office/officeart/2005/8/layout/vProcess5"/>
+    <dgm:cxn modelId="{5E70FEB7-E82A-4268-A3DD-92C85092A3F9}" type="presOf" srcId="{A0DD3576-D886-4CED-98B2-77CB191B9593}" destId="{6AD50F06-FD06-415F-9FB0-FD0879FC3528}" srcOrd="0" destOrd="0" presId="urn:microsoft.com/office/officeart/2005/8/layout/vProcess5"/>
+    <dgm:cxn modelId="{F6D31469-7377-4F55-8848-C919443C1579}" srcId="{B3D1AC36-ADB9-40BC-B5BC-401E8DA75CD2}" destId="{A449FC4B-320B-454F-8F3D-4C0A756C134F}" srcOrd="1" destOrd="0" parTransId="{BD36B0A4-BFD4-4BF7-AB7B-783C835404A4}" sibTransId="{A0DD3576-D886-4CED-98B2-77CB191B9593}"/>
+    <dgm:cxn modelId="{2C43B9D7-143D-4B8D-A8D1-586A3E572711}" type="presOf" srcId="{1215FF01-D7D7-41C7-ABD3-4C480E2291C3}" destId="{E1871E04-B93D-4B16-B959-94B55AAC5ABB}" srcOrd="0" destOrd="0" presId="urn:microsoft.com/office/officeart/2005/8/layout/vProcess5"/>
+    <dgm:cxn modelId="{854C56DF-2DE4-4285-97D1-B68261090390}" srcId="{B3D1AC36-ADB9-40BC-B5BC-401E8DA75CD2}" destId="{CAD50634-69BF-41C9-A9C0-B4B3ACE60990}" srcOrd="4" destOrd="0" parTransId="{6B6E5F31-E935-453B-8DAD-A7A71E4BBE5D}" sibTransId="{0AA8E771-4A97-4A37-9ED7-959F488F59B1}"/>
+    <dgm:cxn modelId="{0520615E-D547-47C3-BC96-F73D2AB4286F}" srcId="{B3D1AC36-ADB9-40BC-B5BC-401E8DA75CD2}" destId="{BBCB4013-F0B9-41D9-BD2E-E766E6C5FBA1}" srcOrd="3" destOrd="0" parTransId="{A189B584-468A-4DB0-A6DF-065927096B66}" sibTransId="{E41E3EAC-FA68-4D63-9FEF-9EDAA3B960D2}"/>
+    <dgm:cxn modelId="{775E79F7-ADE2-4F54-A16B-D4E954DDE44C}" type="presOf" srcId="{B3D1AC36-ADB9-40BC-B5BC-401E8DA75CD2}" destId="{8D1C080D-6ED3-4E65-B82B-136A31CF6FA3}" srcOrd="0" destOrd="0" presId="urn:microsoft.com/office/officeart/2005/8/layout/vProcess5"/>
     <dgm:cxn modelId="{C5732CA2-1681-44F5-AD15-939E70C84744}" type="presOf" srcId="{BBCB4013-F0B9-41D9-BD2E-E766E6C5FBA1}" destId="{231936AE-BE90-4D35-AEC0-17C495E035E0}" srcOrd="1" destOrd="0" presId="urn:microsoft.com/office/officeart/2005/8/layout/vProcess5"/>
+    <dgm:cxn modelId="{2E94DBA2-3C3D-4BE0-849C-7C61810B5560}" type="presOf" srcId="{E41E3EAC-FA68-4D63-9FEF-9EDAA3B960D2}" destId="{F10344A3-D5FB-4A33-867D-BB896676605F}" srcOrd="0" destOrd="0" presId="urn:microsoft.com/office/officeart/2005/8/layout/vProcess5"/>
+    <dgm:cxn modelId="{542CD867-7F80-4530-B71C-4D513F221F65}" type="presOf" srcId="{E530CFD0-55F3-4E62-BD84-2358C6481E5D}" destId="{B8E0166C-CC39-473F-9ED8-38BDC3F1E7BC}" srcOrd="1" destOrd="0" presId="urn:microsoft.com/office/officeart/2005/8/layout/vProcess5"/>
     <dgm:cxn modelId="{39A7D420-9203-4593-AA77-7EA5C9754616}" type="presOf" srcId="{8BB94378-A22A-482F-9EA5-4C0EC7F2279F}" destId="{C36FF432-0BC8-4323-BA15-94BA34DB5CC1}" srcOrd="0" destOrd="0" presId="urn:microsoft.com/office/officeart/2005/8/layout/vProcess5"/>
+    <dgm:cxn modelId="{37A37A43-CC1A-48DF-ACC9-D26EABC04EB7}" type="presOf" srcId="{E530CFD0-55F3-4E62-BD84-2358C6481E5D}" destId="{FEB8B2B1-005D-4392-9327-2F08AFCBF153}" srcOrd="0" destOrd="0" presId="urn:microsoft.com/office/officeart/2005/8/layout/vProcess5"/>
+    <dgm:cxn modelId="{BE9308FD-619D-4BB2-B2A1-F7EA0E3B9C12}" type="presOf" srcId="{A449FC4B-320B-454F-8F3D-4C0A756C134F}" destId="{A6A0483D-17B8-4734-86A9-44E302674D4E}" srcOrd="1" destOrd="0" presId="urn:microsoft.com/office/officeart/2005/8/layout/vProcess5"/>
     <dgm:cxn modelId="{C3E5090A-B9C4-4183-ACAC-EBAE4510075B}" type="presOf" srcId="{BBCB4013-F0B9-41D9-BD2E-E766E6C5FBA1}" destId="{EBFB4198-1EA2-43AA-8706-BD6FF891507A}" srcOrd="0" destOrd="0" presId="urn:microsoft.com/office/officeart/2005/8/layout/vProcess5"/>
-    <dgm:cxn modelId="{5ADC306D-199C-4A8F-BBFC-76FD2B655B23}" srcId="{B3D1AC36-ADB9-40BC-B5BC-401E8DA75CD2}" destId="{1215FF01-D7D7-41C7-ABD3-4C480E2291C3}" srcOrd="2" destOrd="0" parTransId="{3FBF961F-8E72-4A6A-875D-DEB5B23EA3FE}" sibTransId="{BA46A00B-4260-4786-88C5-B21FD11C026A}"/>
-    <dgm:cxn modelId="{F6D31469-7377-4F55-8848-C919443C1579}" srcId="{B3D1AC36-ADB9-40BC-B5BC-401E8DA75CD2}" destId="{A449FC4B-320B-454F-8F3D-4C0A756C134F}" srcOrd="1" destOrd="0" parTransId="{BD36B0A4-BFD4-4BF7-AB7B-783C835404A4}" sibTransId="{A0DD3576-D886-4CED-98B2-77CB191B9593}"/>
-    <dgm:cxn modelId="{775E79F7-ADE2-4F54-A16B-D4E954DDE44C}" type="presOf" srcId="{B3D1AC36-ADB9-40BC-B5BC-401E8DA75CD2}" destId="{8D1C080D-6ED3-4E65-B82B-136A31CF6FA3}" srcOrd="0" destOrd="0" presId="urn:microsoft.com/office/officeart/2005/8/layout/vProcess5"/>
-    <dgm:cxn modelId="{5E70FEB7-E82A-4268-A3DD-92C85092A3F9}" type="presOf" srcId="{A0DD3576-D886-4CED-98B2-77CB191B9593}" destId="{6AD50F06-FD06-415F-9FB0-FD0879FC3528}" srcOrd="0" destOrd="0" presId="urn:microsoft.com/office/officeart/2005/8/layout/vProcess5"/>
-    <dgm:cxn modelId="{542CD867-7F80-4530-B71C-4D513F221F65}" type="presOf" srcId="{E530CFD0-55F3-4E62-BD84-2358C6481E5D}" destId="{B8E0166C-CC39-473F-9ED8-38BDC3F1E7BC}" srcOrd="1" destOrd="0" presId="urn:microsoft.com/office/officeart/2005/8/layout/vProcess5"/>
-    <dgm:cxn modelId="{3A43EED5-F98C-4048-9706-0C7D461E9400}" type="presOf" srcId="{A449FC4B-320B-454F-8F3D-4C0A756C134F}" destId="{8413CC00-8A5B-4BCF-B839-87AEAB7EFA9E}" srcOrd="0" destOrd="0" presId="urn:microsoft.com/office/officeart/2005/8/layout/vProcess5"/>
-    <dgm:cxn modelId="{2E94DBA2-3C3D-4BE0-849C-7C61810B5560}" type="presOf" srcId="{E41E3EAC-FA68-4D63-9FEF-9EDAA3B960D2}" destId="{F10344A3-D5FB-4A33-867D-BB896676605F}" srcOrd="0" destOrd="0" presId="urn:microsoft.com/office/officeart/2005/8/layout/vProcess5"/>
-    <dgm:cxn modelId="{A82B5AC9-BB2F-478B-9278-0E57A8FE36B3}" type="presOf" srcId="{1215FF01-D7D7-41C7-ABD3-4C480E2291C3}" destId="{76E4B384-8F55-46EF-9DDF-80179A91A470}" srcOrd="1" destOrd="0" presId="urn:microsoft.com/office/officeart/2005/8/layout/vProcess5"/>
-    <dgm:cxn modelId="{C0979EE8-123D-46CE-B520-5B9DDA43988C}" type="presOf" srcId="{BA46A00B-4260-4786-88C5-B21FD11C026A}" destId="{31D978D9-AF01-4997-ADD0-48C42DD73FF6}" srcOrd="0" destOrd="0" presId="urn:microsoft.com/office/officeart/2005/8/layout/vProcess5"/>
-    <dgm:cxn modelId="{37A37A43-CC1A-48DF-ACC9-D26EABC04EB7}" type="presOf" srcId="{E530CFD0-55F3-4E62-BD84-2358C6481E5D}" destId="{FEB8B2B1-005D-4392-9327-2F08AFCBF153}" srcOrd="0" destOrd="0" presId="urn:microsoft.com/office/officeart/2005/8/layout/vProcess5"/>
-    <dgm:cxn modelId="{3F66E258-9081-4EC9-8E16-7B69F6A7B9E9}" srcId="{B3D1AC36-ADB9-40BC-B5BC-401E8DA75CD2}" destId="{E530CFD0-55F3-4E62-BD84-2358C6481E5D}" srcOrd="0" destOrd="0" parTransId="{4EEB3398-5253-4E70-B421-D146C5C0E92D}" sibTransId="{8BB94378-A22A-482F-9EA5-4C0EC7F2279F}"/>
-    <dgm:cxn modelId="{854C56DF-2DE4-4285-97D1-B68261090390}" srcId="{B3D1AC36-ADB9-40BC-B5BC-401E8DA75CD2}" destId="{CAD50634-69BF-41C9-A9C0-B4B3ACE60990}" srcOrd="4" destOrd="0" parTransId="{6B6E5F31-E935-453B-8DAD-A7A71E4BBE5D}" sibTransId="{0AA8E771-4A97-4A37-9ED7-959F488F59B1}"/>
-    <dgm:cxn modelId="{BE9308FD-619D-4BB2-B2A1-F7EA0E3B9C12}" type="presOf" srcId="{A449FC4B-320B-454F-8F3D-4C0A756C134F}" destId="{A6A0483D-17B8-4734-86A9-44E302674D4E}" srcOrd="1" destOrd="0" presId="urn:microsoft.com/office/officeart/2005/8/layout/vProcess5"/>
-    <dgm:cxn modelId="{4EBC142A-AC4C-4916-9538-3FB2F40AB729}" type="presOf" srcId="{CAD50634-69BF-41C9-A9C0-B4B3ACE60990}" destId="{A304F91C-97BD-4D49-86CB-BDF5405659B6}" srcOrd="0" destOrd="0" presId="urn:microsoft.com/office/officeart/2005/8/layout/vProcess5"/>
-    <dgm:cxn modelId="{0520615E-D547-47C3-BC96-F73D2AB4286F}" srcId="{B3D1AC36-ADB9-40BC-B5BC-401E8DA75CD2}" destId="{BBCB4013-F0B9-41D9-BD2E-E766E6C5FBA1}" srcOrd="3" destOrd="0" parTransId="{A189B584-468A-4DB0-A6DF-065927096B66}" sibTransId="{E41E3EAC-FA68-4D63-9FEF-9EDAA3B960D2}"/>
-    <dgm:cxn modelId="{2C43B9D7-143D-4B8D-A8D1-586A3E572711}" type="presOf" srcId="{1215FF01-D7D7-41C7-ABD3-4C480E2291C3}" destId="{E1871E04-B93D-4B16-B959-94B55AAC5ABB}" srcOrd="0" destOrd="0" presId="urn:microsoft.com/office/officeart/2005/8/layout/vProcess5"/>
-    <dgm:cxn modelId="{A5F77FFD-26E8-452E-8F16-4513E73A0E0E}" type="presOf" srcId="{CAD50634-69BF-41C9-A9C0-B4B3ACE60990}" destId="{8FB39AF3-00BA-499E-B2F5-C8C4AC2F93AC}" srcOrd="1" destOrd="0" presId="urn:microsoft.com/office/officeart/2005/8/layout/vProcess5"/>
     <dgm:cxn modelId="{7A38C0CC-F3B8-4BCD-845D-A260DCAFFE02}" type="presParOf" srcId="{8D1C080D-6ED3-4E65-B82B-136A31CF6FA3}" destId="{AF0D05FB-D0F7-4CE7-A4A0-BD289485EE79}" srcOrd="0" destOrd="0" presId="urn:microsoft.com/office/officeart/2005/8/layout/vProcess5"/>
     <dgm:cxn modelId="{E4C69970-F438-4105-A4AF-8AE1D6B788EE}" type="presParOf" srcId="{8D1C080D-6ED3-4E65-B82B-136A31CF6FA3}" destId="{FEB8B2B1-005D-4392-9327-2F08AFCBF153}" srcOrd="1" destOrd="0" presId="urn:microsoft.com/office/officeart/2005/8/layout/vProcess5"/>
     <dgm:cxn modelId="{AA41476D-D90F-4410-91A2-FD5F5242CD81}" type="presParOf" srcId="{8D1C080D-6ED3-4E65-B82B-136A31CF6FA3}" destId="{8413CC00-8A5B-4BCF-B839-87AEAB7EFA9E}" srcOrd="2" destOrd="0" presId="urn:microsoft.com/office/officeart/2005/8/layout/vProcess5"/>
@@ -3375,7 +3377,7 @@
   <dgm:whole/>
   <dgm:extLst>
     <a:ext uri="http://schemas.microsoft.com/office/drawing/2008/diagram">
-      <dsp:dataModelExt xmlns:dsp="http://schemas.microsoft.com/office/drawing/2008/diagram" xmlns="" relId="rId6" minVer="http://schemas.openxmlformats.org/drawingml/2006/diagram"/>
+      <dsp:dataModelExt xmlns:dsp="http://schemas.microsoft.com/office/drawing/2008/diagram" relId="rId6" minVer="http://schemas.openxmlformats.org/drawingml/2006/diagram"/>
     </a:ext>
   </dgm:extLst>
 </dgm:dataModel>
@@ -3970,28 +3972,28 @@
     </dgm:pt>
   </dgm:ptLst>
   <dgm:cxnLst>
-    <dgm:cxn modelId="{3E164495-ACE5-4F00-9266-5479EECCA7A8}" srcId="{CC29FB27-801D-4615-BF44-5B37D21B8658}" destId="{CA14F749-5715-480B-9606-D3D8B3632EED}" srcOrd="1" destOrd="0" parTransId="{F91A1DDC-016C-48FF-919B-A21CC49CE6B7}" sibTransId="{0E531DE0-9B29-4213-8AF6-D5A1CF4077F5}"/>
-    <dgm:cxn modelId="{60C8F0DA-E702-4166-B1A4-1AA48B92ADBF}" type="presOf" srcId="{0EBF81F7-3BE6-4B65-831C-5F4E6095E8BD}" destId="{CCE3DA5F-BB79-4F3E-A442-44C681BA9C3E}" srcOrd="0" destOrd="0" presId="urn:microsoft.com/office/officeart/2005/8/layout/process4"/>
-    <dgm:cxn modelId="{2BB75BA1-4EB2-4CBF-8976-926BB9B1A626}" srcId="{CC29FB27-801D-4615-BF44-5B37D21B8658}" destId="{78F4F968-25ED-4CA2-AA7F-978821F38784}" srcOrd="0" destOrd="0" parTransId="{8E246DC9-241D-4661-AA0B-CBCC6116091B}" sibTransId="{54B46FBB-4759-47C3-9530-2CA6677D4CBE}"/>
+    <dgm:cxn modelId="{A507CEF8-A689-4F87-B72E-60F93E88EA08}" srcId="{1332B820-E88C-4D9F-A56A-EF9835D373F5}" destId="{CC29FB27-801D-4615-BF44-5B37D21B8658}" srcOrd="2" destOrd="0" parTransId="{7041274B-2C6F-4500-BBA4-CC22DCADC42A}" sibTransId="{D4A335D4-5A0E-471B-BC3A-F4C6F2DC0776}"/>
+    <dgm:cxn modelId="{1BB74DF7-6A97-400C-A2C2-E23477738DB6}" srcId="{BF625EC9-D0AF-47E7-B9B5-DF551A01A827}" destId="{25715C7B-CB12-4BB8-9D97-CE3A4B49E980}" srcOrd="1" destOrd="0" parTransId="{A7BF8442-4D39-4C55-BA3E-CD29B690D0E7}" sibTransId="{D6391988-C4B9-40D0-A89C-775A11B616C5}"/>
+    <dgm:cxn modelId="{708752E5-1CED-404C-B4E7-DB4B487A6960}" type="presOf" srcId="{BF625EC9-D0AF-47E7-B9B5-DF551A01A827}" destId="{76468D4D-272C-4E12-9AAC-C152AE1F805E}" srcOrd="1" destOrd="0" presId="urn:microsoft.com/office/officeart/2005/8/layout/process4"/>
     <dgm:cxn modelId="{C844D9B6-4F15-46AC-A58C-6673997E154F}" type="presOf" srcId="{CC29FB27-801D-4615-BF44-5B37D21B8658}" destId="{F81ECD18-CAC6-494A-8E1B-B3C59EE70C41}" srcOrd="1" destOrd="0" presId="urn:microsoft.com/office/officeart/2005/8/layout/process4"/>
+    <dgm:cxn modelId="{3C9ED8F8-2BFF-4745-96AC-7D7FBED19488}" srcId="{D35E786E-C192-4329-B36A-CBA9CFE78347}" destId="{ABB28A4A-887F-43B8-8E7D-8CB2A742293F}" srcOrd="0" destOrd="0" parTransId="{681DB487-19BC-4B1F-8B99-AFA5797442E5}" sibTransId="{CC74FFDA-B896-4DE9-8FAC-2FEB39E4C4D4}"/>
+    <dgm:cxn modelId="{A8BF9951-0E48-47B8-BBEF-36B92B593A05}" type="presOf" srcId="{ABB28A4A-887F-43B8-8E7D-8CB2A742293F}" destId="{31424058-0D60-4BE6-8544-9EAE971FA707}" srcOrd="0" destOrd="0" presId="urn:microsoft.com/office/officeart/2005/8/layout/process4"/>
+    <dgm:cxn modelId="{83CD17A3-85AD-4611-9ACE-5426B422E569}" type="presOf" srcId="{1332B820-E88C-4D9F-A56A-EF9835D373F5}" destId="{989FECC1-0CAB-4D0C-AEA4-DFD538157EB2}" srcOrd="0" destOrd="0" presId="urn:microsoft.com/office/officeart/2005/8/layout/process4"/>
+    <dgm:cxn modelId="{0F111E57-8B95-431F-9511-3F9527416C94}" srcId="{BF625EC9-D0AF-47E7-B9B5-DF551A01A827}" destId="{0EBF81F7-3BE6-4B65-831C-5F4E6095E8BD}" srcOrd="0" destOrd="0" parTransId="{51D87DD1-3A34-45E9-8AF1-37E6543A3567}" sibTransId="{56E6250E-6B0C-4A48-82B1-B3A7A70A9025}"/>
+    <dgm:cxn modelId="{825E9650-AB92-45B2-BC14-C174DF1183D8}" type="presOf" srcId="{CA14F749-5715-480B-9606-D3D8B3632EED}" destId="{D84BFB0D-7348-418C-B724-C81701A81BB3}" srcOrd="0" destOrd="0" presId="urn:microsoft.com/office/officeart/2005/8/layout/process4"/>
     <dgm:cxn modelId="{E6558CD0-FD11-4BAF-839D-AD839CBC6456}" srcId="{1332B820-E88C-4D9F-A56A-EF9835D373F5}" destId="{BF625EC9-D0AF-47E7-B9B5-DF551A01A827}" srcOrd="1" destOrd="0" parTransId="{2E158388-C68B-456F-A150-6CB99B0B555B}" sibTransId="{F5DABC24-D83D-4B40-A931-2379D1066AE6}"/>
     <dgm:cxn modelId="{52B2CB6F-D371-4D3A-917F-049054690E46}" srcId="{BF625EC9-D0AF-47E7-B9B5-DF551A01A827}" destId="{9E62AEEB-8359-4FC8-98C0-CBCC2967B6B7}" srcOrd="2" destOrd="0" parTransId="{92572EA2-A87D-4A3F-BFB3-0BB53A09EEDD}" sibTransId="{33BE2A37-38C0-4905-9246-480B1BBDFD44}"/>
     <dgm:cxn modelId="{C7E514B2-7280-40D9-889B-B3E65EC18D05}" type="presOf" srcId="{BF625EC9-D0AF-47E7-B9B5-DF551A01A827}" destId="{E592439C-9851-4C51-99DD-8207B1FDA48C}" srcOrd="0" destOrd="0" presId="urn:microsoft.com/office/officeart/2005/8/layout/process4"/>
-    <dgm:cxn modelId="{3C9ED8F8-2BFF-4745-96AC-7D7FBED19488}" srcId="{D35E786E-C192-4329-B36A-CBA9CFE78347}" destId="{ABB28A4A-887F-43B8-8E7D-8CB2A742293F}" srcOrd="0" destOrd="0" parTransId="{681DB487-19BC-4B1F-8B99-AFA5797442E5}" sibTransId="{CC74FFDA-B896-4DE9-8FAC-2FEB39E4C4D4}"/>
-    <dgm:cxn modelId="{825E9650-AB92-45B2-BC14-C174DF1183D8}" type="presOf" srcId="{CA14F749-5715-480B-9606-D3D8B3632EED}" destId="{D84BFB0D-7348-418C-B724-C81701A81BB3}" srcOrd="0" destOrd="0" presId="urn:microsoft.com/office/officeart/2005/8/layout/process4"/>
+    <dgm:cxn modelId="{9C814E33-6017-4762-808D-4332D4A91054}" type="presOf" srcId="{9E62AEEB-8359-4FC8-98C0-CBCC2967B6B7}" destId="{FF1E22EF-B774-4580-971B-5DC6153C9006}" srcOrd="0" destOrd="0" presId="urn:microsoft.com/office/officeart/2005/8/layout/process4"/>
+    <dgm:cxn modelId="{2BB75BA1-4EB2-4CBF-8976-926BB9B1A626}" srcId="{CC29FB27-801D-4615-BF44-5B37D21B8658}" destId="{78F4F968-25ED-4CA2-AA7F-978821F38784}" srcOrd="0" destOrd="0" parTransId="{8E246DC9-241D-4661-AA0B-CBCC6116091B}" sibTransId="{54B46FBB-4759-47C3-9530-2CA6677D4CBE}"/>
+    <dgm:cxn modelId="{F1357C36-1D78-4EB9-ABC2-EB152393AD57}" type="presOf" srcId="{78F4F968-25ED-4CA2-AA7F-978821F38784}" destId="{76E51960-9B39-4BDB-B068-FE815317B75A}" srcOrd="0" destOrd="0" presId="urn:microsoft.com/office/officeart/2005/8/layout/process4"/>
+    <dgm:cxn modelId="{60C8F0DA-E702-4166-B1A4-1AA48B92ADBF}" type="presOf" srcId="{0EBF81F7-3BE6-4B65-831C-5F4E6095E8BD}" destId="{CCE3DA5F-BB79-4F3E-A442-44C681BA9C3E}" srcOrd="0" destOrd="0" presId="urn:microsoft.com/office/officeart/2005/8/layout/process4"/>
+    <dgm:cxn modelId="{50BEA369-7627-4885-850B-75E98FBB9F10}" type="presOf" srcId="{25715C7B-CB12-4BB8-9D97-CE3A4B49E980}" destId="{C369044F-CA9B-4A00-B918-5615ED4E0B96}" srcOrd="0" destOrd="0" presId="urn:microsoft.com/office/officeart/2005/8/layout/process4"/>
     <dgm:cxn modelId="{11369BDD-7A69-4157-9007-E086C82AF6F5}" type="presOf" srcId="{D35E786E-C192-4329-B36A-CBA9CFE78347}" destId="{A9EF60D8-6614-41DD-8F2D-8610EFFCEECF}" srcOrd="0" destOrd="0" presId="urn:microsoft.com/office/officeart/2005/8/layout/process4"/>
+    <dgm:cxn modelId="{B2D03EC0-5D85-4E4A-9264-FDA83B47D3A4}" type="presOf" srcId="{CC29FB27-801D-4615-BF44-5B37D21B8658}" destId="{1D530850-5046-4191-AB1F-DDB3A09C5929}" srcOrd="0" destOrd="0" presId="urn:microsoft.com/office/officeart/2005/8/layout/process4"/>
+    <dgm:cxn modelId="{3E164495-ACE5-4F00-9266-5479EECCA7A8}" srcId="{CC29FB27-801D-4615-BF44-5B37D21B8658}" destId="{CA14F749-5715-480B-9606-D3D8B3632EED}" srcOrd="1" destOrd="0" parTransId="{F91A1DDC-016C-48FF-919B-A21CC49CE6B7}" sibTransId="{0E531DE0-9B29-4213-8AF6-D5A1CF4077F5}"/>
     <dgm:cxn modelId="{CCC0DEB8-7579-4890-815B-A6B9AACDA8F3}" srcId="{1332B820-E88C-4D9F-A56A-EF9835D373F5}" destId="{D35E786E-C192-4329-B36A-CBA9CFE78347}" srcOrd="0" destOrd="0" parTransId="{5D0ED6C6-9BB1-423B-A1A3-BF00DF4EC54A}" sibTransId="{D668D7E1-ED1B-48FB-B09A-3FF63915992F}"/>
-    <dgm:cxn modelId="{708752E5-1CED-404C-B4E7-DB4B487A6960}" type="presOf" srcId="{BF625EC9-D0AF-47E7-B9B5-DF551A01A827}" destId="{76468D4D-272C-4E12-9AAC-C152AE1F805E}" srcOrd="1" destOrd="0" presId="urn:microsoft.com/office/officeart/2005/8/layout/process4"/>
-    <dgm:cxn modelId="{B2D03EC0-5D85-4E4A-9264-FDA83B47D3A4}" type="presOf" srcId="{CC29FB27-801D-4615-BF44-5B37D21B8658}" destId="{1D530850-5046-4191-AB1F-DDB3A09C5929}" srcOrd="0" destOrd="0" presId="urn:microsoft.com/office/officeart/2005/8/layout/process4"/>
     <dgm:cxn modelId="{FE32A588-B15D-46B0-9DE4-8EFB4A182DCB}" type="presOf" srcId="{D35E786E-C192-4329-B36A-CBA9CFE78347}" destId="{AFD52694-81E0-4F5E-AF9E-C5B6446FE244}" srcOrd="1" destOrd="0" presId="urn:microsoft.com/office/officeart/2005/8/layout/process4"/>
-    <dgm:cxn modelId="{1BB74DF7-6A97-400C-A2C2-E23477738DB6}" srcId="{BF625EC9-D0AF-47E7-B9B5-DF551A01A827}" destId="{25715C7B-CB12-4BB8-9D97-CE3A4B49E980}" srcOrd="1" destOrd="0" parTransId="{A7BF8442-4D39-4C55-BA3E-CD29B690D0E7}" sibTransId="{D6391988-C4B9-40D0-A89C-775A11B616C5}"/>
-    <dgm:cxn modelId="{83CD17A3-85AD-4611-9ACE-5426B422E569}" type="presOf" srcId="{1332B820-E88C-4D9F-A56A-EF9835D373F5}" destId="{989FECC1-0CAB-4D0C-AEA4-DFD538157EB2}" srcOrd="0" destOrd="0" presId="urn:microsoft.com/office/officeart/2005/8/layout/process4"/>
-    <dgm:cxn modelId="{A8BF9951-0E48-47B8-BBEF-36B92B593A05}" type="presOf" srcId="{ABB28A4A-887F-43B8-8E7D-8CB2A742293F}" destId="{31424058-0D60-4BE6-8544-9EAE971FA707}" srcOrd="0" destOrd="0" presId="urn:microsoft.com/office/officeart/2005/8/layout/process4"/>
-    <dgm:cxn modelId="{A507CEF8-A689-4F87-B72E-60F93E88EA08}" srcId="{1332B820-E88C-4D9F-A56A-EF9835D373F5}" destId="{CC29FB27-801D-4615-BF44-5B37D21B8658}" srcOrd="2" destOrd="0" parTransId="{7041274B-2C6F-4500-BBA4-CC22DCADC42A}" sibTransId="{D4A335D4-5A0E-471B-BC3A-F4C6F2DC0776}"/>
-    <dgm:cxn modelId="{0F111E57-8B95-431F-9511-3F9527416C94}" srcId="{BF625EC9-D0AF-47E7-B9B5-DF551A01A827}" destId="{0EBF81F7-3BE6-4B65-831C-5F4E6095E8BD}" srcOrd="0" destOrd="0" parTransId="{51D87DD1-3A34-45E9-8AF1-37E6543A3567}" sibTransId="{56E6250E-6B0C-4A48-82B1-B3A7A70A9025}"/>
-    <dgm:cxn modelId="{9C814E33-6017-4762-808D-4332D4A91054}" type="presOf" srcId="{9E62AEEB-8359-4FC8-98C0-CBCC2967B6B7}" destId="{FF1E22EF-B774-4580-971B-5DC6153C9006}" srcOrd="0" destOrd="0" presId="urn:microsoft.com/office/officeart/2005/8/layout/process4"/>
-    <dgm:cxn modelId="{F1357C36-1D78-4EB9-ABC2-EB152393AD57}" type="presOf" srcId="{78F4F968-25ED-4CA2-AA7F-978821F38784}" destId="{76E51960-9B39-4BDB-B068-FE815317B75A}" srcOrd="0" destOrd="0" presId="urn:microsoft.com/office/officeart/2005/8/layout/process4"/>
-    <dgm:cxn modelId="{50BEA369-7627-4885-850B-75E98FBB9F10}" type="presOf" srcId="{25715C7B-CB12-4BB8-9D97-CE3A4B49E980}" destId="{C369044F-CA9B-4A00-B918-5615ED4E0B96}" srcOrd="0" destOrd="0" presId="urn:microsoft.com/office/officeart/2005/8/layout/process4"/>
     <dgm:cxn modelId="{3043372E-9421-4173-89C6-F50B77CBCDFD}" type="presParOf" srcId="{989FECC1-0CAB-4D0C-AEA4-DFD538157EB2}" destId="{9BE391FD-9F18-47D8-AD9A-03C49115B4F9}" srcOrd="0" destOrd="0" presId="urn:microsoft.com/office/officeart/2005/8/layout/process4"/>
     <dgm:cxn modelId="{AF542BFF-0ACD-41B1-B4BC-77AB3AFBB5E6}" type="presParOf" srcId="{9BE391FD-9F18-47D8-AD9A-03C49115B4F9}" destId="{1D530850-5046-4191-AB1F-DDB3A09C5929}" srcOrd="0" destOrd="0" presId="urn:microsoft.com/office/officeart/2005/8/layout/process4"/>
     <dgm:cxn modelId="{F33CE567-1509-4A3C-9082-61802917CB4D}" type="presParOf" srcId="{9BE391FD-9F18-47D8-AD9A-03C49115B4F9}" destId="{F81ECD18-CAC6-494A-8E1B-B3C59EE70C41}" srcOrd="1" destOrd="0" presId="urn:microsoft.com/office/officeart/2005/8/layout/process4"/>
@@ -4017,14 +4019,14 @@
   <dgm:whole/>
   <dgm:extLst>
     <a:ext uri="http://schemas.microsoft.com/office/drawing/2008/diagram">
-      <dsp:dataModelExt xmlns:dsp="http://schemas.microsoft.com/office/drawing/2008/diagram" xmlns="" relId="rId6" minVer="http://schemas.openxmlformats.org/drawingml/2006/diagram"/>
+      <dsp:dataModelExt xmlns:dsp="http://schemas.microsoft.com/office/drawing/2008/diagram" relId="rId6" minVer="http://schemas.openxmlformats.org/drawingml/2006/diagram"/>
     </a:ext>
   </dgm:extLst>
 </dgm:dataModel>
 </file>
 
 <file path=ppt/diagrams/drawing1.xml><?xml version="1.0" encoding="utf-8"?>
-<dsp:drawing xmlns:dgm="http://schemas.openxmlformats.org/drawingml/2006/diagram" xmlns:a="http://schemas.openxmlformats.org/drawingml/2006/main" xmlns:dsp="http://schemas.microsoft.com/office/drawing/2008/diagram">
+<dsp:drawing xmlns:dgm="http://schemas.openxmlformats.org/drawingml/2006/diagram" xmlns:dsp="http://schemas.microsoft.com/office/drawing/2008/diagram" xmlns:a="http://schemas.openxmlformats.org/drawingml/2006/main">
   <dsp:spTree>
     <dsp:nvGrpSpPr>
       <dsp:cNvPr id="0" name=""/>
@@ -4120,8 +4122,8 @@
         </a:p>
       </dsp:txBody>
       <dsp:txXfrm>
-        <a:off x="72027" y="36986"/>
-        <a:ext cx="4109975" cy="888035"/>
+        <a:off x="98037" y="62996"/>
+        <a:ext cx="4057955" cy="836015"/>
       </dsp:txXfrm>
     </dsp:sp>
     <dsp:sp modelId="{8413CC00-8A5B-4BCF-B839-87AEAB7EFA9E}">
@@ -4221,8 +4223,8 @@
         </a:p>
       </dsp:txBody>
       <dsp:txXfrm>
-        <a:off x="435343" y="1011373"/>
-        <a:ext cx="4817245" cy="888035"/>
+        <a:off x="461353" y="1037383"/>
+        <a:ext cx="4765225" cy="836015"/>
       </dsp:txXfrm>
     </dsp:sp>
     <dsp:sp modelId="{E1871E04-B93D-4B16-B959-94B55AAC5ABB}">
@@ -4310,8 +4312,8 @@
         </a:p>
       </dsp:txBody>
       <dsp:txXfrm>
-        <a:off x="870686" y="2022746"/>
-        <a:ext cx="4817245" cy="888035"/>
+        <a:off x="896696" y="2048756"/>
+        <a:ext cx="4765225" cy="836015"/>
       </dsp:txXfrm>
     </dsp:sp>
     <dsp:sp modelId="{EBFB4198-1EA2-43AA-8706-BD6FF891507A}">
@@ -4399,8 +4401,8 @@
         </a:p>
       </dsp:txBody>
       <dsp:txXfrm>
-        <a:off x="1306029" y="3034119"/>
-        <a:ext cx="4817245" cy="888035"/>
+        <a:off x="1332039" y="3060129"/>
+        <a:ext cx="4765225" cy="836015"/>
       </dsp:txXfrm>
     </dsp:sp>
     <dsp:sp modelId="{A304F91C-97BD-4D49-86CB-BDF5405659B6}">
@@ -4492,8 +4494,8 @@
         </a:p>
       </dsp:txBody>
       <dsp:txXfrm>
-        <a:off x="1741372" y="4045492"/>
-        <a:ext cx="4817245" cy="888035"/>
+        <a:off x="1767382" y="4071502"/>
+        <a:ext cx="4765225" cy="836015"/>
       </dsp:txXfrm>
     </dsp:sp>
     <dsp:sp modelId="{C36FF432-0BC8-4323-BA15-94BA34DB5CC1}">
@@ -4572,8 +4574,8 @@
         </a:p>
       </dsp:txBody>
       <dsp:txXfrm>
-        <a:off x="4608512" y="613046"/>
-        <a:ext cx="577222" cy="577222"/>
+        <a:off x="4738387" y="613046"/>
+        <a:ext cx="317472" cy="434360"/>
       </dsp:txXfrm>
     </dsp:sp>
     <dsp:sp modelId="{6AD50F06-FD06-415F-9FB0-FD0879FC3528}">
@@ -4652,8 +4654,8 @@
         </a:p>
       </dsp:txBody>
       <dsp:txXfrm>
-        <a:off x="5687931" y="1660132"/>
-        <a:ext cx="577222" cy="577222"/>
+        <a:off x="5817806" y="1660132"/>
+        <a:ext cx="317472" cy="434360"/>
       </dsp:txXfrm>
     </dsp:sp>
     <dsp:sp modelId="{31D978D9-AF01-4997-ADD0-48C42DD73FF6}">
@@ -4732,8 +4734,8 @@
         </a:p>
       </dsp:txBody>
       <dsp:txXfrm>
-        <a:off x="6123275" y="2656704"/>
-        <a:ext cx="577222" cy="577222"/>
+        <a:off x="6253150" y="2656704"/>
+        <a:ext cx="317472" cy="434360"/>
       </dsp:txXfrm>
     </dsp:sp>
     <dsp:sp modelId="{F10344A3-D5FB-4A33-867D-BB896676605F}">
@@ -4812,8 +4814,8 @@
         </a:p>
       </dsp:txBody>
       <dsp:txXfrm>
-        <a:off x="6558618" y="3677945"/>
-        <a:ext cx="577222" cy="577222"/>
+        <a:off x="6688493" y="3677945"/>
+        <a:ext cx="317472" cy="434360"/>
       </dsp:txXfrm>
     </dsp:sp>
   </dsp:spTree>
@@ -4821,7 +4823,7 @@
 </file>
 
 <file path=ppt/diagrams/drawing2.xml><?xml version="1.0" encoding="utf-8"?>
-<dsp:drawing xmlns:dgm="http://schemas.openxmlformats.org/drawingml/2006/diagram" xmlns:a="http://schemas.openxmlformats.org/drawingml/2006/main" xmlns:dsp="http://schemas.microsoft.com/office/drawing/2008/diagram">
+<dsp:drawing xmlns:dgm="http://schemas.openxmlformats.org/drawingml/2006/diagram" xmlns:dsp="http://schemas.microsoft.com/office/drawing/2008/diagram" xmlns:a="http://schemas.openxmlformats.org/drawingml/2006/main">
   <dsp:spTree>
     <dsp:nvGrpSpPr>
       <dsp:cNvPr id="0" name=""/>
@@ -4917,8 +4919,8 @@
         </a:p>
       </dsp:txBody>
       <dsp:txXfrm>
-        <a:off x="0" y="0"/>
-        <a:ext cx="4974608" cy="888035"/>
+        <a:off x="26010" y="26010"/>
+        <a:ext cx="4922588" cy="836015"/>
       </dsp:txXfrm>
     </dsp:sp>
     <dsp:sp modelId="{8413CC00-8A5B-4BCF-B839-87AEAB7EFA9E}">
@@ -5018,8 +5020,8 @@
         </a:p>
       </dsp:txBody>
       <dsp:txXfrm>
-        <a:off x="446913" y="1011373"/>
-        <a:ext cx="4960612" cy="888035"/>
+        <a:off x="472923" y="1037383"/>
+        <a:ext cx="4908592" cy="836015"/>
       </dsp:txXfrm>
     </dsp:sp>
     <dsp:sp modelId="{E1871E04-B93D-4B16-B959-94B55AAC5ABB}">
@@ -5107,8 +5109,8 @@
         </a:p>
       </dsp:txBody>
       <dsp:txXfrm>
-        <a:off x="893826" y="2022746"/>
-        <a:ext cx="4960612" cy="888035"/>
+        <a:off x="919836" y="2048756"/>
+        <a:ext cx="4908592" cy="836015"/>
       </dsp:txXfrm>
     </dsp:sp>
     <dsp:sp modelId="{EBFB4198-1EA2-43AA-8706-BD6FF891507A}">
@@ -5196,8 +5198,8 @@
         </a:p>
       </dsp:txBody>
       <dsp:txXfrm>
-        <a:off x="1340739" y="3034119"/>
-        <a:ext cx="4960612" cy="888035"/>
+        <a:off x="1366749" y="3060129"/>
+        <a:ext cx="4908592" cy="836015"/>
       </dsp:txXfrm>
     </dsp:sp>
     <dsp:sp modelId="{A304F91C-97BD-4D49-86CB-BDF5405659B6}">
@@ -5289,8 +5291,8 @@
         </a:p>
       </dsp:txBody>
       <dsp:txXfrm>
-        <a:off x="1787652" y="4045492"/>
-        <a:ext cx="4960612" cy="888035"/>
+        <a:off x="1813662" y="4071502"/>
+        <a:ext cx="4908592" cy="836015"/>
       </dsp:txXfrm>
     </dsp:sp>
     <dsp:sp modelId="{C36FF432-0BC8-4323-BA15-94BA34DB5CC1}">
@@ -5369,8 +5371,8 @@
         </a:p>
       </dsp:txBody>
       <dsp:txXfrm>
-        <a:off x="5407525" y="648758"/>
-        <a:ext cx="577222" cy="577222"/>
+        <a:off x="5537400" y="648758"/>
+        <a:ext cx="317472" cy="434360"/>
       </dsp:txXfrm>
     </dsp:sp>
     <dsp:sp modelId="{6AD50F06-FD06-415F-9FB0-FD0879FC3528}">
@@ -5449,8 +5451,8 @@
         </a:p>
       </dsp:txBody>
       <dsp:txXfrm>
-        <a:off x="5854438" y="1660132"/>
-        <a:ext cx="577222" cy="577222"/>
+        <a:off x="5984313" y="1660132"/>
+        <a:ext cx="317472" cy="434360"/>
       </dsp:txXfrm>
     </dsp:sp>
     <dsp:sp modelId="{31D978D9-AF01-4997-ADD0-48C42DD73FF6}">
@@ -5529,8 +5531,8 @@
         </a:p>
       </dsp:txBody>
       <dsp:txXfrm>
-        <a:off x="6301351" y="2656704"/>
-        <a:ext cx="577222" cy="577222"/>
+        <a:off x="6431226" y="2656704"/>
+        <a:ext cx="317472" cy="434360"/>
       </dsp:txXfrm>
     </dsp:sp>
     <dsp:sp modelId="{F10344A3-D5FB-4A33-867D-BB896676605F}">
@@ -5609,8 +5611,8 @@
         </a:p>
       </dsp:txBody>
       <dsp:txXfrm>
-        <a:off x="6748264" y="3677945"/>
-        <a:ext cx="577222" cy="577222"/>
+        <a:off x="6878139" y="3677945"/>
+        <a:ext cx="317472" cy="434360"/>
       </dsp:txXfrm>
     </dsp:sp>
   </dsp:spTree>
@@ -5618,7 +5620,7 @@
 </file>
 
 <file path=ppt/diagrams/drawing3.xml><?xml version="1.0" encoding="utf-8"?>
-<dsp:drawing xmlns:dgm="http://schemas.openxmlformats.org/drawingml/2006/diagram" xmlns:a="http://schemas.openxmlformats.org/drawingml/2006/main" xmlns:dsp="http://schemas.microsoft.com/office/drawing/2008/diagram">
+<dsp:drawing xmlns:dgm="http://schemas.openxmlformats.org/drawingml/2006/diagram" xmlns:dsp="http://schemas.microsoft.com/office/drawing/2008/diagram" xmlns:a="http://schemas.openxmlformats.org/drawingml/2006/main">
   <dsp:spTree>
     <dsp:nvGrpSpPr>
       <dsp:cNvPr id="0" name=""/>
@@ -5956,7 +5958,7 @@
           <a:endParaRPr lang="pt-BR" sz="3200" b="1" kern="1200" dirty="0"/>
         </a:p>
       </dsp:txBody>
-      <dsp:txXfrm>
+      <dsp:txXfrm rot="-10800000">
         <a:off x="0" y="2049965"/>
         <a:ext cx="8424936" cy="945024"/>
       </dsp:txXfrm>
@@ -6313,7 +6315,7 @@
           <a:endParaRPr lang="pt-BR" sz="3200" b="1" kern="1200" dirty="0"/>
         </a:p>
       </dsp:txBody>
-      <dsp:txXfrm>
+      <dsp:txXfrm rot="-10800000">
         <a:off x="0" y="112"/>
         <a:ext cx="8424936" cy="726584"/>
       </dsp:txXfrm>
@@ -13401,7 +13403,7 @@
             <a:fld id="{E8717054-3C07-4347-826E-99521BF275F5}" type="datetimeFigureOut">
               <a:rPr lang="pt-BR" smtClean="0"/>
               <a:pPr/>
-              <a:t>23/02/2018</a:t>
+              <a:t>02/03/2018</a:t>
             </a:fld>
             <a:endParaRPr lang="pt-BR"/>
           </a:p>
@@ -13756,7 +13758,7 @@
             <a:fld id="{E8717054-3C07-4347-826E-99521BF275F5}" type="datetimeFigureOut">
               <a:rPr lang="pt-BR" smtClean="0"/>
               <a:pPr/>
-              <a:t>23/02/2018</a:t>
+              <a:t>02/03/2018</a:t>
             </a:fld>
             <a:endParaRPr lang="pt-BR"/>
           </a:p>
@@ -13933,7 +13935,7 @@
             <a:fld id="{E8717054-3C07-4347-826E-99521BF275F5}" type="datetimeFigureOut">
               <a:rPr lang="pt-BR" smtClean="0"/>
               <a:pPr/>
-              <a:t>23/02/2018</a:t>
+              <a:t>02/03/2018</a:t>
             </a:fld>
             <a:endParaRPr lang="pt-BR"/>
           </a:p>
@@ -14048,7 +14050,7 @@
             <a:fld id="{E8717054-3C07-4347-826E-99521BF275F5}" type="datetimeFigureOut">
               <a:rPr lang="pt-BR" smtClean="0"/>
               <a:pPr/>
-              <a:t>23/02/2018</a:t>
+              <a:t>02/03/2018</a:t>
             </a:fld>
             <a:endParaRPr lang="pt-BR"/>
           </a:p>
@@ -14408,7 +14410,7 @@
             <a:fld id="{E8717054-3C07-4347-826E-99521BF275F5}" type="datetimeFigureOut">
               <a:rPr lang="pt-BR" smtClean="0"/>
               <a:pPr/>
-              <a:t>23/02/2018</a:t>
+              <a:t>02/03/2018</a:t>
             </a:fld>
             <a:endParaRPr lang="pt-BR"/>
           </a:p>
@@ -14675,7 +14677,7 @@
             <a:fld id="{E8717054-3C07-4347-826E-99521BF275F5}" type="datetimeFigureOut">
               <a:rPr lang="pt-BR" smtClean="0"/>
               <a:pPr/>
-              <a:t>23/02/2018</a:t>
+              <a:t>02/03/2018</a:t>
             </a:fld>
             <a:endParaRPr lang="pt-BR"/>
           </a:p>
@@ -15039,7 +15041,7 @@
             <a:fld id="{E8717054-3C07-4347-826E-99521BF275F5}" type="datetimeFigureOut">
               <a:rPr lang="pt-BR" smtClean="0"/>
               <a:pPr/>
-              <a:t>23/02/2018</a:t>
+              <a:t>02/03/2018</a:t>
             </a:fld>
             <a:endParaRPr lang="pt-BR"/>
           </a:p>
@@ -15268,7 +15270,7 @@
             <a:fld id="{E8717054-3C07-4347-826E-99521BF275F5}" type="datetimeFigureOut">
               <a:rPr lang="pt-BR" smtClean="0"/>
               <a:pPr/>
-              <a:t>23/02/2018</a:t>
+              <a:t>02/03/2018</a:t>
             </a:fld>
             <a:endParaRPr lang="pt-BR"/>
           </a:p>
@@ -15360,7 +15362,7 @@
             <a:fld id="{E8717054-3C07-4347-826E-99521BF275F5}" type="datetimeFigureOut">
               <a:rPr lang="pt-BR" smtClean="0"/>
               <a:pPr/>
-              <a:t>23/02/2018</a:t>
+              <a:t>02/03/2018</a:t>
             </a:fld>
             <a:endParaRPr lang="pt-BR"/>
           </a:p>
@@ -15629,7 +15631,7 @@
             <a:fld id="{E8717054-3C07-4347-826E-99521BF275F5}" type="datetimeFigureOut">
               <a:rPr lang="pt-BR" smtClean="0"/>
               <a:pPr/>
-              <a:t>23/02/2018</a:t>
+              <a:t>02/03/2018</a:t>
             </a:fld>
             <a:endParaRPr lang="pt-BR"/>
           </a:p>
@@ -15859,7 +15861,7 @@
             <a:fld id="{E8717054-3C07-4347-826E-99521BF275F5}" type="datetimeFigureOut">
               <a:rPr lang="pt-BR" smtClean="0"/>
               <a:pPr/>
-              <a:t>23/02/2018</a:t>
+              <a:t>02/03/2018</a:t>
             </a:fld>
             <a:endParaRPr lang="pt-BR"/>
           </a:p>
@@ -16360,7 +16362,7 @@
             <a:fld id="{E8717054-3C07-4347-826E-99521BF275F5}" type="datetimeFigureOut">
               <a:rPr lang="pt-BR" smtClean="0"/>
               <a:pPr/>
-              <a:t>23/02/2018</a:t>
+              <a:t>02/03/2018</a:t>
             </a:fld>
             <a:endParaRPr lang="pt-BR"/>
           </a:p>
@@ -16823,7 +16825,9 @@
         </p:nvSpPr>
         <p:spPr/>
         <p:txBody>
-          <a:bodyPr/>
+          <a:bodyPr>
+            <a:normAutofit fontScale="90000"/>
+          </a:bodyPr>
           <a:lstStyle/>
           <a:p>
             <a:r>
@@ -17015,7 +17019,9 @@
         </p:nvSpPr>
         <p:spPr/>
         <p:txBody>
-          <a:bodyPr/>
+          <a:bodyPr>
+            <a:normAutofit fontScale="92500" lnSpcReduction="10000"/>
+          </a:bodyPr>
           <a:lstStyle/>
           <a:p>
             <a:pPr>
@@ -20614,7 +20620,9 @@
         </p:nvSpPr>
         <p:spPr/>
         <p:txBody>
-          <a:bodyPr/>
+          <a:bodyPr>
+            <a:normAutofit fontScale="90000"/>
+          </a:bodyPr>
           <a:lstStyle/>
           <a:p>
             <a:pPr algn="ctr"/>
@@ -20766,7 +20774,7 @@
         <p:spPr/>
         <p:txBody>
           <a:bodyPr>
-            <a:normAutofit/>
+            <a:normAutofit fontScale="85000" lnSpcReduction="20000"/>
           </a:bodyPr>
           <a:lstStyle/>
           <a:p>
@@ -20824,9 +20832,59 @@
               </a:lnSpc>
             </a:pPr>
             <a:r>
+              <a:rPr lang="pt-BR" sz="2800" dirty="0" err="1" smtClean="0"/>
+              <a:t>Naive</a:t>
+            </a:r>
+            <a:r>
               <a:rPr lang="pt-BR" sz="2800" dirty="0" smtClean="0"/>
-              <a:t>...</a:t>
-            </a:r>
+              <a:t> </a:t>
+            </a:r>
+            <a:r>
+              <a:rPr lang="pt-BR" sz="2800" dirty="0" err="1" smtClean="0"/>
+              <a:t>Bayes</a:t>
+            </a:r>
+            <a:r>
+              <a:rPr lang="pt-BR" sz="2800" dirty="0" smtClean="0"/>
+              <a:t>;</a:t>
+            </a:r>
+          </a:p>
+          <a:p>
+            <a:pPr lvl="1">
+              <a:lnSpc>
+                <a:spcPct val="160000"/>
+              </a:lnSpc>
+            </a:pPr>
+            <a:r>
+              <a:rPr lang="pt-BR" sz="2800" dirty="0" smtClean="0"/>
+              <a:t>SVC;</a:t>
+            </a:r>
+          </a:p>
+          <a:p>
+            <a:pPr lvl="1">
+              <a:lnSpc>
+                <a:spcPct val="160000"/>
+              </a:lnSpc>
+            </a:pPr>
+            <a:r>
+              <a:rPr lang="pt-BR" sz="2800" dirty="0" smtClean="0"/>
+              <a:t>SVM;</a:t>
+            </a:r>
+          </a:p>
+          <a:p>
+            <a:pPr lvl="1">
+              <a:lnSpc>
+                <a:spcPct val="160000"/>
+              </a:lnSpc>
+            </a:pPr>
+            <a:r>
+              <a:rPr lang="pt-BR" sz="2800" dirty="0" err="1" smtClean="0"/>
+              <a:t>Deep</a:t>
+            </a:r>
+            <a:r>
+              <a:rPr lang="pt-BR" sz="2800" dirty="0" smtClean="0"/>
+              <a:t> Learning.</a:t>
+            </a:r>
+            <a:endParaRPr lang="pt-BR" sz="2800" dirty="0" smtClean="0"/>
           </a:p>
           <a:p>
             <a:pPr>
@@ -20882,7 +20940,9 @@
         </p:nvSpPr>
         <p:spPr/>
         <p:txBody>
-          <a:bodyPr/>
+          <a:bodyPr>
+            <a:normAutofit/>
+          </a:bodyPr>
           <a:lstStyle/>
           <a:p>
             <a:pPr algn="ctr"/>
@@ -20929,10 +20989,10 @@
                   <a:reflection blurRad="12700" stA="28000" endPos="45000" dist="1000" dir="5400000" sy="-100000" algn="bl" rotWithShape="0"/>
                 </a:effectLst>
               </a:rPr>
-              <a:t>Resultados – data </a:t>
-            </a:r>
-            <a:r>
-              <a:rPr lang="pt-BR" b="1" cap="all" dirty="0" err="1" smtClean="0">
+              <a:t>Metodologia – </a:t>
+            </a:r>
+            <a:r>
+              <a:rPr lang="pt-BR" b="1" cap="all" dirty="0" smtClean="0">
                 <a:ln w="9000" cmpd="sng">
                   <a:solidFill>
                     <a:schemeClr val="accent4">
@@ -20974,7 +21034,7 @@
                   <a:reflection blurRad="12700" stA="28000" endPos="45000" dist="1000" dir="5400000" sy="-100000" algn="bl" rotWithShape="0"/>
                 </a:effectLst>
               </a:rPr>
-              <a:t>mining</a:t>
+              <a:t>Cluster</a:t>
             </a:r>
             <a:endParaRPr lang="pt-BR" b="1" cap="all" dirty="0">
               <a:ln w="9000" cmpd="sng">
@@ -21031,23 +21091,517 @@
             <p:ph sz="quarter" idx="1"/>
           </p:nvPr>
         </p:nvSpPr>
-        <p:spPr/>
+        <p:spPr>
+          <a:xfrm>
+            <a:off x="914400" y="1447800"/>
+            <a:ext cx="3009528" cy="2125216"/>
+          </a:xfrm>
+        </p:spPr>
         <p:txBody>
-          <a:bodyPr/>
+          <a:bodyPr numCol="1">
+            <a:noAutofit/>
+          </a:bodyPr>
           <a:lstStyle/>
           <a:p>
-            <a:r>
-              <a:rPr lang="pt-BR" dirty="0" smtClean="0"/>
-              <a:t>Classificação:</a:t>
-            </a:r>
-          </a:p>
-          <a:p>
-            <a:pPr lvl="1"/>
+            <a:pPr marL="274320" lvl="1" indent="-274320">
+              <a:lnSpc>
+                <a:spcPct val="160000"/>
+              </a:lnSpc>
+              <a:spcBef>
+                <a:spcPts val="580"/>
+              </a:spcBef>
+              <a:buClr>
+                <a:schemeClr val="accent1"/>
+              </a:buClr>
+            </a:pPr>
+            <a:r>
+              <a:rPr lang="pt-BR" sz="2000" dirty="0" smtClean="0"/>
+              <a:t>3.260 </a:t>
+            </a:r>
+            <a:r>
+              <a:rPr lang="pt-BR" sz="2000" dirty="0"/>
+              <a:t>registros</a:t>
+            </a:r>
+            <a:r>
+              <a:rPr lang="pt-BR" sz="2000" dirty="0" smtClean="0"/>
+              <a:t>;</a:t>
+            </a:r>
+            <a:endParaRPr lang="pt-BR" sz="1800" dirty="0" smtClean="0"/>
+          </a:p>
+          <a:p>
+            <a:pPr marL="274320" lvl="1" indent="-274320">
+              <a:lnSpc>
+                <a:spcPct val="160000"/>
+              </a:lnSpc>
+              <a:spcBef>
+                <a:spcPts val="580"/>
+              </a:spcBef>
+              <a:buClr>
+                <a:schemeClr val="accent1"/>
+              </a:buClr>
+            </a:pPr>
             <a:endParaRPr lang="pt-BR" dirty="0"/>
+          </a:p>
+          <a:p>
+            <a:pPr>
+              <a:lnSpc>
+                <a:spcPct val="160000"/>
+              </a:lnSpc>
+            </a:pPr>
+            <a:endParaRPr lang="pt-BR" sz="2400" dirty="0" smtClean="0"/>
+          </a:p>
+        </p:txBody>
+      </p:sp>
+      <p:graphicFrame>
+        <p:nvGraphicFramePr>
+          <p:cNvPr id="4" name="Tabela 3"/>
+          <p:cNvGraphicFramePr>
+            <a:graphicFrameLocks noGrp="1"/>
+          </p:cNvGraphicFramePr>
+          <p:nvPr>
+            <p:extLst>
+              <p:ext uri="{D42A27DB-BD31-4B8C-83A1-F6EECF244321}">
+                <p14:modId xmlns:p14="http://schemas.microsoft.com/office/powerpoint/2010/main" val="2636149073"/>
+              </p:ext>
+            </p:extLst>
+          </p:nvPr>
+        </p:nvGraphicFramePr>
+        <p:xfrm>
+          <a:off x="3707904" y="2492896"/>
+          <a:ext cx="4871864" cy="1544658"/>
+        </p:xfrm>
+        <a:graphic>
+          <a:graphicData uri="http://schemas.openxmlformats.org/drawingml/2006/table">
+            <a:tbl>
+              <a:tblPr firstRow="1" bandRow="1">
+                <a:tableStyleId>{5C22544A-7EE6-4342-B048-85BDC9FD1C3A}</a:tableStyleId>
+              </a:tblPr>
+              <a:tblGrid>
+                <a:gridCol w="2435932"/>
+                <a:gridCol w="2435932"/>
+              </a:tblGrid>
+              <a:tr h="772329">
+                <a:tc>
+                  <a:txBody>
+                    <a:bodyPr/>
+                    <a:lstStyle/>
+                    <a:p>
+                      <a:r>
+                        <a:rPr lang="pt-BR" dirty="0" smtClean="0"/>
+                        <a:t>Algoritmo</a:t>
+                      </a:r>
+                      <a:endParaRPr lang="pt-BR" dirty="0"/>
+                    </a:p>
+                  </a:txBody>
+                  <a:tcPr anchor="ctr"/>
+                </a:tc>
+                <a:tc>
+                  <a:txBody>
+                    <a:bodyPr/>
+                    <a:lstStyle/>
+                    <a:p>
+                      <a:r>
+                        <a:rPr lang="pt-BR" dirty="0" smtClean="0"/>
+                        <a:t>Número de cluster</a:t>
+                      </a:r>
+                      <a:endParaRPr lang="pt-BR" dirty="0"/>
+                    </a:p>
+                  </a:txBody>
+                  <a:tcPr anchor="ctr"/>
+                </a:tc>
+              </a:tr>
+              <a:tr h="772329">
+                <a:tc>
+                  <a:txBody>
+                    <a:bodyPr/>
+                    <a:lstStyle/>
+                    <a:p>
+                      <a:r>
+                        <a:rPr lang="pt-BR" dirty="0" smtClean="0"/>
+                        <a:t>K-</a:t>
+                      </a:r>
+                      <a:r>
+                        <a:rPr lang="pt-BR" dirty="0" err="1" smtClean="0"/>
+                        <a:t>means</a:t>
+                      </a:r>
+                      <a:endParaRPr lang="pt-BR" dirty="0"/>
+                    </a:p>
+                  </a:txBody>
+                  <a:tcPr anchor="ctr"/>
+                </a:tc>
+                <a:tc>
+                  <a:txBody>
+                    <a:bodyPr/>
+                    <a:lstStyle/>
+                    <a:p>
+                      <a:r>
+                        <a:rPr lang="pt-BR" dirty="0" smtClean="0"/>
+                        <a:t>4</a:t>
+                      </a:r>
+                      <a:endParaRPr lang="pt-BR" dirty="0"/>
+                    </a:p>
+                  </a:txBody>
+                  <a:tcPr anchor="ctr"/>
+                </a:tc>
+              </a:tr>
+            </a:tbl>
+          </a:graphicData>
+        </a:graphic>
+      </p:graphicFrame>
+      <p:sp>
+        <p:nvSpPr>
+          <p:cNvPr id="7" name="Espaço Reservado para Conteúdo 27"/>
+          <p:cNvSpPr txBox="1">
+            <a:spLocks/>
+          </p:cNvSpPr>
+          <p:nvPr/>
+        </p:nvSpPr>
+        <p:spPr>
+          <a:xfrm>
+            <a:off x="899592" y="2009867"/>
+            <a:ext cx="4834880" cy="2125216"/>
+          </a:xfrm>
+          <a:prstGeom prst="rect">
+            <a:avLst/>
+          </a:prstGeom>
+        </p:spPr>
+        <p:txBody>
+          <a:bodyPr vert="horz" numCol="2">
+            <a:noAutofit/>
+          </a:bodyPr>
+          <a:lstStyle>
+            <a:lvl1pPr marL="274320" indent="-274320" algn="l" rtl="0" eaLnBrk="1" latinLnBrk="0" hangingPunct="1">
+              <a:spcBef>
+                <a:spcPts val="580"/>
+              </a:spcBef>
+              <a:buClr>
+                <a:schemeClr val="accent1"/>
+              </a:buClr>
+              <a:buSzPct val="85000"/>
+              <a:buFont typeface="Wingdings 2"/>
+              <a:buChar char=""/>
+              <a:defRPr kumimoji="0" sz="2600" kern="1200">
+                <a:solidFill>
+                  <a:schemeClr val="tx1"/>
+                </a:solidFill>
+                <a:latin typeface="+mn-lt"/>
+                <a:ea typeface="+mn-ea"/>
+                <a:cs typeface="+mn-cs"/>
+              </a:defRPr>
+            </a:lvl1pPr>
+            <a:lvl2pPr marL="548640" indent="-228600" algn="l" rtl="0" eaLnBrk="1" latinLnBrk="0" hangingPunct="1">
+              <a:spcBef>
+                <a:spcPts val="370"/>
+              </a:spcBef>
+              <a:buClr>
+                <a:schemeClr val="accent2"/>
+              </a:buClr>
+              <a:buSzPct val="85000"/>
+              <a:buFont typeface="Wingdings 2"/>
+              <a:buChar char=""/>
+              <a:defRPr kumimoji="0" sz="2400" kern="1200">
+                <a:solidFill>
+                  <a:schemeClr val="tx1"/>
+                </a:solidFill>
+                <a:latin typeface="+mn-lt"/>
+                <a:ea typeface="+mn-ea"/>
+                <a:cs typeface="+mn-cs"/>
+              </a:defRPr>
+            </a:lvl2pPr>
+            <a:lvl3pPr marL="822960" indent="-228600" algn="l" rtl="0" eaLnBrk="1" latinLnBrk="0" hangingPunct="1">
+              <a:spcBef>
+                <a:spcPts val="370"/>
+              </a:spcBef>
+              <a:buClr>
+                <a:schemeClr val="accent1">
+                  <a:tint val="60000"/>
+                </a:schemeClr>
+              </a:buClr>
+              <a:buSzPct val="85000"/>
+              <a:buFont typeface="Wingdings 2"/>
+              <a:buChar char=""/>
+              <a:defRPr kumimoji="0" sz="2000" kern="1200">
+                <a:solidFill>
+                  <a:schemeClr val="tx1"/>
+                </a:solidFill>
+                <a:latin typeface="+mn-lt"/>
+                <a:ea typeface="+mn-ea"/>
+                <a:cs typeface="+mn-cs"/>
+              </a:defRPr>
+            </a:lvl3pPr>
+            <a:lvl4pPr marL="1097280" indent="-228600" algn="l" rtl="0" eaLnBrk="1" latinLnBrk="0" hangingPunct="1">
+              <a:spcBef>
+                <a:spcPts val="370"/>
+              </a:spcBef>
+              <a:buClr>
+                <a:schemeClr val="accent3"/>
+              </a:buClr>
+              <a:buSzPct val="80000"/>
+              <a:buFont typeface="Wingdings 2"/>
+              <a:buChar char=""/>
+              <a:defRPr kumimoji="0" sz="2000" kern="1200">
+                <a:solidFill>
+                  <a:schemeClr val="tx1"/>
+                </a:solidFill>
+                <a:latin typeface="+mn-lt"/>
+                <a:ea typeface="+mn-ea"/>
+                <a:cs typeface="+mn-cs"/>
+              </a:defRPr>
+            </a:lvl4pPr>
+            <a:lvl5pPr marL="1371600" indent="-228600" algn="l" rtl="0" eaLnBrk="1" latinLnBrk="0" hangingPunct="1">
+              <a:spcBef>
+                <a:spcPts val="370"/>
+              </a:spcBef>
+              <a:buClr>
+                <a:schemeClr val="accent3"/>
+              </a:buClr>
+              <a:buFontTx/>
+              <a:buChar char="o"/>
+              <a:defRPr kumimoji="0" sz="2000" kern="1200">
+                <a:solidFill>
+                  <a:schemeClr val="tx1"/>
+                </a:solidFill>
+                <a:latin typeface="+mn-lt"/>
+                <a:ea typeface="+mn-ea"/>
+                <a:cs typeface="+mn-cs"/>
+              </a:defRPr>
+            </a:lvl5pPr>
+            <a:lvl6pPr marL="1645920" indent="-228600" algn="l" rtl="0" eaLnBrk="1" latinLnBrk="0" hangingPunct="1">
+              <a:spcBef>
+                <a:spcPts val="370"/>
+              </a:spcBef>
+              <a:buClr>
+                <a:schemeClr val="accent3"/>
+              </a:buClr>
+              <a:buChar char="•"/>
+              <a:defRPr kumimoji="0" sz="1800" kern="1200" baseline="0">
+                <a:solidFill>
+                  <a:schemeClr val="tx1"/>
+                </a:solidFill>
+                <a:latin typeface="+mn-lt"/>
+                <a:ea typeface="+mn-ea"/>
+                <a:cs typeface="+mn-cs"/>
+              </a:defRPr>
+            </a:lvl6pPr>
+            <a:lvl7pPr marL="1920240" indent="-228600" algn="l" rtl="0" eaLnBrk="1" latinLnBrk="0" hangingPunct="1">
+              <a:spcBef>
+                <a:spcPts val="370"/>
+              </a:spcBef>
+              <a:buClr>
+                <a:schemeClr val="accent2"/>
+              </a:buClr>
+              <a:buChar char="•"/>
+              <a:defRPr kumimoji="0" sz="1800" kern="1200">
+                <a:solidFill>
+                  <a:schemeClr val="tx1"/>
+                </a:solidFill>
+                <a:latin typeface="+mn-lt"/>
+                <a:ea typeface="+mn-ea"/>
+                <a:cs typeface="+mn-cs"/>
+              </a:defRPr>
+            </a:lvl7pPr>
+            <a:lvl8pPr marL="2194560" indent="-228600" algn="l" rtl="0" eaLnBrk="1" latinLnBrk="0" hangingPunct="1">
+              <a:spcBef>
+                <a:spcPts val="370"/>
+              </a:spcBef>
+              <a:buClr>
+                <a:schemeClr val="accent1">
+                  <a:tint val="60000"/>
+                </a:schemeClr>
+              </a:buClr>
+              <a:buChar char="•"/>
+              <a:defRPr kumimoji="0" sz="1800" kern="1200">
+                <a:solidFill>
+                  <a:schemeClr val="tx1"/>
+                </a:solidFill>
+                <a:latin typeface="+mn-lt"/>
+                <a:ea typeface="+mn-ea"/>
+                <a:cs typeface="+mn-cs"/>
+              </a:defRPr>
+            </a:lvl8pPr>
+            <a:lvl9pPr marL="2468880" indent="-228600" algn="l" rtl="0" eaLnBrk="1" latinLnBrk="0" hangingPunct="1">
+              <a:spcBef>
+                <a:spcPts val="370"/>
+              </a:spcBef>
+              <a:buClr>
+                <a:schemeClr val="accent2">
+                  <a:tint val="60000"/>
+                </a:schemeClr>
+              </a:buClr>
+              <a:buChar char="•"/>
+              <a:defRPr kumimoji="0" sz="1800" kern="1200">
+                <a:solidFill>
+                  <a:schemeClr val="tx1"/>
+                </a:solidFill>
+                <a:latin typeface="+mn-lt"/>
+                <a:ea typeface="+mn-ea"/>
+                <a:cs typeface="+mn-cs"/>
+              </a:defRPr>
+            </a:lvl9pPr>
+          </a:lstStyle>
+          <a:p>
+            <a:pPr marL="274320" lvl="1" indent="-274320">
+              <a:lnSpc>
+                <a:spcPct val="160000"/>
+              </a:lnSpc>
+              <a:spcBef>
+                <a:spcPts val="580"/>
+              </a:spcBef>
+              <a:buClr>
+                <a:schemeClr val="accent1"/>
+              </a:buClr>
+            </a:pPr>
+            <a:r>
+              <a:rPr lang="pt-BR" sz="2000" dirty="0" smtClean="0"/>
+              <a:t>13 campos:</a:t>
+            </a:r>
+          </a:p>
+          <a:p>
+            <a:pPr lvl="1">
+              <a:lnSpc>
+                <a:spcPct val="150000"/>
+              </a:lnSpc>
+            </a:pPr>
+            <a:r>
+              <a:rPr lang="pt-BR" sz="2000" dirty="0" err="1" smtClean="0"/>
+              <a:t>State</a:t>
+            </a:r>
+            <a:r>
+              <a:rPr lang="pt-BR" sz="2000" dirty="0" smtClean="0"/>
+              <a:t>;</a:t>
+            </a:r>
+          </a:p>
+          <a:p>
+            <a:pPr lvl="1">
+              <a:lnSpc>
+                <a:spcPct val="150000"/>
+              </a:lnSpc>
+            </a:pPr>
+            <a:r>
+              <a:rPr lang="pt-BR" sz="2000" dirty="0" err="1" smtClean="0"/>
+              <a:t>Skills</a:t>
+            </a:r>
+            <a:r>
+              <a:rPr lang="pt-BR" sz="2000" dirty="0" smtClean="0"/>
+              <a:t>;</a:t>
+            </a:r>
+          </a:p>
+          <a:p>
+            <a:pPr lvl="1">
+              <a:lnSpc>
+                <a:spcPct val="150000"/>
+              </a:lnSpc>
+            </a:pPr>
+            <a:r>
+              <a:rPr lang="pt-BR" sz="2000" dirty="0" err="1" smtClean="0"/>
+              <a:t>Education</a:t>
+            </a:r>
+            <a:r>
+              <a:rPr lang="pt-BR" sz="2000" dirty="0" smtClean="0"/>
+              <a:t>;</a:t>
+            </a:r>
+          </a:p>
+          <a:p>
+            <a:pPr lvl="1">
+              <a:lnSpc>
+                <a:spcPct val="150000"/>
+              </a:lnSpc>
+            </a:pPr>
+            <a:r>
+              <a:rPr lang="pt-BR" sz="2000" dirty="0" err="1" smtClean="0"/>
+              <a:t>Language</a:t>
+            </a:r>
+            <a:r>
+              <a:rPr lang="pt-BR" sz="2000" dirty="0" smtClean="0"/>
+              <a:t>.</a:t>
+            </a:r>
+          </a:p>
+          <a:p>
+            <a:pPr marL="274320" lvl="1" indent="-274320">
+              <a:lnSpc>
+                <a:spcPct val="160000"/>
+              </a:lnSpc>
+              <a:spcBef>
+                <a:spcPts val="580"/>
+              </a:spcBef>
+              <a:buClr>
+                <a:schemeClr val="accent1"/>
+              </a:buClr>
+            </a:pPr>
+            <a:endParaRPr lang="pt-BR" sz="2000" dirty="0" smtClean="0"/>
+          </a:p>
+          <a:p>
+            <a:pPr marL="274320" lvl="1" indent="-274320">
+              <a:lnSpc>
+                <a:spcPct val="160000"/>
+              </a:lnSpc>
+              <a:spcBef>
+                <a:spcPts val="580"/>
+              </a:spcBef>
+              <a:buClr>
+                <a:schemeClr val="accent1"/>
+              </a:buClr>
+            </a:pPr>
+            <a:endParaRPr lang="pt-BR" sz="2000" dirty="0" smtClean="0"/>
+          </a:p>
+          <a:p>
+            <a:pPr marL="274320" lvl="1" indent="-274320">
+              <a:lnSpc>
+                <a:spcPct val="160000"/>
+              </a:lnSpc>
+              <a:spcBef>
+                <a:spcPts val="580"/>
+              </a:spcBef>
+              <a:buClr>
+                <a:schemeClr val="accent1"/>
+              </a:buClr>
+            </a:pPr>
+            <a:endParaRPr lang="pt-BR" sz="2000" dirty="0" smtClean="0"/>
+          </a:p>
+          <a:p>
+            <a:pPr marL="548640" lvl="2" indent="-274320">
+              <a:lnSpc>
+                <a:spcPct val="160000"/>
+              </a:lnSpc>
+              <a:spcBef>
+                <a:spcPts val="580"/>
+              </a:spcBef>
+              <a:buClr>
+                <a:schemeClr val="accent1"/>
+              </a:buClr>
+            </a:pPr>
+            <a:endParaRPr lang="pt-BR" sz="1800" dirty="0" smtClean="0"/>
+          </a:p>
+          <a:p>
+            <a:pPr marL="274320" lvl="1" indent="-274320">
+              <a:lnSpc>
+                <a:spcPct val="160000"/>
+              </a:lnSpc>
+              <a:spcBef>
+                <a:spcPts val="580"/>
+              </a:spcBef>
+              <a:buClr>
+                <a:schemeClr val="accent1"/>
+              </a:buClr>
+            </a:pPr>
+            <a:endParaRPr lang="pt-BR" dirty="0" smtClean="0"/>
+          </a:p>
+          <a:p>
+            <a:pPr>
+              <a:lnSpc>
+                <a:spcPct val="160000"/>
+              </a:lnSpc>
+            </a:pPr>
+            <a:endParaRPr lang="pt-BR" sz="2400" dirty="0" smtClean="0"/>
           </a:p>
         </p:txBody>
       </p:sp>
     </p:spTree>
+    <p:extLst>
+      <p:ext uri="{BB962C8B-B14F-4D97-AF65-F5344CB8AC3E}">
+        <p14:creationId xmlns:p14="http://schemas.microsoft.com/office/powerpoint/2010/main" val="1831484373"/>
+      </p:ext>
+    </p:extLst>
   </p:cSld>
   <p:clrMapOvr>
     <a:masterClrMapping/>
@@ -21091,6 +21645,1419 @@
         </p:nvSpPr>
         <p:spPr/>
         <p:txBody>
+          <a:bodyPr>
+            <a:normAutofit/>
+          </a:bodyPr>
+          <a:lstStyle/>
+          <a:p>
+            <a:pPr algn="ctr"/>
+            <a:r>
+              <a:rPr lang="pt-BR" sz="3200" b="1" cap="all" dirty="0" smtClean="0">
+                <a:ln w="9000" cmpd="sng">
+                  <a:solidFill>
+                    <a:schemeClr val="accent4">
+                      <a:shade val="50000"/>
+                      <a:satMod val="120000"/>
+                    </a:schemeClr>
+                  </a:solidFill>
+                  <a:prstDash val="solid"/>
+                </a:ln>
+                <a:gradFill>
+                  <a:gsLst>
+                    <a:gs pos="0">
+                      <a:schemeClr val="accent4">
+                        <a:shade val="20000"/>
+                        <a:satMod val="245000"/>
+                      </a:schemeClr>
+                    </a:gs>
+                    <a:gs pos="43000">
+                      <a:schemeClr val="accent4">
+                        <a:satMod val="255000"/>
+                      </a:schemeClr>
+                    </a:gs>
+                    <a:gs pos="48000">
+                      <a:schemeClr val="accent4">
+                        <a:shade val="85000"/>
+                        <a:satMod val="255000"/>
+                      </a:schemeClr>
+                    </a:gs>
+                    <a:gs pos="100000">
+                      <a:schemeClr val="accent4">
+                        <a:shade val="20000"/>
+                        <a:satMod val="245000"/>
+                      </a:schemeClr>
+                    </a:gs>
+                  </a:gsLst>
+                  <a:lin ang="5400000"/>
+                </a:gradFill>
+                <a:effectLst>
+                  <a:reflection blurRad="12700" stA="28000" endPos="45000" dist="1000" dir="5400000" sy="-100000" algn="bl" rotWithShape="0"/>
+                </a:effectLst>
+              </a:rPr>
+              <a:t>Metodologia – </a:t>
+            </a:r>
+            <a:r>
+              <a:rPr lang="pt-BR" sz="3200" b="1" cap="all" dirty="0" smtClean="0">
+                <a:ln w="9000" cmpd="sng">
+                  <a:solidFill>
+                    <a:schemeClr val="accent4">
+                      <a:shade val="50000"/>
+                      <a:satMod val="120000"/>
+                    </a:schemeClr>
+                  </a:solidFill>
+                  <a:prstDash val="solid"/>
+                </a:ln>
+                <a:gradFill>
+                  <a:gsLst>
+                    <a:gs pos="0">
+                      <a:schemeClr val="accent4">
+                        <a:shade val="20000"/>
+                        <a:satMod val="245000"/>
+                      </a:schemeClr>
+                    </a:gs>
+                    <a:gs pos="43000">
+                      <a:schemeClr val="accent4">
+                        <a:satMod val="255000"/>
+                      </a:schemeClr>
+                    </a:gs>
+                    <a:gs pos="48000">
+                      <a:schemeClr val="accent4">
+                        <a:shade val="85000"/>
+                        <a:satMod val="255000"/>
+                      </a:schemeClr>
+                    </a:gs>
+                    <a:gs pos="100000">
+                      <a:schemeClr val="accent4">
+                        <a:shade val="20000"/>
+                        <a:satMod val="245000"/>
+                      </a:schemeClr>
+                    </a:gs>
+                  </a:gsLst>
+                  <a:lin ang="5400000"/>
+                </a:gradFill>
+                <a:effectLst>
+                  <a:reflection blurRad="12700" stA="28000" endPos="45000" dist="1000" dir="5400000" sy="-100000" algn="bl" rotWithShape="0"/>
+                </a:effectLst>
+              </a:rPr>
+              <a:t>Classificação</a:t>
+            </a:r>
+            <a:endParaRPr lang="pt-BR" sz="3200" b="1" cap="all" dirty="0">
+              <a:ln w="9000" cmpd="sng">
+                <a:solidFill>
+                  <a:schemeClr val="accent4">
+                    <a:shade val="50000"/>
+                    <a:satMod val="120000"/>
+                  </a:schemeClr>
+                </a:solidFill>
+                <a:prstDash val="solid"/>
+              </a:ln>
+              <a:gradFill>
+                <a:gsLst>
+                  <a:gs pos="0">
+                    <a:schemeClr val="accent4">
+                      <a:shade val="20000"/>
+                      <a:satMod val="245000"/>
+                    </a:schemeClr>
+                  </a:gs>
+                  <a:gs pos="43000">
+                    <a:schemeClr val="accent4">
+                      <a:satMod val="255000"/>
+                    </a:schemeClr>
+                  </a:gs>
+                  <a:gs pos="48000">
+                    <a:schemeClr val="accent4">
+                      <a:shade val="85000"/>
+                      <a:satMod val="255000"/>
+                    </a:schemeClr>
+                  </a:gs>
+                  <a:gs pos="100000">
+                    <a:schemeClr val="accent4">
+                      <a:shade val="20000"/>
+                      <a:satMod val="245000"/>
+                    </a:schemeClr>
+                  </a:gs>
+                </a:gsLst>
+                <a:lin ang="5400000"/>
+              </a:gradFill>
+              <a:effectLst>
+                <a:reflection blurRad="12700" stA="28000" endPos="45000" dist="1000" dir="5400000" sy="-100000" algn="bl" rotWithShape="0"/>
+              </a:effectLst>
+            </a:endParaRPr>
+          </a:p>
+        </p:txBody>
+      </p:sp>
+      <p:sp>
+        <p:nvSpPr>
+          <p:cNvPr id="28" name="Espaço Reservado para Conteúdo 27"/>
+          <p:cNvSpPr>
+            <a:spLocks noGrp="1"/>
+          </p:cNvSpPr>
+          <p:nvPr>
+            <p:ph sz="quarter" idx="1"/>
+          </p:nvPr>
+        </p:nvSpPr>
+        <p:spPr>
+          <a:xfrm>
+            <a:off x="323528" y="1447800"/>
+            <a:ext cx="3816424" cy="2269232"/>
+          </a:xfrm>
+        </p:spPr>
+        <p:txBody>
+          <a:bodyPr numCol="1">
+            <a:noAutofit/>
+          </a:bodyPr>
+          <a:lstStyle/>
+          <a:p>
+            <a:pPr marL="274320" lvl="1" indent="-274320">
+              <a:lnSpc>
+                <a:spcPct val="160000"/>
+              </a:lnSpc>
+              <a:spcBef>
+                <a:spcPts val="580"/>
+              </a:spcBef>
+              <a:buClr>
+                <a:schemeClr val="accent1"/>
+              </a:buClr>
+            </a:pPr>
+            <a:r>
+              <a:rPr lang="pt-BR" sz="1800" dirty="0"/>
+              <a:t>109.606 </a:t>
+            </a:r>
+            <a:r>
+              <a:rPr lang="pt-BR" sz="1800" dirty="0" smtClean="0"/>
+              <a:t>registros:</a:t>
+            </a:r>
+          </a:p>
+          <a:p>
+            <a:pPr marL="548640" lvl="2" indent="-274320">
+              <a:lnSpc>
+                <a:spcPct val="160000"/>
+              </a:lnSpc>
+              <a:spcBef>
+                <a:spcPts val="580"/>
+              </a:spcBef>
+              <a:buClr>
+                <a:schemeClr val="accent1"/>
+              </a:buClr>
+            </a:pPr>
+            <a:r>
+              <a:rPr lang="pt-BR" sz="1400" dirty="0" smtClean="0"/>
+              <a:t>60.000 foram utilizados (</a:t>
+            </a:r>
+            <a:r>
+              <a:rPr lang="pt-BR" sz="1400" dirty="0" err="1" smtClean="0"/>
+              <a:t>glassdoor</a:t>
+            </a:r>
+            <a:r>
+              <a:rPr lang="pt-BR" sz="1400" dirty="0" smtClean="0"/>
+              <a:t>).</a:t>
+            </a:r>
+          </a:p>
+          <a:p>
+            <a:pPr marL="274320" lvl="1" indent="-274320">
+              <a:lnSpc>
+                <a:spcPct val="160000"/>
+              </a:lnSpc>
+              <a:spcBef>
+                <a:spcPts val="580"/>
+              </a:spcBef>
+              <a:buClr>
+                <a:schemeClr val="accent1"/>
+              </a:buClr>
+            </a:pPr>
+            <a:r>
+              <a:rPr lang="pt-BR" sz="1800" dirty="0" smtClean="0"/>
+              <a:t>17 campos:</a:t>
+            </a:r>
+          </a:p>
+          <a:p>
+            <a:pPr marL="548640" lvl="2" indent="-274320">
+              <a:lnSpc>
+                <a:spcPct val="160000"/>
+              </a:lnSpc>
+              <a:spcBef>
+                <a:spcPts val="580"/>
+              </a:spcBef>
+              <a:buClr>
+                <a:schemeClr val="accent1"/>
+              </a:buClr>
+            </a:pPr>
+            <a:r>
+              <a:rPr lang="pt-BR" sz="1400" dirty="0" err="1" smtClean="0"/>
+              <a:t>Title</a:t>
+            </a:r>
+            <a:endParaRPr lang="pt-BR" sz="1400" dirty="0" smtClean="0"/>
+          </a:p>
+          <a:p>
+            <a:pPr marL="548640" lvl="2" indent="-274320">
+              <a:lnSpc>
+                <a:spcPct val="160000"/>
+              </a:lnSpc>
+              <a:spcBef>
+                <a:spcPts val="580"/>
+              </a:spcBef>
+              <a:buClr>
+                <a:schemeClr val="accent1"/>
+              </a:buClr>
+            </a:pPr>
+            <a:r>
+              <a:rPr lang="pt-BR" sz="1400" dirty="0" err="1" smtClean="0"/>
+              <a:t>Recommend</a:t>
+            </a:r>
+            <a:r>
+              <a:rPr lang="pt-BR" sz="1400" dirty="0" smtClean="0"/>
+              <a:t>.</a:t>
+            </a:r>
+          </a:p>
+        </p:txBody>
+      </p:sp>
+      <p:graphicFrame>
+        <p:nvGraphicFramePr>
+          <p:cNvPr id="4" name="Tabela 3"/>
+          <p:cNvGraphicFramePr>
+            <a:graphicFrameLocks noGrp="1"/>
+          </p:cNvGraphicFramePr>
+          <p:nvPr>
+            <p:extLst>
+              <p:ext uri="{D42A27DB-BD31-4B8C-83A1-F6EECF244321}">
+                <p14:modId xmlns:p14="http://schemas.microsoft.com/office/powerpoint/2010/main" val="2986115100"/>
+              </p:ext>
+            </p:extLst>
+          </p:nvPr>
+        </p:nvGraphicFramePr>
+        <p:xfrm>
+          <a:off x="1431709" y="4077072"/>
+          <a:ext cx="6096000" cy="1112520"/>
+        </p:xfrm>
+        <a:graphic>
+          <a:graphicData uri="http://schemas.openxmlformats.org/drawingml/2006/table">
+            <a:tbl>
+              <a:tblPr firstRow="1" bandRow="1">
+                <a:tableStyleId>{5C22544A-7EE6-4342-B048-85BDC9FD1C3A}</a:tableStyleId>
+              </a:tblPr>
+              <a:tblGrid>
+                <a:gridCol w="3048000"/>
+                <a:gridCol w="3048000"/>
+              </a:tblGrid>
+              <a:tr h="370840">
+                <a:tc>
+                  <a:txBody>
+                    <a:bodyPr/>
+                    <a:lstStyle/>
+                    <a:p>
+                      <a:r>
+                        <a:rPr lang="pt-BR" dirty="0" smtClean="0"/>
+                        <a:t>Variável Dependente</a:t>
+                      </a:r>
+                      <a:endParaRPr lang="pt-BR" dirty="0"/>
+                    </a:p>
+                  </a:txBody>
+                  <a:tcPr/>
+                </a:tc>
+                <a:tc>
+                  <a:txBody>
+                    <a:bodyPr/>
+                    <a:lstStyle/>
+                    <a:p>
+                      <a:endParaRPr lang="pt-BR" dirty="0"/>
+                    </a:p>
+                  </a:txBody>
+                  <a:tcPr/>
+                </a:tc>
+              </a:tr>
+              <a:tr h="370840">
+                <a:tc>
+                  <a:txBody>
+                    <a:bodyPr/>
+                    <a:lstStyle/>
+                    <a:p>
+                      <a:r>
+                        <a:rPr lang="pt-BR" dirty="0" err="1" smtClean="0"/>
+                        <a:t>Name</a:t>
+                      </a:r>
+                      <a:endParaRPr lang="pt-BR" dirty="0"/>
+                    </a:p>
+                  </a:txBody>
+                  <a:tcPr/>
+                </a:tc>
+                <a:tc>
+                  <a:txBody>
+                    <a:bodyPr/>
+                    <a:lstStyle/>
+                    <a:p>
+                      <a:r>
+                        <a:rPr lang="pt-BR" dirty="0" smtClean="0"/>
+                        <a:t>% </a:t>
+                      </a:r>
+                      <a:r>
+                        <a:rPr lang="pt-BR" dirty="0" err="1" smtClean="0"/>
+                        <a:t>Populated</a:t>
+                      </a:r>
+                      <a:endParaRPr lang="pt-BR" dirty="0"/>
+                    </a:p>
+                  </a:txBody>
+                  <a:tcPr/>
+                </a:tc>
+              </a:tr>
+              <a:tr h="370840">
+                <a:tc>
+                  <a:txBody>
+                    <a:bodyPr/>
+                    <a:lstStyle/>
+                    <a:p>
+                      <a:endParaRPr lang="pt-BR" dirty="0"/>
+                    </a:p>
+                  </a:txBody>
+                  <a:tcPr/>
+                </a:tc>
+                <a:tc>
+                  <a:txBody>
+                    <a:bodyPr/>
+                    <a:lstStyle/>
+                    <a:p>
+                      <a:endParaRPr lang="pt-BR" dirty="0"/>
+                    </a:p>
+                  </a:txBody>
+                  <a:tcPr/>
+                </a:tc>
+              </a:tr>
+            </a:tbl>
+          </a:graphicData>
+        </a:graphic>
+      </p:graphicFrame>
+      <p:graphicFrame>
+        <p:nvGraphicFramePr>
+          <p:cNvPr id="6" name="Tabela 5"/>
+          <p:cNvGraphicFramePr>
+            <a:graphicFrameLocks noGrp="1"/>
+          </p:cNvGraphicFramePr>
+          <p:nvPr>
+            <p:extLst>
+              <p:ext uri="{D42A27DB-BD31-4B8C-83A1-F6EECF244321}">
+                <p14:modId xmlns:p14="http://schemas.microsoft.com/office/powerpoint/2010/main" val="4212620070"/>
+              </p:ext>
+            </p:extLst>
+          </p:nvPr>
+        </p:nvGraphicFramePr>
+        <p:xfrm>
+          <a:off x="1431709" y="5445224"/>
+          <a:ext cx="6096000" cy="1112520"/>
+        </p:xfrm>
+        <a:graphic>
+          <a:graphicData uri="http://schemas.openxmlformats.org/drawingml/2006/table">
+            <a:tbl>
+              <a:tblPr firstRow="1" bandRow="1">
+                <a:tableStyleId>{5C22544A-7EE6-4342-B048-85BDC9FD1C3A}</a:tableStyleId>
+              </a:tblPr>
+              <a:tblGrid>
+                <a:gridCol w="3048000"/>
+                <a:gridCol w="3048000"/>
+              </a:tblGrid>
+              <a:tr h="370840">
+                <a:tc>
+                  <a:txBody>
+                    <a:bodyPr/>
+                    <a:lstStyle/>
+                    <a:p>
+                      <a:pPr marL="0" marR="0" indent="0" algn="l" defTabSz="914400" rtl="0" eaLnBrk="1" fontAlgn="auto" latinLnBrk="0" hangingPunct="1">
+                        <a:lnSpc>
+                          <a:spcPct val="100000"/>
+                        </a:lnSpc>
+                        <a:spcBef>
+                          <a:spcPts val="0"/>
+                        </a:spcBef>
+                        <a:spcAft>
+                          <a:spcPts val="0"/>
+                        </a:spcAft>
+                        <a:buClrTx/>
+                        <a:buSzTx/>
+                        <a:buFontTx/>
+                        <a:buNone/>
+                        <a:tabLst/>
+                        <a:defRPr/>
+                      </a:pPr>
+                      <a:r>
+                        <a:rPr lang="pt-BR" dirty="0" smtClean="0"/>
+                        <a:t>Variável Independente</a:t>
+                      </a:r>
+                      <a:endParaRPr lang="pt-BR" dirty="0"/>
+                    </a:p>
+                  </a:txBody>
+                  <a:tcPr/>
+                </a:tc>
+                <a:tc>
+                  <a:txBody>
+                    <a:bodyPr/>
+                    <a:lstStyle/>
+                    <a:p>
+                      <a:endParaRPr lang="pt-BR" dirty="0"/>
+                    </a:p>
+                  </a:txBody>
+                  <a:tcPr/>
+                </a:tc>
+              </a:tr>
+              <a:tr h="370840">
+                <a:tc>
+                  <a:txBody>
+                    <a:bodyPr/>
+                    <a:lstStyle/>
+                    <a:p>
+                      <a:r>
+                        <a:rPr lang="pt-BR" dirty="0" err="1" smtClean="0"/>
+                        <a:t>Name</a:t>
+                      </a:r>
+                      <a:endParaRPr lang="pt-BR" dirty="0"/>
+                    </a:p>
+                  </a:txBody>
+                  <a:tcPr/>
+                </a:tc>
+                <a:tc>
+                  <a:txBody>
+                    <a:bodyPr/>
+                    <a:lstStyle/>
+                    <a:p>
+                      <a:r>
+                        <a:rPr lang="pt-BR" dirty="0" smtClean="0"/>
+                        <a:t>% </a:t>
+                      </a:r>
+                      <a:r>
+                        <a:rPr lang="pt-BR" dirty="0" err="1" smtClean="0"/>
+                        <a:t>Populated</a:t>
+                      </a:r>
+                      <a:endParaRPr lang="pt-BR" dirty="0"/>
+                    </a:p>
+                  </a:txBody>
+                  <a:tcPr/>
+                </a:tc>
+              </a:tr>
+              <a:tr h="370840">
+                <a:tc>
+                  <a:txBody>
+                    <a:bodyPr/>
+                    <a:lstStyle/>
+                    <a:p>
+                      <a:endParaRPr lang="pt-BR" dirty="0"/>
+                    </a:p>
+                  </a:txBody>
+                  <a:tcPr/>
+                </a:tc>
+                <a:tc>
+                  <a:txBody>
+                    <a:bodyPr/>
+                    <a:lstStyle/>
+                    <a:p>
+                      <a:endParaRPr lang="pt-BR" dirty="0"/>
+                    </a:p>
+                  </a:txBody>
+                  <a:tcPr/>
+                </a:tc>
+              </a:tr>
+            </a:tbl>
+          </a:graphicData>
+        </a:graphic>
+      </p:graphicFrame>
+      <p:sp>
+        <p:nvSpPr>
+          <p:cNvPr id="7" name="Espaço Reservado para Conteúdo 27"/>
+          <p:cNvSpPr txBox="1">
+            <a:spLocks/>
+          </p:cNvSpPr>
+          <p:nvPr/>
+        </p:nvSpPr>
+        <p:spPr>
+          <a:xfrm>
+            <a:off x="4479709" y="1447800"/>
+            <a:ext cx="4186808" cy="2125216"/>
+          </a:xfrm>
+          <a:prstGeom prst="rect">
+            <a:avLst/>
+          </a:prstGeom>
+        </p:spPr>
+        <p:txBody>
+          <a:bodyPr vert="horz" numCol="1">
+            <a:noAutofit/>
+          </a:bodyPr>
+          <a:lstStyle>
+            <a:lvl1pPr marL="274320" indent="-274320" algn="l" rtl="0" eaLnBrk="1" latinLnBrk="0" hangingPunct="1">
+              <a:spcBef>
+                <a:spcPts val="580"/>
+              </a:spcBef>
+              <a:buClr>
+                <a:schemeClr val="accent1"/>
+              </a:buClr>
+              <a:buSzPct val="85000"/>
+              <a:buFont typeface="Wingdings 2"/>
+              <a:buChar char=""/>
+              <a:defRPr kumimoji="0" sz="2600" kern="1200">
+                <a:solidFill>
+                  <a:schemeClr val="tx1"/>
+                </a:solidFill>
+                <a:latin typeface="+mn-lt"/>
+                <a:ea typeface="+mn-ea"/>
+                <a:cs typeface="+mn-cs"/>
+              </a:defRPr>
+            </a:lvl1pPr>
+            <a:lvl2pPr marL="548640" indent="-228600" algn="l" rtl="0" eaLnBrk="1" latinLnBrk="0" hangingPunct="1">
+              <a:spcBef>
+                <a:spcPts val="370"/>
+              </a:spcBef>
+              <a:buClr>
+                <a:schemeClr val="accent2"/>
+              </a:buClr>
+              <a:buSzPct val="85000"/>
+              <a:buFont typeface="Wingdings 2"/>
+              <a:buChar char=""/>
+              <a:defRPr kumimoji="0" sz="2400" kern="1200">
+                <a:solidFill>
+                  <a:schemeClr val="tx1"/>
+                </a:solidFill>
+                <a:latin typeface="+mn-lt"/>
+                <a:ea typeface="+mn-ea"/>
+                <a:cs typeface="+mn-cs"/>
+              </a:defRPr>
+            </a:lvl2pPr>
+            <a:lvl3pPr marL="822960" indent="-228600" algn="l" rtl="0" eaLnBrk="1" latinLnBrk="0" hangingPunct="1">
+              <a:spcBef>
+                <a:spcPts val="370"/>
+              </a:spcBef>
+              <a:buClr>
+                <a:schemeClr val="accent1">
+                  <a:tint val="60000"/>
+                </a:schemeClr>
+              </a:buClr>
+              <a:buSzPct val="85000"/>
+              <a:buFont typeface="Wingdings 2"/>
+              <a:buChar char=""/>
+              <a:defRPr kumimoji="0" sz="2000" kern="1200">
+                <a:solidFill>
+                  <a:schemeClr val="tx1"/>
+                </a:solidFill>
+                <a:latin typeface="+mn-lt"/>
+                <a:ea typeface="+mn-ea"/>
+                <a:cs typeface="+mn-cs"/>
+              </a:defRPr>
+            </a:lvl3pPr>
+            <a:lvl4pPr marL="1097280" indent="-228600" algn="l" rtl="0" eaLnBrk="1" latinLnBrk="0" hangingPunct="1">
+              <a:spcBef>
+                <a:spcPts val="370"/>
+              </a:spcBef>
+              <a:buClr>
+                <a:schemeClr val="accent3"/>
+              </a:buClr>
+              <a:buSzPct val="80000"/>
+              <a:buFont typeface="Wingdings 2"/>
+              <a:buChar char=""/>
+              <a:defRPr kumimoji="0" sz="2000" kern="1200">
+                <a:solidFill>
+                  <a:schemeClr val="tx1"/>
+                </a:solidFill>
+                <a:latin typeface="+mn-lt"/>
+                <a:ea typeface="+mn-ea"/>
+                <a:cs typeface="+mn-cs"/>
+              </a:defRPr>
+            </a:lvl4pPr>
+            <a:lvl5pPr marL="1371600" indent="-228600" algn="l" rtl="0" eaLnBrk="1" latinLnBrk="0" hangingPunct="1">
+              <a:spcBef>
+                <a:spcPts val="370"/>
+              </a:spcBef>
+              <a:buClr>
+                <a:schemeClr val="accent3"/>
+              </a:buClr>
+              <a:buFontTx/>
+              <a:buChar char="o"/>
+              <a:defRPr kumimoji="0" sz="2000" kern="1200">
+                <a:solidFill>
+                  <a:schemeClr val="tx1"/>
+                </a:solidFill>
+                <a:latin typeface="+mn-lt"/>
+                <a:ea typeface="+mn-ea"/>
+                <a:cs typeface="+mn-cs"/>
+              </a:defRPr>
+            </a:lvl5pPr>
+            <a:lvl6pPr marL="1645920" indent="-228600" algn="l" rtl="0" eaLnBrk="1" latinLnBrk="0" hangingPunct="1">
+              <a:spcBef>
+                <a:spcPts val="370"/>
+              </a:spcBef>
+              <a:buClr>
+                <a:schemeClr val="accent3"/>
+              </a:buClr>
+              <a:buChar char="•"/>
+              <a:defRPr kumimoji="0" sz="1800" kern="1200" baseline="0">
+                <a:solidFill>
+                  <a:schemeClr val="tx1"/>
+                </a:solidFill>
+                <a:latin typeface="+mn-lt"/>
+                <a:ea typeface="+mn-ea"/>
+                <a:cs typeface="+mn-cs"/>
+              </a:defRPr>
+            </a:lvl6pPr>
+            <a:lvl7pPr marL="1920240" indent="-228600" algn="l" rtl="0" eaLnBrk="1" latinLnBrk="0" hangingPunct="1">
+              <a:spcBef>
+                <a:spcPts val="370"/>
+              </a:spcBef>
+              <a:buClr>
+                <a:schemeClr val="accent2"/>
+              </a:buClr>
+              <a:buChar char="•"/>
+              <a:defRPr kumimoji="0" sz="1800" kern="1200">
+                <a:solidFill>
+                  <a:schemeClr val="tx1"/>
+                </a:solidFill>
+                <a:latin typeface="+mn-lt"/>
+                <a:ea typeface="+mn-ea"/>
+                <a:cs typeface="+mn-cs"/>
+              </a:defRPr>
+            </a:lvl7pPr>
+            <a:lvl8pPr marL="2194560" indent="-228600" algn="l" rtl="0" eaLnBrk="1" latinLnBrk="0" hangingPunct="1">
+              <a:spcBef>
+                <a:spcPts val="370"/>
+              </a:spcBef>
+              <a:buClr>
+                <a:schemeClr val="accent1">
+                  <a:tint val="60000"/>
+                </a:schemeClr>
+              </a:buClr>
+              <a:buChar char="•"/>
+              <a:defRPr kumimoji="0" sz="1800" kern="1200">
+                <a:solidFill>
+                  <a:schemeClr val="tx1"/>
+                </a:solidFill>
+                <a:latin typeface="+mn-lt"/>
+                <a:ea typeface="+mn-ea"/>
+                <a:cs typeface="+mn-cs"/>
+              </a:defRPr>
+            </a:lvl8pPr>
+            <a:lvl9pPr marL="2468880" indent="-228600" algn="l" rtl="0" eaLnBrk="1" latinLnBrk="0" hangingPunct="1">
+              <a:spcBef>
+                <a:spcPts val="370"/>
+              </a:spcBef>
+              <a:buClr>
+                <a:schemeClr val="accent2">
+                  <a:tint val="60000"/>
+                </a:schemeClr>
+              </a:buClr>
+              <a:buChar char="•"/>
+              <a:defRPr kumimoji="0" sz="1800" kern="1200">
+                <a:solidFill>
+                  <a:schemeClr val="tx1"/>
+                </a:solidFill>
+                <a:latin typeface="+mn-lt"/>
+                <a:ea typeface="+mn-ea"/>
+                <a:cs typeface="+mn-cs"/>
+              </a:defRPr>
+            </a:lvl9pPr>
+          </a:lstStyle>
+          <a:p>
+            <a:pPr marL="274320" lvl="1" indent="-274320">
+              <a:lnSpc>
+                <a:spcPct val="160000"/>
+              </a:lnSpc>
+              <a:spcBef>
+                <a:spcPts val="580"/>
+              </a:spcBef>
+              <a:buClr>
+                <a:schemeClr val="accent1"/>
+              </a:buClr>
+            </a:pPr>
+            <a:r>
+              <a:rPr lang="pt-BR" sz="1800" dirty="0" smtClean="0"/>
+              <a:t>Distribuição:</a:t>
+            </a:r>
+          </a:p>
+          <a:p>
+            <a:pPr marL="548640" lvl="2" indent="-274320">
+              <a:lnSpc>
+                <a:spcPct val="160000"/>
+              </a:lnSpc>
+              <a:spcBef>
+                <a:spcPts val="580"/>
+              </a:spcBef>
+              <a:buClr>
+                <a:schemeClr val="accent1"/>
+              </a:buClr>
+            </a:pPr>
+            <a:r>
+              <a:rPr lang="pt-BR" sz="1400" dirty="0" smtClean="0"/>
+              <a:t>Yes - </a:t>
+            </a:r>
+          </a:p>
+          <a:p>
+            <a:pPr marL="548640" lvl="2" indent="-274320">
+              <a:lnSpc>
+                <a:spcPct val="160000"/>
+              </a:lnSpc>
+              <a:spcBef>
+                <a:spcPts val="580"/>
+              </a:spcBef>
+              <a:buClr>
+                <a:schemeClr val="accent1"/>
+              </a:buClr>
+            </a:pPr>
+            <a:r>
+              <a:rPr lang="pt-BR" sz="1400" dirty="0" smtClean="0"/>
+              <a:t>No - </a:t>
+            </a:r>
+          </a:p>
+          <a:p>
+            <a:pPr marL="548640" lvl="2" indent="-274320">
+              <a:lnSpc>
+                <a:spcPct val="160000"/>
+              </a:lnSpc>
+              <a:spcBef>
+                <a:spcPts val="580"/>
+              </a:spcBef>
+              <a:buClr>
+                <a:schemeClr val="accent1"/>
+              </a:buClr>
+            </a:pPr>
+            <a:r>
+              <a:rPr lang="pt-BR" sz="1400" dirty="0" smtClean="0"/>
+              <a:t>NI - </a:t>
+            </a:r>
+          </a:p>
+        </p:txBody>
+      </p:sp>
+    </p:spTree>
+    <p:extLst>
+      <p:ext uri="{BB962C8B-B14F-4D97-AF65-F5344CB8AC3E}">
+        <p14:creationId xmlns:p14="http://schemas.microsoft.com/office/powerpoint/2010/main" val="979217967"/>
+      </p:ext>
+    </p:extLst>
+  </p:cSld>
+  <p:clrMapOvr>
+    <a:masterClrMapping/>
+  </p:clrMapOvr>
+  <p:timing>
+    <p:tnLst>
+      <p:par>
+        <p:cTn id="1" dur="indefinite" restart="never" nodeType="tmRoot"/>
+      </p:par>
+    </p:tnLst>
+  </p:timing>
+</p:sld>
+</file>
+
+<file path=ppt/slides/slide25.xml><?xml version="1.0" encoding="utf-8"?>
+<p:sld xmlns:a="http://schemas.openxmlformats.org/drawingml/2006/main" xmlns:r="http://schemas.openxmlformats.org/officeDocument/2006/relationships" xmlns:p="http://schemas.openxmlformats.org/presentationml/2006/main">
+  <p:cSld>
+    <p:spTree>
+      <p:nvGrpSpPr>
+        <p:cNvPr id="1" name=""/>
+        <p:cNvGrpSpPr/>
+        <p:nvPr/>
+      </p:nvGrpSpPr>
+      <p:grpSpPr>
+        <a:xfrm>
+          <a:off x="0" y="0"/>
+          <a:ext cx="0" cy="0"/>
+          <a:chOff x="0" y="0"/>
+          <a:chExt cx="0" cy="0"/>
+        </a:xfrm>
+      </p:grpSpPr>
+      <p:sp>
+        <p:nvSpPr>
+          <p:cNvPr id="2" name="Título 1"/>
+          <p:cNvSpPr>
+            <a:spLocks noGrp="1"/>
+          </p:cNvSpPr>
+          <p:nvPr>
+            <p:ph type="title"/>
+          </p:nvPr>
+        </p:nvSpPr>
+        <p:spPr/>
+        <p:txBody>
+          <a:bodyPr>
+            <a:normAutofit fontScale="90000"/>
+          </a:bodyPr>
+          <a:lstStyle/>
+          <a:p>
+            <a:pPr algn="ctr"/>
+            <a:r>
+              <a:rPr lang="pt-BR" b="1" cap="all" dirty="0" smtClean="0">
+                <a:ln w="9000" cmpd="sng">
+                  <a:solidFill>
+                    <a:schemeClr val="accent4">
+                      <a:shade val="50000"/>
+                      <a:satMod val="120000"/>
+                    </a:schemeClr>
+                  </a:solidFill>
+                  <a:prstDash val="solid"/>
+                </a:ln>
+                <a:gradFill>
+                  <a:gsLst>
+                    <a:gs pos="0">
+                      <a:schemeClr val="accent4">
+                        <a:shade val="20000"/>
+                        <a:satMod val="245000"/>
+                      </a:schemeClr>
+                    </a:gs>
+                    <a:gs pos="43000">
+                      <a:schemeClr val="accent4">
+                        <a:satMod val="255000"/>
+                      </a:schemeClr>
+                    </a:gs>
+                    <a:gs pos="48000">
+                      <a:schemeClr val="accent4">
+                        <a:shade val="85000"/>
+                        <a:satMod val="255000"/>
+                      </a:schemeClr>
+                    </a:gs>
+                    <a:gs pos="100000">
+                      <a:schemeClr val="accent4">
+                        <a:shade val="20000"/>
+                        <a:satMod val="245000"/>
+                      </a:schemeClr>
+                    </a:gs>
+                  </a:gsLst>
+                  <a:lin ang="5400000"/>
+                </a:gradFill>
+                <a:effectLst>
+                  <a:reflection blurRad="12700" stA="28000" endPos="45000" dist="1000" dir="5400000" sy="-100000" algn="bl" rotWithShape="0"/>
+                </a:effectLst>
+              </a:rPr>
+              <a:t>Resultados </a:t>
+            </a:r>
+            <a:r>
+              <a:rPr lang="pt-BR" b="1" cap="all" dirty="0" smtClean="0">
+                <a:ln w="9000" cmpd="sng">
+                  <a:solidFill>
+                    <a:schemeClr val="accent4">
+                      <a:shade val="50000"/>
+                      <a:satMod val="120000"/>
+                    </a:schemeClr>
+                  </a:solidFill>
+                  <a:prstDash val="solid"/>
+                </a:ln>
+                <a:gradFill>
+                  <a:gsLst>
+                    <a:gs pos="0">
+                      <a:schemeClr val="accent4">
+                        <a:shade val="20000"/>
+                        <a:satMod val="245000"/>
+                      </a:schemeClr>
+                    </a:gs>
+                    <a:gs pos="43000">
+                      <a:schemeClr val="accent4">
+                        <a:satMod val="255000"/>
+                      </a:schemeClr>
+                    </a:gs>
+                    <a:gs pos="48000">
+                      <a:schemeClr val="accent4">
+                        <a:shade val="85000"/>
+                        <a:satMod val="255000"/>
+                      </a:schemeClr>
+                    </a:gs>
+                    <a:gs pos="100000">
+                      <a:schemeClr val="accent4">
+                        <a:shade val="20000"/>
+                        <a:satMod val="245000"/>
+                      </a:schemeClr>
+                    </a:gs>
+                  </a:gsLst>
+                  <a:lin ang="5400000"/>
+                </a:gradFill>
+                <a:effectLst>
+                  <a:reflection blurRad="12700" stA="28000" endPos="45000" dist="1000" dir="5400000" sy="-100000" algn="bl" rotWithShape="0"/>
+                </a:effectLst>
+              </a:rPr>
+              <a:t>– </a:t>
+            </a:r>
+            <a:r>
+              <a:rPr lang="pt-BR" b="1" cap="all" dirty="0" smtClean="0">
+                <a:ln w="9000" cmpd="sng">
+                  <a:solidFill>
+                    <a:schemeClr val="accent4">
+                      <a:shade val="50000"/>
+                      <a:satMod val="120000"/>
+                    </a:schemeClr>
+                  </a:solidFill>
+                  <a:prstDash val="solid"/>
+                </a:ln>
+                <a:gradFill>
+                  <a:gsLst>
+                    <a:gs pos="0">
+                      <a:schemeClr val="accent4">
+                        <a:shade val="20000"/>
+                        <a:satMod val="245000"/>
+                      </a:schemeClr>
+                    </a:gs>
+                    <a:gs pos="43000">
+                      <a:schemeClr val="accent4">
+                        <a:satMod val="255000"/>
+                      </a:schemeClr>
+                    </a:gs>
+                    <a:gs pos="48000">
+                      <a:schemeClr val="accent4">
+                        <a:shade val="85000"/>
+                        <a:satMod val="255000"/>
+                      </a:schemeClr>
+                    </a:gs>
+                    <a:gs pos="100000">
+                      <a:schemeClr val="accent4">
+                        <a:shade val="20000"/>
+                        <a:satMod val="245000"/>
+                      </a:schemeClr>
+                    </a:gs>
+                  </a:gsLst>
+                  <a:lin ang="5400000"/>
+                </a:gradFill>
+                <a:effectLst>
+                  <a:reflection blurRad="12700" stA="28000" endPos="45000" dist="1000" dir="5400000" sy="-100000" algn="bl" rotWithShape="0"/>
+                </a:effectLst>
+              </a:rPr>
+              <a:t>Classificação</a:t>
+            </a:r>
+            <a:endParaRPr lang="pt-BR" b="1" cap="all" dirty="0">
+              <a:ln w="9000" cmpd="sng">
+                <a:solidFill>
+                  <a:schemeClr val="accent4">
+                    <a:shade val="50000"/>
+                    <a:satMod val="120000"/>
+                  </a:schemeClr>
+                </a:solidFill>
+                <a:prstDash val="solid"/>
+              </a:ln>
+              <a:gradFill>
+                <a:gsLst>
+                  <a:gs pos="0">
+                    <a:schemeClr val="accent4">
+                      <a:shade val="20000"/>
+                      <a:satMod val="245000"/>
+                    </a:schemeClr>
+                  </a:gs>
+                  <a:gs pos="43000">
+                    <a:schemeClr val="accent4">
+                      <a:satMod val="255000"/>
+                    </a:schemeClr>
+                  </a:gs>
+                  <a:gs pos="48000">
+                    <a:schemeClr val="accent4">
+                      <a:shade val="85000"/>
+                      <a:satMod val="255000"/>
+                    </a:schemeClr>
+                  </a:gs>
+                  <a:gs pos="100000">
+                    <a:schemeClr val="accent4">
+                      <a:shade val="20000"/>
+                      <a:satMod val="245000"/>
+                    </a:schemeClr>
+                  </a:gs>
+                </a:gsLst>
+                <a:lin ang="5400000"/>
+              </a:gradFill>
+              <a:effectLst>
+                <a:reflection blurRad="12700" stA="28000" endPos="45000" dist="1000" dir="5400000" sy="-100000" algn="bl" rotWithShape="0"/>
+              </a:effectLst>
+            </a:endParaRPr>
+          </a:p>
+        </p:txBody>
+      </p:sp>
+      <p:graphicFrame>
+        <p:nvGraphicFramePr>
+          <p:cNvPr id="4" name="Tabela 3"/>
+          <p:cNvGraphicFramePr>
+            <a:graphicFrameLocks noGrp="1"/>
+          </p:cNvGraphicFramePr>
+          <p:nvPr>
+            <p:extLst>
+              <p:ext uri="{D42A27DB-BD31-4B8C-83A1-F6EECF244321}">
+                <p14:modId xmlns:p14="http://schemas.microsoft.com/office/powerpoint/2010/main" val="3781239278"/>
+              </p:ext>
+            </p:extLst>
+          </p:nvPr>
+        </p:nvGraphicFramePr>
+        <p:xfrm>
+          <a:off x="539552" y="2132856"/>
+          <a:ext cx="7344816" cy="1112520"/>
+        </p:xfrm>
+        <a:graphic>
+          <a:graphicData uri="http://schemas.openxmlformats.org/drawingml/2006/table">
+            <a:tbl>
+              <a:tblPr firstRow="1" bandRow="1">
+                <a:tableStyleId>{5C22544A-7EE6-4342-B048-85BDC9FD1C3A}</a:tableStyleId>
+              </a:tblPr>
+              <a:tblGrid>
+                <a:gridCol w="3210099"/>
+                <a:gridCol w="1398413"/>
+                <a:gridCol w="1512168"/>
+                <a:gridCol w="1224136"/>
+              </a:tblGrid>
+              <a:tr h="370840">
+                <a:tc>
+                  <a:txBody>
+                    <a:bodyPr/>
+                    <a:lstStyle/>
+                    <a:p>
+                      <a:r>
+                        <a:rPr lang="pt-BR" dirty="0" smtClean="0"/>
+                        <a:t>Amostra</a:t>
+                      </a:r>
+                      <a:endParaRPr lang="pt-BR" dirty="0"/>
+                    </a:p>
+                  </a:txBody>
+                  <a:tcPr/>
+                </a:tc>
+                <a:tc>
+                  <a:txBody>
+                    <a:bodyPr/>
+                    <a:lstStyle/>
+                    <a:p>
+                      <a:endParaRPr lang="pt-BR" dirty="0"/>
+                    </a:p>
+                  </a:txBody>
+                  <a:tcPr/>
+                </a:tc>
+                <a:tc>
+                  <a:txBody>
+                    <a:bodyPr/>
+                    <a:lstStyle/>
+                    <a:p>
+                      <a:endParaRPr lang="pt-BR" dirty="0"/>
+                    </a:p>
+                  </a:txBody>
+                  <a:tcPr/>
+                </a:tc>
+                <a:tc>
+                  <a:txBody>
+                    <a:bodyPr/>
+                    <a:lstStyle/>
+                    <a:p>
+                      <a:endParaRPr lang="pt-BR" dirty="0"/>
+                    </a:p>
+                  </a:txBody>
+                  <a:tcPr/>
+                </a:tc>
+              </a:tr>
+              <a:tr h="370840">
+                <a:tc>
+                  <a:txBody>
+                    <a:bodyPr/>
+                    <a:lstStyle/>
+                    <a:p>
+                      <a:r>
+                        <a:rPr lang="pt-BR" dirty="0" smtClean="0"/>
+                        <a:t>Dados</a:t>
+                      </a:r>
+                      <a:r>
+                        <a:rPr lang="pt-BR" baseline="0" dirty="0" smtClean="0"/>
+                        <a:t> de treino</a:t>
+                      </a:r>
+                      <a:endParaRPr lang="pt-BR" dirty="0"/>
+                    </a:p>
+                  </a:txBody>
+                  <a:tcPr/>
+                </a:tc>
+                <a:tc>
+                  <a:txBody>
+                    <a:bodyPr/>
+                    <a:lstStyle/>
+                    <a:p>
+                      <a:r>
+                        <a:rPr lang="pt-BR" dirty="0" smtClean="0"/>
+                        <a:t>75%</a:t>
+                      </a:r>
+                      <a:endParaRPr lang="pt-BR" dirty="0"/>
+                    </a:p>
+                  </a:txBody>
+                  <a:tcPr/>
+                </a:tc>
+                <a:tc>
+                  <a:txBody>
+                    <a:bodyPr/>
+                    <a:lstStyle/>
+                    <a:p>
+                      <a:endParaRPr lang="pt-BR" dirty="0"/>
+                    </a:p>
+                  </a:txBody>
+                  <a:tcPr/>
+                </a:tc>
+                <a:tc>
+                  <a:txBody>
+                    <a:bodyPr/>
+                    <a:lstStyle/>
+                    <a:p>
+                      <a:endParaRPr lang="pt-BR" dirty="0"/>
+                    </a:p>
+                  </a:txBody>
+                  <a:tcPr/>
+                </a:tc>
+              </a:tr>
+              <a:tr h="370840">
+                <a:tc>
+                  <a:txBody>
+                    <a:bodyPr/>
+                    <a:lstStyle/>
+                    <a:p>
+                      <a:r>
+                        <a:rPr lang="pt-BR" dirty="0" smtClean="0"/>
+                        <a:t>Dados de teste</a:t>
+                      </a:r>
+                      <a:endParaRPr lang="pt-BR" dirty="0"/>
+                    </a:p>
+                  </a:txBody>
+                  <a:tcPr/>
+                </a:tc>
+                <a:tc>
+                  <a:txBody>
+                    <a:bodyPr/>
+                    <a:lstStyle/>
+                    <a:p>
+                      <a:r>
+                        <a:rPr lang="pt-BR" dirty="0" smtClean="0"/>
+                        <a:t>25%</a:t>
+                      </a:r>
+                      <a:endParaRPr lang="pt-BR" dirty="0"/>
+                    </a:p>
+                  </a:txBody>
+                  <a:tcPr/>
+                </a:tc>
+                <a:tc>
+                  <a:txBody>
+                    <a:bodyPr/>
+                    <a:lstStyle/>
+                    <a:p>
+                      <a:endParaRPr lang="pt-BR" dirty="0"/>
+                    </a:p>
+                  </a:txBody>
+                  <a:tcPr/>
+                </a:tc>
+                <a:tc>
+                  <a:txBody>
+                    <a:bodyPr/>
+                    <a:lstStyle/>
+                    <a:p>
+                      <a:endParaRPr lang="pt-BR" dirty="0"/>
+                    </a:p>
+                  </a:txBody>
+                  <a:tcPr/>
+                </a:tc>
+              </a:tr>
+            </a:tbl>
+          </a:graphicData>
+        </a:graphic>
+      </p:graphicFrame>
+      <p:graphicFrame>
+        <p:nvGraphicFramePr>
+          <p:cNvPr id="5" name="Tabela 4"/>
+          <p:cNvGraphicFramePr>
+            <a:graphicFrameLocks noGrp="1"/>
+          </p:cNvGraphicFramePr>
+          <p:nvPr>
+            <p:extLst>
+              <p:ext uri="{D42A27DB-BD31-4B8C-83A1-F6EECF244321}">
+                <p14:modId xmlns:p14="http://schemas.microsoft.com/office/powerpoint/2010/main" val="2811102510"/>
+              </p:ext>
+            </p:extLst>
+          </p:nvPr>
+        </p:nvGraphicFramePr>
+        <p:xfrm>
+          <a:off x="1547664" y="4149080"/>
+          <a:ext cx="4320480" cy="1854200"/>
+        </p:xfrm>
+        <a:graphic>
+          <a:graphicData uri="http://schemas.openxmlformats.org/drawingml/2006/table">
+            <a:tbl>
+              <a:tblPr firstRow="1" bandRow="1">
+                <a:tableStyleId>{5C22544A-7EE6-4342-B048-85BDC9FD1C3A}</a:tableStyleId>
+              </a:tblPr>
+              <a:tblGrid>
+                <a:gridCol w="2160240"/>
+                <a:gridCol w="2160240"/>
+              </a:tblGrid>
+              <a:tr h="370840">
+                <a:tc>
+                  <a:txBody>
+                    <a:bodyPr/>
+                    <a:lstStyle/>
+                    <a:p>
+                      <a:r>
+                        <a:rPr lang="pt-BR" dirty="0" smtClean="0"/>
+                        <a:t>Algoritmo</a:t>
+                      </a:r>
+                      <a:endParaRPr lang="pt-BR" dirty="0"/>
+                    </a:p>
+                  </a:txBody>
+                  <a:tcPr/>
+                </a:tc>
+                <a:tc>
+                  <a:txBody>
+                    <a:bodyPr/>
+                    <a:lstStyle/>
+                    <a:p>
+                      <a:r>
+                        <a:rPr lang="pt-BR" dirty="0" err="1" smtClean="0"/>
+                        <a:t>Accuracy</a:t>
+                      </a:r>
+                      <a:endParaRPr lang="pt-BR" dirty="0"/>
+                    </a:p>
+                  </a:txBody>
+                  <a:tcPr/>
+                </a:tc>
+              </a:tr>
+              <a:tr h="370840">
+                <a:tc>
+                  <a:txBody>
+                    <a:bodyPr/>
+                    <a:lstStyle/>
+                    <a:p>
+                      <a:r>
+                        <a:rPr lang="pt-BR" dirty="0" err="1" smtClean="0"/>
+                        <a:t>Naive</a:t>
+                      </a:r>
+                      <a:r>
+                        <a:rPr lang="pt-BR" dirty="0" smtClean="0"/>
+                        <a:t> </a:t>
+                      </a:r>
+                      <a:r>
+                        <a:rPr lang="pt-BR" dirty="0" err="1" smtClean="0"/>
+                        <a:t>Bayes</a:t>
+                      </a:r>
+                      <a:endParaRPr lang="pt-BR" dirty="0"/>
+                    </a:p>
+                  </a:txBody>
+                  <a:tcPr/>
+                </a:tc>
+                <a:tc>
+                  <a:txBody>
+                    <a:bodyPr/>
+                    <a:lstStyle/>
+                    <a:p>
+                      <a:endParaRPr lang="pt-BR" dirty="0"/>
+                    </a:p>
+                  </a:txBody>
+                  <a:tcPr/>
+                </a:tc>
+              </a:tr>
+              <a:tr h="370840">
+                <a:tc>
+                  <a:txBody>
+                    <a:bodyPr/>
+                    <a:lstStyle/>
+                    <a:p>
+                      <a:r>
+                        <a:rPr lang="pt-BR" dirty="0" smtClean="0"/>
+                        <a:t>SVC</a:t>
+                      </a:r>
+                      <a:endParaRPr lang="pt-BR" dirty="0"/>
+                    </a:p>
+                  </a:txBody>
+                  <a:tcPr/>
+                </a:tc>
+                <a:tc>
+                  <a:txBody>
+                    <a:bodyPr/>
+                    <a:lstStyle/>
+                    <a:p>
+                      <a:endParaRPr lang="pt-BR"/>
+                    </a:p>
+                  </a:txBody>
+                  <a:tcPr/>
+                </a:tc>
+              </a:tr>
+              <a:tr h="370840">
+                <a:tc>
+                  <a:txBody>
+                    <a:bodyPr/>
+                    <a:lstStyle/>
+                    <a:p>
+                      <a:r>
+                        <a:rPr lang="pt-BR" dirty="0" smtClean="0"/>
+                        <a:t>SVM</a:t>
+                      </a:r>
+                      <a:endParaRPr lang="pt-BR" dirty="0"/>
+                    </a:p>
+                  </a:txBody>
+                  <a:tcPr/>
+                </a:tc>
+                <a:tc>
+                  <a:txBody>
+                    <a:bodyPr/>
+                    <a:lstStyle/>
+                    <a:p>
+                      <a:endParaRPr lang="pt-BR"/>
+                    </a:p>
+                  </a:txBody>
+                  <a:tcPr/>
+                </a:tc>
+              </a:tr>
+              <a:tr h="370840">
+                <a:tc>
+                  <a:txBody>
+                    <a:bodyPr/>
+                    <a:lstStyle/>
+                    <a:p>
+                      <a:r>
+                        <a:rPr lang="pt-BR" dirty="0" err="1" smtClean="0"/>
+                        <a:t>Deep</a:t>
+                      </a:r>
+                      <a:r>
+                        <a:rPr lang="pt-BR" baseline="0" dirty="0" smtClean="0"/>
+                        <a:t> Learning</a:t>
+                      </a:r>
+                      <a:endParaRPr lang="pt-BR" dirty="0"/>
+                    </a:p>
+                  </a:txBody>
+                  <a:tcPr/>
+                </a:tc>
+                <a:tc>
+                  <a:txBody>
+                    <a:bodyPr/>
+                    <a:lstStyle/>
+                    <a:p>
+                      <a:endParaRPr lang="pt-BR" dirty="0"/>
+                    </a:p>
+                  </a:txBody>
+                  <a:tcPr/>
+                </a:tc>
+              </a:tr>
+            </a:tbl>
+          </a:graphicData>
+        </a:graphic>
+      </p:graphicFrame>
+    </p:spTree>
+  </p:cSld>
+  <p:clrMapOvr>
+    <a:masterClrMapping/>
+  </p:clrMapOvr>
+  <p:timing>
+    <p:tnLst>
+      <p:par>
+        <p:cTn id="1" dur="indefinite" restart="never" nodeType="tmRoot"/>
+      </p:par>
+    </p:tnLst>
+  </p:timing>
+</p:sld>
+</file>
+
+<file path=ppt/slides/slide26.xml><?xml version="1.0" encoding="utf-8"?>
+<p:sld xmlns:a="http://schemas.openxmlformats.org/drawingml/2006/main" xmlns:r="http://schemas.openxmlformats.org/officeDocument/2006/relationships" xmlns:p="http://schemas.openxmlformats.org/presentationml/2006/main">
+  <p:cSld>
+    <p:spTree>
+      <p:nvGrpSpPr>
+        <p:cNvPr id="1" name=""/>
+        <p:cNvGrpSpPr/>
+        <p:nvPr/>
+      </p:nvGrpSpPr>
+      <p:grpSpPr>
+        <a:xfrm>
+          <a:off x="0" y="0"/>
+          <a:ext cx="0" cy="0"/>
+          <a:chOff x="0" y="0"/>
+          <a:chExt cx="0" cy="0"/>
+        </a:xfrm>
+      </p:grpSpPr>
+      <p:sp>
+        <p:nvSpPr>
+          <p:cNvPr id="2" name="Título 1"/>
+          <p:cNvSpPr>
+            <a:spLocks noGrp="1"/>
+          </p:cNvSpPr>
+          <p:nvPr>
+            <p:ph type="title"/>
+          </p:nvPr>
+        </p:nvSpPr>
+        <p:spPr/>
+        <p:txBody>
           <a:bodyPr/>
           <a:lstStyle/>
           <a:p>
@@ -21198,7 +23165,7 @@
         <p:spPr/>
         <p:txBody>
           <a:bodyPr>
-            <a:normAutofit/>
+            <a:normAutofit fontScale="92500" lnSpcReduction="20000"/>
           </a:bodyPr>
           <a:lstStyle/>
           <a:p>
@@ -21248,7 +23215,7 @@
 </p:sld>
 </file>
 
-<file path=ppt/slides/slide25.xml><?xml version="1.0" encoding="utf-8"?>
+<file path=ppt/slides/slide27.xml><?xml version="1.0" encoding="utf-8"?>
 <p:sld xmlns:a="http://schemas.openxmlformats.org/drawingml/2006/main" xmlns:r="http://schemas.openxmlformats.org/officeDocument/2006/relationships" xmlns:p="http://schemas.openxmlformats.org/presentationml/2006/main">
   <p:cSld>
     <p:spTree>
@@ -21437,7 +23404,7 @@
 </p:sld>
 </file>
 
-<file path=ppt/slides/slide26.xml><?xml version="1.0" encoding="utf-8"?>
+<file path=ppt/slides/slide28.xml><?xml version="1.0" encoding="utf-8"?>
 <p:sld xmlns:a="http://schemas.openxmlformats.org/drawingml/2006/main" xmlns:r="http://schemas.openxmlformats.org/officeDocument/2006/relationships" xmlns:p="http://schemas.openxmlformats.org/presentationml/2006/main">
   <p:cSld>
     <p:spTree>
